--- a/Slides Exercício 2 Ciência de dados.pptx
+++ b/Slides Exercício 2 Ciência de dados.pptx
@@ -1,6 +1,6 @@
 
 <file path=ppt/presentation.xml><?xml version="1.0" encoding="utf-8"?>
-<p:presentation xmlns:a="http://schemas.openxmlformats.org/drawingml/2006/main" xmlns:r="http://schemas.openxmlformats.org/officeDocument/2006/relationships" xmlns:mc="http://schemas.openxmlformats.org/markup-compatibility/2006" xmlns:mv="urn:schemas-microsoft-com:mac:vml" xmlns:p="http://schemas.openxmlformats.org/presentationml/2006/main" xmlns:c="http://schemas.openxmlformats.org/drawingml/2006/chart" xmlns:dgm="http://schemas.openxmlformats.org/drawingml/2006/diagram" xmlns:o="urn:schemas-microsoft-com:office:office" xmlns:v="urn:schemas-microsoft-com:vml" xmlns:pvml="urn:schemas-microsoft-com:office:powerpoint" xmlns:com="http://schemas.openxmlformats.org/drawingml/2006/compatibility" xmlns:p14="http://schemas.microsoft.com/office/powerpoint/2010/main" xmlns:p15="http://schemas.microsoft.com/office/powerpoint/2012/main" autoCompressPictures="0" strictFirstAndLastChars="0" saveSubsetFonts="1">
+<p:presentation xmlns:a="http://schemas.openxmlformats.org/drawingml/2006/main" xmlns:r="http://schemas.openxmlformats.org/officeDocument/2006/relationships" xmlns:mc="http://schemas.openxmlformats.org/markup-compatibility/2006" xmlns:mv="urn:schemas-microsoft-com:mac:vml" xmlns:p="http://schemas.openxmlformats.org/presentationml/2006/main" xmlns:c="http://schemas.openxmlformats.org/drawingml/2006/chart" xmlns:dgm="http://schemas.openxmlformats.org/drawingml/2006/diagram" xmlns:o="urn:schemas-microsoft-com:office:office" xmlns:v="urn:schemas-microsoft-com:vml" xmlns:pvml="urn:schemas-microsoft-com:office:powerpoint" xmlns:com="http://schemas.openxmlformats.org/drawingml/2006/compatibility" xmlns:p14="http://schemas.microsoft.com/office/powerpoint/2010/main" xmlns:p15="http://schemas.microsoft.com/office/powerpoint/2012/main" autoCompressPictures="0" embedTrueTypeFonts="1" strictFirstAndLastChars="0" saveSubsetFonts="1">
   <p:sldMasterIdLst>
     <p:sldMasterId id="2147483659" r:id="rId4"/>
   </p:sldMasterIdLst>
@@ -26,6 +26,22 @@
   </p:sldIdLst>
   <p:sldSz cy="5143500" cx="9144000"/>
   <p:notesSz cx="6858000" cy="9144000"/>
+  <p:embeddedFontLst>
+    <p:embeddedFont>
+      <p:font typeface="Raleway"/>
+      <p:regular r:id="rId21"/>
+      <p:bold r:id="rId22"/>
+      <p:italic r:id="rId23"/>
+      <p:boldItalic r:id="rId24"/>
+    </p:embeddedFont>
+    <p:embeddedFont>
+      <p:font typeface="Lato"/>
+      <p:regular r:id="rId25"/>
+      <p:bold r:id="rId26"/>
+      <p:italic r:id="rId27"/>
+      <p:boldItalic r:id="rId28"/>
+    </p:embeddedFont>
+  </p:embeddedFontLst>
   <p:defaultTextStyle>
     <a:defPPr lvl="0" marR="0" rtl="0" algn="l">
       <a:lnSpc>
@@ -702,7 +718,7 @@
   <p:cSld>
     <p:spTree>
       <p:nvGrpSpPr>
-        <p:cNvPr id="50" name="Shape 50"/>
+        <p:cNvPr id="82" name="Shape 82"/>
         <p:cNvGrpSpPr/>
         <p:nvPr/>
       </p:nvGrpSpPr>
@@ -716,7 +732,7 @@
       </p:grpSpPr>
       <p:sp>
         <p:nvSpPr>
-          <p:cNvPr id="51" name="Shape 51"/>
+          <p:cNvPr id="83" name="Shape 83"/>
           <p:cNvSpPr/>
           <p:nvPr>
             <p:ph idx="2" type="sldImg"/>
@@ -750,7 +766,7 @@
       </p:sp>
       <p:sp>
         <p:nvSpPr>
-          <p:cNvPr id="52" name="Shape 52"/>
+          <p:cNvPr id="84" name="Shape 84"/>
           <p:cNvSpPr txBox="1"/>
           <p:nvPr>
             <p:ph idx="1" type="body"/>
@@ -800,7 +816,7 @@
   <p:cSld>
     <p:spTree>
       <p:nvGrpSpPr>
-        <p:cNvPr id="104" name="Shape 104"/>
+        <p:cNvPr id="136" name="Shape 136"/>
         <p:cNvGrpSpPr/>
         <p:nvPr/>
       </p:nvGrpSpPr>
@@ -814,7 +830,7 @@
       </p:grpSpPr>
       <p:sp>
         <p:nvSpPr>
-          <p:cNvPr id="105" name="Shape 105"/>
+          <p:cNvPr id="137" name="Shape 137"/>
           <p:cNvSpPr/>
           <p:nvPr>
             <p:ph idx="2" type="sldImg"/>
@@ -848,7 +864,7 @@
       </p:sp>
       <p:sp>
         <p:nvSpPr>
-          <p:cNvPr id="106" name="Shape 106"/>
+          <p:cNvPr id="138" name="Shape 138"/>
           <p:cNvSpPr txBox="1"/>
           <p:nvPr>
             <p:ph idx="1" type="body"/>
@@ -898,7 +914,7 @@
   <p:cSld>
     <p:spTree>
       <p:nvGrpSpPr>
-        <p:cNvPr id="110" name="Shape 110"/>
+        <p:cNvPr id="142" name="Shape 142"/>
         <p:cNvGrpSpPr/>
         <p:nvPr/>
       </p:nvGrpSpPr>
@@ -912,7 +928,7 @@
       </p:grpSpPr>
       <p:sp>
         <p:nvSpPr>
-          <p:cNvPr id="111" name="Shape 111"/>
+          <p:cNvPr id="143" name="Shape 143"/>
           <p:cNvSpPr/>
           <p:nvPr>
             <p:ph idx="2" type="sldImg"/>
@@ -946,7 +962,7 @@
       </p:sp>
       <p:sp>
         <p:nvSpPr>
-          <p:cNvPr id="112" name="Shape 112"/>
+          <p:cNvPr id="144" name="Shape 144"/>
           <p:cNvSpPr txBox="1"/>
           <p:nvPr>
             <p:ph idx="1" type="body"/>
@@ -996,7 +1012,7 @@
   <p:cSld>
     <p:spTree>
       <p:nvGrpSpPr>
-        <p:cNvPr id="116" name="Shape 116"/>
+        <p:cNvPr id="148" name="Shape 148"/>
         <p:cNvGrpSpPr/>
         <p:nvPr/>
       </p:nvGrpSpPr>
@@ -1010,7 +1026,7 @@
       </p:grpSpPr>
       <p:sp>
         <p:nvSpPr>
-          <p:cNvPr id="117" name="Shape 117"/>
+          <p:cNvPr id="149" name="Shape 149"/>
           <p:cNvSpPr/>
           <p:nvPr>
             <p:ph idx="2" type="sldImg"/>
@@ -1044,7 +1060,7 @@
       </p:sp>
       <p:sp>
         <p:nvSpPr>
-          <p:cNvPr id="118" name="Shape 118"/>
+          <p:cNvPr id="150" name="Shape 150"/>
           <p:cNvSpPr txBox="1"/>
           <p:nvPr>
             <p:ph idx="1" type="body"/>
@@ -1094,7 +1110,7 @@
   <p:cSld>
     <p:spTree>
       <p:nvGrpSpPr>
-        <p:cNvPr id="122" name="Shape 122"/>
+        <p:cNvPr id="154" name="Shape 154"/>
         <p:cNvGrpSpPr/>
         <p:nvPr/>
       </p:nvGrpSpPr>
@@ -1108,7 +1124,7 @@
       </p:grpSpPr>
       <p:sp>
         <p:nvSpPr>
-          <p:cNvPr id="123" name="Shape 123"/>
+          <p:cNvPr id="155" name="Shape 155"/>
           <p:cNvSpPr/>
           <p:nvPr>
             <p:ph idx="2" type="sldImg"/>
@@ -1142,7 +1158,7 @@
       </p:sp>
       <p:sp>
         <p:nvSpPr>
-          <p:cNvPr id="124" name="Shape 124"/>
+          <p:cNvPr id="156" name="Shape 156"/>
           <p:cNvSpPr txBox="1"/>
           <p:nvPr>
             <p:ph idx="1" type="body"/>
@@ -1192,7 +1208,7 @@
   <p:cSld>
     <p:spTree>
       <p:nvGrpSpPr>
-        <p:cNvPr id="128" name="Shape 128"/>
+        <p:cNvPr id="160" name="Shape 160"/>
         <p:cNvGrpSpPr/>
         <p:nvPr/>
       </p:nvGrpSpPr>
@@ -1206,7 +1222,7 @@
       </p:grpSpPr>
       <p:sp>
         <p:nvSpPr>
-          <p:cNvPr id="129" name="Shape 129"/>
+          <p:cNvPr id="161" name="Shape 161"/>
           <p:cNvSpPr/>
           <p:nvPr>
             <p:ph idx="2" type="sldImg"/>
@@ -1240,7 +1256,7 @@
       </p:sp>
       <p:sp>
         <p:nvSpPr>
-          <p:cNvPr id="130" name="Shape 130"/>
+          <p:cNvPr id="162" name="Shape 162"/>
           <p:cNvSpPr txBox="1"/>
           <p:nvPr>
             <p:ph idx="1" type="body"/>
@@ -1290,7 +1306,7 @@
   <p:cSld>
     <p:spTree>
       <p:nvGrpSpPr>
-        <p:cNvPr id="134" name="Shape 134"/>
+        <p:cNvPr id="166" name="Shape 166"/>
         <p:cNvGrpSpPr/>
         <p:nvPr/>
       </p:nvGrpSpPr>
@@ -1304,7 +1320,7 @@
       </p:grpSpPr>
       <p:sp>
         <p:nvSpPr>
-          <p:cNvPr id="135" name="Shape 135"/>
+          <p:cNvPr id="167" name="Shape 167"/>
           <p:cNvSpPr/>
           <p:nvPr>
             <p:ph idx="2" type="sldImg"/>
@@ -1338,7 +1354,7 @@
       </p:sp>
       <p:sp>
         <p:nvSpPr>
-          <p:cNvPr id="136" name="Shape 136"/>
+          <p:cNvPr id="168" name="Shape 168"/>
           <p:cNvSpPr txBox="1"/>
           <p:nvPr>
             <p:ph idx="1" type="body"/>
@@ -1388,7 +1404,7 @@
   <p:cSld>
     <p:spTree>
       <p:nvGrpSpPr>
-        <p:cNvPr id="56" name="Shape 56"/>
+        <p:cNvPr id="88" name="Shape 88"/>
         <p:cNvGrpSpPr/>
         <p:nvPr/>
       </p:nvGrpSpPr>
@@ -1402,7 +1418,7 @@
       </p:grpSpPr>
       <p:sp>
         <p:nvSpPr>
-          <p:cNvPr id="57" name="Shape 57"/>
+          <p:cNvPr id="89" name="Shape 89"/>
           <p:cNvSpPr/>
           <p:nvPr>
             <p:ph idx="2" type="sldImg"/>
@@ -1436,7 +1452,7 @@
       </p:sp>
       <p:sp>
         <p:nvSpPr>
-          <p:cNvPr id="58" name="Shape 58"/>
+          <p:cNvPr id="90" name="Shape 90"/>
           <p:cNvSpPr txBox="1"/>
           <p:nvPr>
             <p:ph idx="1" type="body"/>
@@ -1486,7 +1502,7 @@
   <p:cSld>
     <p:spTree>
       <p:nvGrpSpPr>
-        <p:cNvPr id="62" name="Shape 62"/>
+        <p:cNvPr id="94" name="Shape 94"/>
         <p:cNvGrpSpPr/>
         <p:nvPr/>
       </p:nvGrpSpPr>
@@ -1500,7 +1516,7 @@
       </p:grpSpPr>
       <p:sp>
         <p:nvSpPr>
-          <p:cNvPr id="63" name="Shape 63"/>
+          <p:cNvPr id="95" name="Shape 95"/>
           <p:cNvSpPr/>
           <p:nvPr>
             <p:ph idx="2" type="sldImg"/>
@@ -1534,7 +1550,7 @@
       </p:sp>
       <p:sp>
         <p:nvSpPr>
-          <p:cNvPr id="64" name="Shape 64"/>
+          <p:cNvPr id="96" name="Shape 96"/>
           <p:cNvSpPr txBox="1"/>
           <p:nvPr>
             <p:ph idx="1" type="body"/>
@@ -1584,7 +1600,7 @@
   <p:cSld>
     <p:spTree>
       <p:nvGrpSpPr>
-        <p:cNvPr id="68" name="Shape 68"/>
+        <p:cNvPr id="100" name="Shape 100"/>
         <p:cNvGrpSpPr/>
         <p:nvPr/>
       </p:nvGrpSpPr>
@@ -1598,7 +1614,7 @@
       </p:grpSpPr>
       <p:sp>
         <p:nvSpPr>
-          <p:cNvPr id="69" name="Shape 69"/>
+          <p:cNvPr id="101" name="Shape 101"/>
           <p:cNvSpPr/>
           <p:nvPr>
             <p:ph idx="2" type="sldImg"/>
@@ -1632,7 +1648,7 @@
       </p:sp>
       <p:sp>
         <p:nvSpPr>
-          <p:cNvPr id="70" name="Shape 70"/>
+          <p:cNvPr id="102" name="Shape 102"/>
           <p:cNvSpPr txBox="1"/>
           <p:nvPr>
             <p:ph idx="1" type="body"/>
@@ -1682,7 +1698,7 @@
   <p:cSld>
     <p:spTree>
       <p:nvGrpSpPr>
-        <p:cNvPr id="74" name="Shape 74"/>
+        <p:cNvPr id="106" name="Shape 106"/>
         <p:cNvGrpSpPr/>
         <p:nvPr/>
       </p:nvGrpSpPr>
@@ -1696,7 +1712,7 @@
       </p:grpSpPr>
       <p:sp>
         <p:nvSpPr>
-          <p:cNvPr id="75" name="Shape 75"/>
+          <p:cNvPr id="107" name="Shape 107"/>
           <p:cNvSpPr/>
           <p:nvPr>
             <p:ph idx="2" type="sldImg"/>
@@ -1730,7 +1746,7 @@
       </p:sp>
       <p:sp>
         <p:nvSpPr>
-          <p:cNvPr id="76" name="Shape 76"/>
+          <p:cNvPr id="108" name="Shape 108"/>
           <p:cNvSpPr txBox="1"/>
           <p:nvPr>
             <p:ph idx="1" type="body"/>
@@ -1780,7 +1796,7 @@
   <p:cSld>
     <p:spTree>
       <p:nvGrpSpPr>
-        <p:cNvPr id="80" name="Shape 80"/>
+        <p:cNvPr id="112" name="Shape 112"/>
         <p:cNvGrpSpPr/>
         <p:nvPr/>
       </p:nvGrpSpPr>
@@ -1794,7 +1810,7 @@
       </p:grpSpPr>
       <p:sp>
         <p:nvSpPr>
-          <p:cNvPr id="81" name="Shape 81"/>
+          <p:cNvPr id="113" name="Shape 113"/>
           <p:cNvSpPr/>
           <p:nvPr>
             <p:ph idx="2" type="sldImg"/>
@@ -1828,7 +1844,7 @@
       </p:sp>
       <p:sp>
         <p:nvSpPr>
-          <p:cNvPr id="82" name="Shape 82"/>
+          <p:cNvPr id="114" name="Shape 114"/>
           <p:cNvSpPr txBox="1"/>
           <p:nvPr>
             <p:ph idx="1" type="body"/>
@@ -1878,7 +1894,7 @@
   <p:cSld>
     <p:spTree>
       <p:nvGrpSpPr>
-        <p:cNvPr id="86" name="Shape 86"/>
+        <p:cNvPr id="118" name="Shape 118"/>
         <p:cNvGrpSpPr/>
         <p:nvPr/>
       </p:nvGrpSpPr>
@@ -1892,7 +1908,7 @@
       </p:grpSpPr>
       <p:sp>
         <p:nvSpPr>
-          <p:cNvPr id="87" name="Shape 87"/>
+          <p:cNvPr id="119" name="Shape 119"/>
           <p:cNvSpPr/>
           <p:nvPr>
             <p:ph idx="2" type="sldImg"/>
@@ -1926,7 +1942,7 @@
       </p:sp>
       <p:sp>
         <p:nvSpPr>
-          <p:cNvPr id="88" name="Shape 88"/>
+          <p:cNvPr id="120" name="Shape 120"/>
           <p:cNvSpPr txBox="1"/>
           <p:nvPr>
             <p:ph idx="1" type="body"/>
@@ -1976,7 +1992,7 @@
   <p:cSld>
     <p:spTree>
       <p:nvGrpSpPr>
-        <p:cNvPr id="92" name="Shape 92"/>
+        <p:cNvPr id="124" name="Shape 124"/>
         <p:cNvGrpSpPr/>
         <p:nvPr/>
       </p:nvGrpSpPr>
@@ -1990,7 +2006,7 @@
       </p:grpSpPr>
       <p:sp>
         <p:nvSpPr>
-          <p:cNvPr id="93" name="Shape 93"/>
+          <p:cNvPr id="125" name="Shape 125"/>
           <p:cNvSpPr/>
           <p:nvPr>
             <p:ph idx="2" type="sldImg"/>
@@ -2024,7 +2040,7 @@
       </p:sp>
       <p:sp>
         <p:nvSpPr>
-          <p:cNvPr id="94" name="Shape 94"/>
+          <p:cNvPr id="126" name="Shape 126"/>
           <p:cNvSpPr txBox="1"/>
           <p:nvPr>
             <p:ph idx="1" type="body"/>
@@ -2074,7 +2090,7 @@
   <p:cSld>
     <p:spTree>
       <p:nvGrpSpPr>
-        <p:cNvPr id="98" name="Shape 98"/>
+        <p:cNvPr id="130" name="Shape 130"/>
         <p:cNvGrpSpPr/>
         <p:nvPr/>
       </p:nvGrpSpPr>
@@ -2088,7 +2104,7 @@
       </p:grpSpPr>
       <p:sp>
         <p:nvSpPr>
-          <p:cNvPr id="99" name="Shape 99"/>
+          <p:cNvPr id="131" name="Shape 131"/>
           <p:cNvSpPr/>
           <p:nvPr>
             <p:ph idx="2" type="sldImg"/>
@@ -2122,7 +2138,7 @@
       </p:sp>
       <p:sp>
         <p:nvSpPr>
-          <p:cNvPr id="100" name="Shape 100"/>
+          <p:cNvPr id="132" name="Shape 132"/>
           <p:cNvSpPr txBox="1"/>
           <p:nvPr>
             <p:ph idx="1" type="body"/>
@@ -2170,6 +2186,13 @@
 <file path=ppt/slideLayouts/slideLayout1.xml><?xml version="1.0" encoding="utf-8"?>
 <p:sldLayout xmlns:a="http://schemas.openxmlformats.org/drawingml/2006/main" xmlns:r="http://schemas.openxmlformats.org/officeDocument/2006/relationships" xmlns:mc="http://schemas.openxmlformats.org/markup-compatibility/2006" xmlns:mv="urn:schemas-microsoft-com:mac:vml" xmlns:p="http://schemas.openxmlformats.org/presentationml/2006/main" xmlns:c="http://schemas.openxmlformats.org/drawingml/2006/chart" xmlns:dgm="http://schemas.openxmlformats.org/drawingml/2006/diagram" xmlns:o="urn:schemas-microsoft-com:office:office" xmlns:v="urn:schemas-microsoft-com:vml" xmlns:pvml="urn:schemas-microsoft-com:office:powerpoint" xmlns:com="http://schemas.openxmlformats.org/drawingml/2006/compatibility" xmlns:p14="http://schemas.microsoft.com/office/powerpoint/2010/main" xmlns:p15="http://schemas.microsoft.com/office/powerpoint/2012/main" matchingName="Title slide" type="title">
   <p:cSld name="TITLE">
+    <p:bg>
+      <p:bgPr>
+        <a:solidFill>
+          <a:schemeClr val="lt2"/>
+        </a:solidFill>
+      </p:bgPr>
+    </p:bg>
     <p:spTree>
       <p:nvGrpSpPr>
         <p:cNvPr id="9" name="Shape 9"/>
@@ -2187,6 +2210,150 @@
       <p:sp>
         <p:nvSpPr>
           <p:cNvPr id="10" name="Shape 10"/>
+          <p:cNvSpPr/>
+          <p:nvPr/>
+        </p:nvSpPr>
+        <p:spPr>
+          <a:xfrm>
+            <a:off x="0" y="0"/>
+            <a:ext cx="9144000" cy="487800"/>
+          </a:xfrm>
+          <a:prstGeom prst="rect">
+            <a:avLst/>
+          </a:prstGeom>
+          <a:solidFill>
+            <a:schemeClr val="lt1"/>
+          </a:solidFill>
+          <a:ln>
+            <a:noFill/>
+          </a:ln>
+        </p:spPr>
+        <p:txBody>
+          <a:bodyPr anchorCtr="0" anchor="ctr" bIns="91425" lIns="91425" spcFirstLastPara="1" rIns="91425" wrap="square" tIns="91425">
+            <a:noAutofit/>
+          </a:bodyPr>
+          <a:lstStyle/>
+          <a:p>
+            <a:pPr indent="0" lvl="0" marL="0">
+              <a:spcBef>
+                <a:spcPts val="0"/>
+              </a:spcBef>
+              <a:spcAft>
+                <a:spcPts val="0"/>
+              </a:spcAft>
+              <a:buNone/>
+            </a:pPr>
+            <a:r>
+              <a:t/>
+            </a:r>
+            <a:endParaRPr/>
+          </a:p>
+        </p:txBody>
+      </p:sp>
+      <p:grpSp>
+        <p:nvGrpSpPr>
+          <p:cNvPr id="11" name="Shape 11"/>
+          <p:cNvGrpSpPr/>
+          <p:nvPr/>
+        </p:nvGrpSpPr>
+        <p:grpSpPr>
+          <a:xfrm>
+            <a:off x="830392" y="1191256"/>
+            <a:ext cx="745763" cy="45826"/>
+            <a:chOff x="4580561" y="2589004"/>
+            <a:chExt cx="1064464" cy="25200"/>
+          </a:xfrm>
+        </p:grpSpPr>
+        <p:sp>
+          <p:nvSpPr>
+            <p:cNvPr id="12" name="Shape 12"/>
+            <p:cNvSpPr/>
+            <p:nvPr/>
+          </p:nvSpPr>
+          <p:spPr>
+            <a:xfrm rot="-5400000">
+              <a:off x="5366325" y="2335504"/>
+              <a:ext cx="25200" cy="532200"/>
+            </a:xfrm>
+            <a:prstGeom prst="rect">
+              <a:avLst/>
+            </a:prstGeom>
+            <a:solidFill>
+              <a:schemeClr val="accent3"/>
+            </a:solidFill>
+            <a:ln>
+              <a:noFill/>
+            </a:ln>
+          </p:spPr>
+          <p:txBody>
+            <a:bodyPr anchorCtr="0" anchor="ctr" bIns="91425" lIns="91425" spcFirstLastPara="1" rIns="91425" wrap="square" tIns="91425">
+              <a:noAutofit/>
+            </a:bodyPr>
+            <a:lstStyle/>
+            <a:p>
+              <a:pPr indent="0" lvl="0" marL="0">
+                <a:spcBef>
+                  <a:spcPts val="0"/>
+                </a:spcBef>
+                <a:spcAft>
+                  <a:spcPts val="0"/>
+                </a:spcAft>
+                <a:buNone/>
+              </a:pPr>
+              <a:r>
+                <a:t/>
+              </a:r>
+              <a:endParaRPr/>
+            </a:p>
+          </p:txBody>
+        </p:sp>
+        <p:sp>
+          <p:nvSpPr>
+            <p:cNvPr id="13" name="Shape 13"/>
+            <p:cNvSpPr/>
+            <p:nvPr/>
+          </p:nvSpPr>
+          <p:spPr>
+            <a:xfrm rot="-5400000">
+              <a:off x="4836311" y="2333254"/>
+              <a:ext cx="25200" cy="536700"/>
+            </a:xfrm>
+            <a:prstGeom prst="rect">
+              <a:avLst/>
+            </a:prstGeom>
+            <a:solidFill>
+              <a:schemeClr val="dk1"/>
+            </a:solidFill>
+            <a:ln>
+              <a:noFill/>
+            </a:ln>
+          </p:spPr>
+          <p:txBody>
+            <a:bodyPr anchorCtr="0" anchor="ctr" bIns="91425" lIns="91425" spcFirstLastPara="1" rIns="91425" wrap="square" tIns="91425">
+              <a:noAutofit/>
+            </a:bodyPr>
+            <a:lstStyle/>
+            <a:p>
+              <a:pPr indent="0" lvl="0" marL="0">
+                <a:spcBef>
+                  <a:spcPts val="0"/>
+                </a:spcBef>
+                <a:spcAft>
+                  <a:spcPts val="0"/>
+                </a:spcAft>
+                <a:buNone/>
+              </a:pPr>
+              <a:r>
+                <a:t/>
+              </a:r>
+              <a:endParaRPr/>
+            </a:p>
+          </p:txBody>
+        </p:sp>
+      </p:grpSp>
+      <p:sp>
+        <p:nvSpPr>
+          <p:cNvPr id="14" name="Shape 14"/>
           <p:cNvSpPr txBox="1"/>
           <p:nvPr>
             <p:ph type="ctrTitle"/>
@@ -2194,131 +2361,8 @@
         </p:nvSpPr>
         <p:spPr>
           <a:xfrm>
-            <a:off x="311708" y="744575"/>
-            <a:ext cx="8520600" cy="2052600"/>
-          </a:xfrm>
-          <a:prstGeom prst="rect">
-            <a:avLst/>
-          </a:prstGeom>
-        </p:spPr>
-        <p:txBody>
-          <a:bodyPr anchorCtr="0" anchor="b" bIns="91425" lIns="91425" spcFirstLastPara="1" rIns="91425" wrap="square" tIns="91425"/>
-          <a:lstStyle>
-            <a:lvl1pPr lvl="0" algn="ctr">
-              <a:spcBef>
-                <a:spcPts val="0"/>
-              </a:spcBef>
-              <a:spcAft>
-                <a:spcPts val="0"/>
-              </a:spcAft>
-              <a:buSzPts val="5200"/>
-              <a:buNone/>
-              <a:defRPr sz="5200"/>
-            </a:lvl1pPr>
-            <a:lvl2pPr lvl="1" algn="ctr">
-              <a:spcBef>
-                <a:spcPts val="0"/>
-              </a:spcBef>
-              <a:spcAft>
-                <a:spcPts val="0"/>
-              </a:spcAft>
-              <a:buSzPts val="5200"/>
-              <a:buNone/>
-              <a:defRPr sz="5200"/>
-            </a:lvl2pPr>
-            <a:lvl3pPr lvl="2" algn="ctr">
-              <a:spcBef>
-                <a:spcPts val="0"/>
-              </a:spcBef>
-              <a:spcAft>
-                <a:spcPts val="0"/>
-              </a:spcAft>
-              <a:buSzPts val="5200"/>
-              <a:buNone/>
-              <a:defRPr sz="5200"/>
-            </a:lvl3pPr>
-            <a:lvl4pPr lvl="3" algn="ctr">
-              <a:spcBef>
-                <a:spcPts val="0"/>
-              </a:spcBef>
-              <a:spcAft>
-                <a:spcPts val="0"/>
-              </a:spcAft>
-              <a:buSzPts val="5200"/>
-              <a:buNone/>
-              <a:defRPr sz="5200"/>
-            </a:lvl4pPr>
-            <a:lvl5pPr lvl="4" algn="ctr">
-              <a:spcBef>
-                <a:spcPts val="0"/>
-              </a:spcBef>
-              <a:spcAft>
-                <a:spcPts val="0"/>
-              </a:spcAft>
-              <a:buSzPts val="5200"/>
-              <a:buNone/>
-              <a:defRPr sz="5200"/>
-            </a:lvl5pPr>
-            <a:lvl6pPr lvl="5" algn="ctr">
-              <a:spcBef>
-                <a:spcPts val="0"/>
-              </a:spcBef>
-              <a:spcAft>
-                <a:spcPts val="0"/>
-              </a:spcAft>
-              <a:buSzPts val="5200"/>
-              <a:buNone/>
-              <a:defRPr sz="5200"/>
-            </a:lvl6pPr>
-            <a:lvl7pPr lvl="6" algn="ctr">
-              <a:spcBef>
-                <a:spcPts val="0"/>
-              </a:spcBef>
-              <a:spcAft>
-                <a:spcPts val="0"/>
-              </a:spcAft>
-              <a:buSzPts val="5200"/>
-              <a:buNone/>
-              <a:defRPr sz="5200"/>
-            </a:lvl7pPr>
-            <a:lvl8pPr lvl="7" algn="ctr">
-              <a:spcBef>
-                <a:spcPts val="0"/>
-              </a:spcBef>
-              <a:spcAft>
-                <a:spcPts val="0"/>
-              </a:spcAft>
-              <a:buSzPts val="5200"/>
-              <a:buNone/>
-              <a:defRPr sz="5200"/>
-            </a:lvl8pPr>
-            <a:lvl9pPr lvl="8" algn="ctr">
-              <a:spcBef>
-                <a:spcPts val="0"/>
-              </a:spcBef>
-              <a:spcAft>
-                <a:spcPts val="0"/>
-              </a:spcAft>
-              <a:buSzPts val="5200"/>
-              <a:buNone/>
-              <a:defRPr sz="5200"/>
-            </a:lvl9pPr>
-          </a:lstStyle>
-          <a:p/>
-        </p:txBody>
-      </p:sp>
-      <p:sp>
-        <p:nvSpPr>
-          <p:cNvPr id="11" name="Shape 11"/>
-          <p:cNvSpPr txBox="1"/>
-          <p:nvPr>
-            <p:ph idx="1" type="subTitle"/>
-          </p:nvPr>
-        </p:nvSpPr>
-        <p:spPr>
-          <a:xfrm>
-            <a:off x="311700" y="2834125"/>
-            <a:ext cx="8520600" cy="792600"/>
+            <a:off x="729450" y="1322450"/>
+            <a:ext cx="7688100" cy="1664700"/>
           </a:xfrm>
           <a:prstGeom prst="rect">
             <a:avLst/>
@@ -2327,131 +2371,167 @@
         <p:txBody>
           <a:bodyPr anchorCtr="0" anchor="t" bIns="91425" lIns="91425" spcFirstLastPara="1" rIns="91425" wrap="square" tIns="91425"/>
           <a:lstStyle>
-            <a:lvl1pPr lvl="0" algn="ctr">
-              <a:lnSpc>
-                <a:spcPct val="100000"/>
-              </a:lnSpc>
-              <a:spcBef>
-                <a:spcPts val="0"/>
-              </a:spcBef>
-              <a:spcAft>
-                <a:spcPts val="0"/>
-              </a:spcAft>
-              <a:buSzPts val="2800"/>
-              <a:buNone/>
-              <a:defRPr sz="2800"/>
+            <a:lvl1pPr lvl="0">
+              <a:spcBef>
+                <a:spcPts val="0"/>
+              </a:spcBef>
+              <a:spcAft>
+                <a:spcPts val="0"/>
+              </a:spcAft>
+              <a:buClr>
+                <a:schemeClr val="dk2"/>
+              </a:buClr>
+              <a:buSzPts val="4200"/>
+              <a:buNone/>
+              <a:defRPr sz="4200">
+                <a:solidFill>
+                  <a:schemeClr val="dk2"/>
+                </a:solidFill>
+              </a:defRPr>
             </a:lvl1pPr>
-            <a:lvl2pPr lvl="1" algn="ctr">
-              <a:lnSpc>
-                <a:spcPct val="100000"/>
-              </a:lnSpc>
-              <a:spcBef>
-                <a:spcPts val="0"/>
-              </a:spcBef>
-              <a:spcAft>
-                <a:spcPts val="0"/>
-              </a:spcAft>
-              <a:buSzPts val="2800"/>
-              <a:buNone/>
-              <a:defRPr sz="2800"/>
+            <a:lvl2pPr lvl="1">
+              <a:spcBef>
+                <a:spcPts val="0"/>
+              </a:spcBef>
+              <a:spcAft>
+                <a:spcPts val="0"/>
+              </a:spcAft>
+              <a:buClr>
+                <a:schemeClr val="dk2"/>
+              </a:buClr>
+              <a:buSzPts val="4200"/>
+              <a:buNone/>
+              <a:defRPr sz="4200">
+                <a:solidFill>
+                  <a:schemeClr val="dk2"/>
+                </a:solidFill>
+              </a:defRPr>
             </a:lvl2pPr>
-            <a:lvl3pPr lvl="2" algn="ctr">
-              <a:lnSpc>
-                <a:spcPct val="100000"/>
-              </a:lnSpc>
-              <a:spcBef>
-                <a:spcPts val="0"/>
-              </a:spcBef>
-              <a:spcAft>
-                <a:spcPts val="0"/>
-              </a:spcAft>
-              <a:buSzPts val="2800"/>
-              <a:buNone/>
-              <a:defRPr sz="2800"/>
+            <a:lvl3pPr lvl="2">
+              <a:spcBef>
+                <a:spcPts val="0"/>
+              </a:spcBef>
+              <a:spcAft>
+                <a:spcPts val="0"/>
+              </a:spcAft>
+              <a:buClr>
+                <a:schemeClr val="dk2"/>
+              </a:buClr>
+              <a:buSzPts val="4200"/>
+              <a:buNone/>
+              <a:defRPr sz="4200">
+                <a:solidFill>
+                  <a:schemeClr val="dk2"/>
+                </a:solidFill>
+              </a:defRPr>
             </a:lvl3pPr>
-            <a:lvl4pPr lvl="3" algn="ctr">
-              <a:lnSpc>
-                <a:spcPct val="100000"/>
-              </a:lnSpc>
-              <a:spcBef>
-                <a:spcPts val="0"/>
-              </a:spcBef>
-              <a:spcAft>
-                <a:spcPts val="0"/>
-              </a:spcAft>
-              <a:buSzPts val="2800"/>
-              <a:buNone/>
-              <a:defRPr sz="2800"/>
+            <a:lvl4pPr lvl="3">
+              <a:spcBef>
+                <a:spcPts val="0"/>
+              </a:spcBef>
+              <a:spcAft>
+                <a:spcPts val="0"/>
+              </a:spcAft>
+              <a:buClr>
+                <a:schemeClr val="dk2"/>
+              </a:buClr>
+              <a:buSzPts val="4200"/>
+              <a:buNone/>
+              <a:defRPr sz="4200">
+                <a:solidFill>
+                  <a:schemeClr val="dk2"/>
+                </a:solidFill>
+              </a:defRPr>
             </a:lvl4pPr>
-            <a:lvl5pPr lvl="4" algn="ctr">
-              <a:lnSpc>
-                <a:spcPct val="100000"/>
-              </a:lnSpc>
-              <a:spcBef>
-                <a:spcPts val="0"/>
-              </a:spcBef>
-              <a:spcAft>
-                <a:spcPts val="0"/>
-              </a:spcAft>
-              <a:buSzPts val="2800"/>
-              <a:buNone/>
-              <a:defRPr sz="2800"/>
+            <a:lvl5pPr lvl="4">
+              <a:spcBef>
+                <a:spcPts val="0"/>
+              </a:spcBef>
+              <a:spcAft>
+                <a:spcPts val="0"/>
+              </a:spcAft>
+              <a:buClr>
+                <a:schemeClr val="dk2"/>
+              </a:buClr>
+              <a:buSzPts val="4200"/>
+              <a:buNone/>
+              <a:defRPr sz="4200">
+                <a:solidFill>
+                  <a:schemeClr val="dk2"/>
+                </a:solidFill>
+              </a:defRPr>
             </a:lvl5pPr>
-            <a:lvl6pPr lvl="5" algn="ctr">
-              <a:lnSpc>
-                <a:spcPct val="100000"/>
-              </a:lnSpc>
-              <a:spcBef>
-                <a:spcPts val="0"/>
-              </a:spcBef>
-              <a:spcAft>
-                <a:spcPts val="0"/>
-              </a:spcAft>
-              <a:buSzPts val="2800"/>
-              <a:buNone/>
-              <a:defRPr sz="2800"/>
+            <a:lvl6pPr lvl="5">
+              <a:spcBef>
+                <a:spcPts val="0"/>
+              </a:spcBef>
+              <a:spcAft>
+                <a:spcPts val="0"/>
+              </a:spcAft>
+              <a:buClr>
+                <a:schemeClr val="dk2"/>
+              </a:buClr>
+              <a:buSzPts val="4200"/>
+              <a:buNone/>
+              <a:defRPr sz="4200">
+                <a:solidFill>
+                  <a:schemeClr val="dk2"/>
+                </a:solidFill>
+              </a:defRPr>
             </a:lvl6pPr>
-            <a:lvl7pPr lvl="6" algn="ctr">
-              <a:lnSpc>
-                <a:spcPct val="100000"/>
-              </a:lnSpc>
-              <a:spcBef>
-                <a:spcPts val="0"/>
-              </a:spcBef>
-              <a:spcAft>
-                <a:spcPts val="0"/>
-              </a:spcAft>
-              <a:buSzPts val="2800"/>
-              <a:buNone/>
-              <a:defRPr sz="2800"/>
+            <a:lvl7pPr lvl="6">
+              <a:spcBef>
+                <a:spcPts val="0"/>
+              </a:spcBef>
+              <a:spcAft>
+                <a:spcPts val="0"/>
+              </a:spcAft>
+              <a:buClr>
+                <a:schemeClr val="dk2"/>
+              </a:buClr>
+              <a:buSzPts val="4200"/>
+              <a:buNone/>
+              <a:defRPr sz="4200">
+                <a:solidFill>
+                  <a:schemeClr val="dk2"/>
+                </a:solidFill>
+              </a:defRPr>
             </a:lvl7pPr>
-            <a:lvl8pPr lvl="7" algn="ctr">
-              <a:lnSpc>
-                <a:spcPct val="100000"/>
-              </a:lnSpc>
-              <a:spcBef>
-                <a:spcPts val="0"/>
-              </a:spcBef>
-              <a:spcAft>
-                <a:spcPts val="0"/>
-              </a:spcAft>
-              <a:buSzPts val="2800"/>
-              <a:buNone/>
-              <a:defRPr sz="2800"/>
+            <a:lvl8pPr lvl="7">
+              <a:spcBef>
+                <a:spcPts val="0"/>
+              </a:spcBef>
+              <a:spcAft>
+                <a:spcPts val="0"/>
+              </a:spcAft>
+              <a:buClr>
+                <a:schemeClr val="dk2"/>
+              </a:buClr>
+              <a:buSzPts val="4200"/>
+              <a:buNone/>
+              <a:defRPr sz="4200">
+                <a:solidFill>
+                  <a:schemeClr val="dk2"/>
+                </a:solidFill>
+              </a:defRPr>
             </a:lvl8pPr>
-            <a:lvl9pPr lvl="8" algn="ctr">
-              <a:lnSpc>
-                <a:spcPct val="100000"/>
-              </a:lnSpc>
-              <a:spcBef>
-                <a:spcPts val="0"/>
-              </a:spcBef>
-              <a:spcAft>
-                <a:spcPts val="0"/>
-              </a:spcAft>
-              <a:buSzPts val="2800"/>
-              <a:buNone/>
-              <a:defRPr sz="2800"/>
+            <a:lvl9pPr lvl="8">
+              <a:spcBef>
+                <a:spcPts val="0"/>
+              </a:spcBef>
+              <a:spcAft>
+                <a:spcPts val="0"/>
+              </a:spcAft>
+              <a:buClr>
+                <a:schemeClr val="dk2"/>
+              </a:buClr>
+              <a:buSzPts val="4200"/>
+              <a:buNone/>
+              <a:defRPr sz="4200">
+                <a:solidFill>
+                  <a:schemeClr val="dk2"/>
+                </a:solidFill>
+              </a:defRPr>
             </a:lvl9pPr>
           </a:lstStyle>
           <a:p/>
@@ -2459,7 +2539,157 @@
       </p:sp>
       <p:sp>
         <p:nvSpPr>
-          <p:cNvPr id="12" name="Shape 12"/>
+          <p:cNvPr id="15" name="Shape 15"/>
+          <p:cNvSpPr txBox="1"/>
+          <p:nvPr>
+            <p:ph idx="1" type="subTitle"/>
+          </p:nvPr>
+        </p:nvSpPr>
+        <p:spPr>
+          <a:xfrm>
+            <a:off x="729627" y="3172900"/>
+            <a:ext cx="7688100" cy="541200"/>
+          </a:xfrm>
+          <a:prstGeom prst="rect">
+            <a:avLst/>
+          </a:prstGeom>
+        </p:spPr>
+        <p:txBody>
+          <a:bodyPr anchorCtr="0" anchor="t" bIns="91425" lIns="91425" spcFirstLastPara="1" rIns="91425" wrap="square" tIns="91425"/>
+          <a:lstStyle>
+            <a:lvl1pPr lvl="0">
+              <a:lnSpc>
+                <a:spcPct val="100000"/>
+              </a:lnSpc>
+              <a:spcBef>
+                <a:spcPts val="0"/>
+              </a:spcBef>
+              <a:spcAft>
+                <a:spcPts val="0"/>
+              </a:spcAft>
+              <a:buSzPts val="1600"/>
+              <a:buNone/>
+              <a:defRPr sz="1600"/>
+            </a:lvl1pPr>
+            <a:lvl2pPr lvl="1">
+              <a:lnSpc>
+                <a:spcPct val="100000"/>
+              </a:lnSpc>
+              <a:spcBef>
+                <a:spcPts val="0"/>
+              </a:spcBef>
+              <a:spcAft>
+                <a:spcPts val="0"/>
+              </a:spcAft>
+              <a:buSzPts val="1600"/>
+              <a:buNone/>
+              <a:defRPr sz="1600"/>
+            </a:lvl2pPr>
+            <a:lvl3pPr lvl="2">
+              <a:lnSpc>
+                <a:spcPct val="100000"/>
+              </a:lnSpc>
+              <a:spcBef>
+                <a:spcPts val="0"/>
+              </a:spcBef>
+              <a:spcAft>
+                <a:spcPts val="0"/>
+              </a:spcAft>
+              <a:buSzPts val="1600"/>
+              <a:buNone/>
+              <a:defRPr sz="1600"/>
+            </a:lvl3pPr>
+            <a:lvl4pPr lvl="3">
+              <a:lnSpc>
+                <a:spcPct val="100000"/>
+              </a:lnSpc>
+              <a:spcBef>
+                <a:spcPts val="0"/>
+              </a:spcBef>
+              <a:spcAft>
+                <a:spcPts val="0"/>
+              </a:spcAft>
+              <a:buSzPts val="1600"/>
+              <a:buNone/>
+              <a:defRPr sz="1600"/>
+            </a:lvl4pPr>
+            <a:lvl5pPr lvl="4">
+              <a:lnSpc>
+                <a:spcPct val="100000"/>
+              </a:lnSpc>
+              <a:spcBef>
+                <a:spcPts val="0"/>
+              </a:spcBef>
+              <a:spcAft>
+                <a:spcPts val="0"/>
+              </a:spcAft>
+              <a:buSzPts val="1600"/>
+              <a:buNone/>
+              <a:defRPr sz="1600"/>
+            </a:lvl5pPr>
+            <a:lvl6pPr lvl="5">
+              <a:lnSpc>
+                <a:spcPct val="100000"/>
+              </a:lnSpc>
+              <a:spcBef>
+                <a:spcPts val="0"/>
+              </a:spcBef>
+              <a:spcAft>
+                <a:spcPts val="0"/>
+              </a:spcAft>
+              <a:buSzPts val="1600"/>
+              <a:buNone/>
+              <a:defRPr sz="1600"/>
+            </a:lvl6pPr>
+            <a:lvl7pPr lvl="6">
+              <a:lnSpc>
+                <a:spcPct val="100000"/>
+              </a:lnSpc>
+              <a:spcBef>
+                <a:spcPts val="0"/>
+              </a:spcBef>
+              <a:spcAft>
+                <a:spcPts val="0"/>
+              </a:spcAft>
+              <a:buSzPts val="1600"/>
+              <a:buNone/>
+              <a:defRPr sz="1600"/>
+            </a:lvl7pPr>
+            <a:lvl8pPr lvl="7">
+              <a:lnSpc>
+                <a:spcPct val="100000"/>
+              </a:lnSpc>
+              <a:spcBef>
+                <a:spcPts val="0"/>
+              </a:spcBef>
+              <a:spcAft>
+                <a:spcPts val="0"/>
+              </a:spcAft>
+              <a:buSzPts val="1600"/>
+              <a:buNone/>
+              <a:defRPr sz="1600"/>
+            </a:lvl8pPr>
+            <a:lvl9pPr lvl="8">
+              <a:lnSpc>
+                <a:spcPct val="100000"/>
+              </a:lnSpc>
+              <a:spcBef>
+                <a:spcPts val="0"/>
+              </a:spcBef>
+              <a:spcAft>
+                <a:spcPts val="0"/>
+              </a:spcAft>
+              <a:buSzPts val="1600"/>
+              <a:buNone/>
+              <a:defRPr sz="1600"/>
+            </a:lvl9pPr>
+          </a:lstStyle>
+          <a:p/>
+        </p:txBody>
+      </p:sp>
+      <p:sp>
+        <p:nvSpPr>
+          <p:cNvPr id="16" name="Shape 16"/>
           <p:cNvSpPr txBox="1"/>
           <p:nvPr>
             <p:ph idx="12" type="sldNum"/>
@@ -2467,7 +2697,7 @@
         </p:nvSpPr>
         <p:spPr>
           <a:xfrm>
-            <a:off x="8472458" y="4663217"/>
+            <a:off x="8536302" y="4749851"/>
             <a:ext cx="548700" cy="393600"/>
           </a:xfrm>
           <a:prstGeom prst="rect">
@@ -2545,9 +2775,16 @@
 <file path=ppt/slideLayouts/slideLayout10.xml><?xml version="1.0" encoding="utf-8"?>
 <p:sldLayout xmlns:a="http://schemas.openxmlformats.org/drawingml/2006/main" xmlns:r="http://schemas.openxmlformats.org/officeDocument/2006/relationships" xmlns:mc="http://schemas.openxmlformats.org/markup-compatibility/2006" xmlns:mv="urn:schemas-microsoft-com:mac:vml" xmlns:p="http://schemas.openxmlformats.org/presentationml/2006/main" xmlns:c="http://schemas.openxmlformats.org/drawingml/2006/chart" xmlns:dgm="http://schemas.openxmlformats.org/drawingml/2006/diagram" xmlns:o="urn:schemas-microsoft-com:office:office" xmlns:v="urn:schemas-microsoft-com:vml" xmlns:pvml="urn:schemas-microsoft-com:office:powerpoint" xmlns:com="http://schemas.openxmlformats.org/drawingml/2006/compatibility" xmlns:p14="http://schemas.microsoft.com/office/powerpoint/2010/main" xmlns:p15="http://schemas.microsoft.com/office/powerpoint/2012/main" matchingName="Big number">
   <p:cSld name="BIG_NUMBER">
+    <p:bg>
+      <p:bgPr>
+        <a:solidFill>
+          <a:schemeClr val="dk1"/>
+        </a:solidFill>
+      </p:bgPr>
+    </p:bg>
     <p:spTree>
       <p:nvGrpSpPr>
-        <p:cNvPr id="44" name="Shape 44"/>
+        <p:cNvPr id="73" name="Shape 73"/>
         <p:cNvGrpSpPr/>
         <p:nvPr/>
       </p:nvGrpSpPr>
@@ -2559,9 +2796,110 @@
           <a:chExt cx="0" cy="0"/>
         </a:xfrm>
       </p:grpSpPr>
+      <p:grpSp>
+        <p:nvGrpSpPr>
+          <p:cNvPr id="74" name="Shape 74"/>
+          <p:cNvGrpSpPr/>
+          <p:nvPr/>
+        </p:nvGrpSpPr>
+        <p:grpSpPr>
+          <a:xfrm>
+            <a:off x="830392" y="4169130"/>
+            <a:ext cx="745763" cy="45826"/>
+            <a:chOff x="4580561" y="2589004"/>
+            <a:chExt cx="1064464" cy="25200"/>
+          </a:xfrm>
+        </p:grpSpPr>
+        <p:sp>
+          <p:nvSpPr>
+            <p:cNvPr id="75" name="Shape 75"/>
+            <p:cNvSpPr/>
+            <p:nvPr/>
+          </p:nvSpPr>
+          <p:spPr>
+            <a:xfrm rot="-5400000">
+              <a:off x="5366325" y="2335504"/>
+              <a:ext cx="25200" cy="532200"/>
+            </a:xfrm>
+            <a:prstGeom prst="rect">
+              <a:avLst/>
+            </a:prstGeom>
+            <a:solidFill>
+              <a:schemeClr val="lt1"/>
+            </a:solidFill>
+            <a:ln>
+              <a:noFill/>
+            </a:ln>
+          </p:spPr>
+          <p:txBody>
+            <a:bodyPr anchorCtr="0" anchor="ctr" bIns="91425" lIns="91425" spcFirstLastPara="1" rIns="91425" wrap="square" tIns="91425">
+              <a:noAutofit/>
+            </a:bodyPr>
+            <a:lstStyle/>
+            <a:p>
+              <a:pPr indent="0" lvl="0" marL="0">
+                <a:spcBef>
+                  <a:spcPts val="0"/>
+                </a:spcBef>
+                <a:spcAft>
+                  <a:spcPts val="0"/>
+                </a:spcAft>
+                <a:buNone/>
+              </a:pPr>
+              <a:r>
+                <a:t/>
+              </a:r>
+              <a:endParaRPr/>
+            </a:p>
+          </p:txBody>
+        </p:sp>
+        <p:sp>
+          <p:nvSpPr>
+            <p:cNvPr id="76" name="Shape 76"/>
+            <p:cNvSpPr/>
+            <p:nvPr/>
+          </p:nvSpPr>
+          <p:spPr>
+            <a:xfrm rot="-5400000">
+              <a:off x="4836311" y="2333254"/>
+              <a:ext cx="25200" cy="536700"/>
+            </a:xfrm>
+            <a:prstGeom prst="rect">
+              <a:avLst/>
+            </a:prstGeom>
+            <a:solidFill>
+              <a:schemeClr val="lt1"/>
+            </a:solidFill>
+            <a:ln>
+              <a:noFill/>
+            </a:ln>
+          </p:spPr>
+          <p:txBody>
+            <a:bodyPr anchorCtr="0" anchor="ctr" bIns="91425" lIns="91425" spcFirstLastPara="1" rIns="91425" wrap="square" tIns="91425">
+              <a:noAutofit/>
+            </a:bodyPr>
+            <a:lstStyle/>
+            <a:p>
+              <a:pPr indent="0" lvl="0" marL="0">
+                <a:spcBef>
+                  <a:spcPts val="0"/>
+                </a:spcBef>
+                <a:spcAft>
+                  <a:spcPts val="0"/>
+                </a:spcAft>
+                <a:buNone/>
+              </a:pPr>
+              <a:r>
+                <a:t/>
+              </a:r>
+              <a:endParaRPr/>
+            </a:p>
+          </p:txBody>
+        </p:sp>
+      </p:grpSp>
       <p:sp>
         <p:nvSpPr>
-          <p:cNvPr id="45" name="Shape 45"/>
+          <p:cNvPr id="77" name="Shape 77"/>
           <p:cNvSpPr txBox="1"/>
           <p:nvPr>
             <p:ph hasCustomPrompt="1" type="title"/>
@@ -2569,114 +2907,177 @@
         </p:nvSpPr>
         <p:spPr>
           <a:xfrm>
-            <a:off x="311700" y="1106125"/>
-            <a:ext cx="8520600" cy="1963500"/>
+            <a:off x="729450" y="733950"/>
+            <a:ext cx="7688400" cy="1244700"/>
           </a:xfrm>
           <a:prstGeom prst="rect">
             <a:avLst/>
           </a:prstGeom>
         </p:spPr>
         <p:txBody>
-          <a:bodyPr anchorCtr="0" anchor="b" bIns="91425" lIns="91425" spcFirstLastPara="1" rIns="91425" wrap="square" tIns="91425"/>
+          <a:bodyPr anchorCtr="0" anchor="t" bIns="91425" lIns="91425" spcFirstLastPara="1" rIns="91425" wrap="square" tIns="91425"/>
           <a:lstStyle>
-            <a:lvl1pPr lvl="0" algn="ctr">
-              <a:spcBef>
-                <a:spcPts val="0"/>
-              </a:spcBef>
-              <a:spcAft>
-                <a:spcPts val="0"/>
-              </a:spcAft>
-              <a:buSzPts val="12000"/>
-              <a:buNone/>
-              <a:defRPr sz="12000"/>
+            <a:lvl1pPr lvl="0">
+              <a:spcBef>
+                <a:spcPts val="0"/>
+              </a:spcBef>
+              <a:spcAft>
+                <a:spcPts val="0"/>
+              </a:spcAft>
+              <a:buClr>
+                <a:schemeClr val="lt1"/>
+              </a:buClr>
+              <a:buSzPts val="8000"/>
+              <a:buNone/>
+              <a:defRPr sz="8000">
+                <a:solidFill>
+                  <a:schemeClr val="lt1"/>
+                </a:solidFill>
+              </a:defRPr>
             </a:lvl1pPr>
-            <a:lvl2pPr lvl="1" algn="ctr">
-              <a:spcBef>
-                <a:spcPts val="0"/>
-              </a:spcBef>
-              <a:spcAft>
-                <a:spcPts val="0"/>
-              </a:spcAft>
-              <a:buSzPts val="12000"/>
-              <a:buNone/>
-              <a:defRPr sz="12000"/>
+            <a:lvl2pPr lvl="1">
+              <a:spcBef>
+                <a:spcPts val="0"/>
+              </a:spcBef>
+              <a:spcAft>
+                <a:spcPts val="0"/>
+              </a:spcAft>
+              <a:buClr>
+                <a:schemeClr val="lt1"/>
+              </a:buClr>
+              <a:buSzPts val="8000"/>
+              <a:buNone/>
+              <a:defRPr sz="8000">
+                <a:solidFill>
+                  <a:schemeClr val="lt1"/>
+                </a:solidFill>
+              </a:defRPr>
             </a:lvl2pPr>
-            <a:lvl3pPr lvl="2" algn="ctr">
-              <a:spcBef>
-                <a:spcPts val="0"/>
-              </a:spcBef>
-              <a:spcAft>
-                <a:spcPts val="0"/>
-              </a:spcAft>
-              <a:buSzPts val="12000"/>
-              <a:buNone/>
-              <a:defRPr sz="12000"/>
+            <a:lvl3pPr lvl="2">
+              <a:spcBef>
+                <a:spcPts val="0"/>
+              </a:spcBef>
+              <a:spcAft>
+                <a:spcPts val="0"/>
+              </a:spcAft>
+              <a:buClr>
+                <a:schemeClr val="lt1"/>
+              </a:buClr>
+              <a:buSzPts val="8000"/>
+              <a:buNone/>
+              <a:defRPr sz="8000">
+                <a:solidFill>
+                  <a:schemeClr val="lt1"/>
+                </a:solidFill>
+              </a:defRPr>
             </a:lvl3pPr>
-            <a:lvl4pPr lvl="3" algn="ctr">
-              <a:spcBef>
-                <a:spcPts val="0"/>
-              </a:spcBef>
-              <a:spcAft>
-                <a:spcPts val="0"/>
-              </a:spcAft>
-              <a:buSzPts val="12000"/>
-              <a:buNone/>
-              <a:defRPr sz="12000"/>
+            <a:lvl4pPr lvl="3">
+              <a:spcBef>
+                <a:spcPts val="0"/>
+              </a:spcBef>
+              <a:spcAft>
+                <a:spcPts val="0"/>
+              </a:spcAft>
+              <a:buClr>
+                <a:schemeClr val="lt1"/>
+              </a:buClr>
+              <a:buSzPts val="8000"/>
+              <a:buNone/>
+              <a:defRPr sz="8000">
+                <a:solidFill>
+                  <a:schemeClr val="lt1"/>
+                </a:solidFill>
+              </a:defRPr>
             </a:lvl4pPr>
-            <a:lvl5pPr lvl="4" algn="ctr">
-              <a:spcBef>
-                <a:spcPts val="0"/>
-              </a:spcBef>
-              <a:spcAft>
-                <a:spcPts val="0"/>
-              </a:spcAft>
-              <a:buSzPts val="12000"/>
-              <a:buNone/>
-              <a:defRPr sz="12000"/>
+            <a:lvl5pPr lvl="4">
+              <a:spcBef>
+                <a:spcPts val="0"/>
+              </a:spcBef>
+              <a:spcAft>
+                <a:spcPts val="0"/>
+              </a:spcAft>
+              <a:buClr>
+                <a:schemeClr val="lt1"/>
+              </a:buClr>
+              <a:buSzPts val="8000"/>
+              <a:buNone/>
+              <a:defRPr sz="8000">
+                <a:solidFill>
+                  <a:schemeClr val="lt1"/>
+                </a:solidFill>
+              </a:defRPr>
             </a:lvl5pPr>
-            <a:lvl6pPr lvl="5" algn="ctr">
-              <a:spcBef>
-                <a:spcPts val="0"/>
-              </a:spcBef>
-              <a:spcAft>
-                <a:spcPts val="0"/>
-              </a:spcAft>
-              <a:buSzPts val="12000"/>
-              <a:buNone/>
-              <a:defRPr sz="12000"/>
+            <a:lvl6pPr lvl="5">
+              <a:spcBef>
+                <a:spcPts val="0"/>
+              </a:spcBef>
+              <a:spcAft>
+                <a:spcPts val="0"/>
+              </a:spcAft>
+              <a:buClr>
+                <a:schemeClr val="lt1"/>
+              </a:buClr>
+              <a:buSzPts val="8000"/>
+              <a:buNone/>
+              <a:defRPr sz="8000">
+                <a:solidFill>
+                  <a:schemeClr val="lt1"/>
+                </a:solidFill>
+              </a:defRPr>
             </a:lvl6pPr>
-            <a:lvl7pPr lvl="6" algn="ctr">
-              <a:spcBef>
-                <a:spcPts val="0"/>
-              </a:spcBef>
-              <a:spcAft>
-                <a:spcPts val="0"/>
-              </a:spcAft>
-              <a:buSzPts val="12000"/>
-              <a:buNone/>
-              <a:defRPr sz="12000"/>
+            <a:lvl7pPr lvl="6">
+              <a:spcBef>
+                <a:spcPts val="0"/>
+              </a:spcBef>
+              <a:spcAft>
+                <a:spcPts val="0"/>
+              </a:spcAft>
+              <a:buClr>
+                <a:schemeClr val="lt1"/>
+              </a:buClr>
+              <a:buSzPts val="8000"/>
+              <a:buNone/>
+              <a:defRPr sz="8000">
+                <a:solidFill>
+                  <a:schemeClr val="lt1"/>
+                </a:solidFill>
+              </a:defRPr>
             </a:lvl7pPr>
-            <a:lvl8pPr lvl="7" algn="ctr">
-              <a:spcBef>
-                <a:spcPts val="0"/>
-              </a:spcBef>
-              <a:spcAft>
-                <a:spcPts val="0"/>
-              </a:spcAft>
-              <a:buSzPts val="12000"/>
-              <a:buNone/>
-              <a:defRPr sz="12000"/>
+            <a:lvl8pPr lvl="7">
+              <a:spcBef>
+                <a:spcPts val="0"/>
+              </a:spcBef>
+              <a:spcAft>
+                <a:spcPts val="0"/>
+              </a:spcAft>
+              <a:buClr>
+                <a:schemeClr val="lt1"/>
+              </a:buClr>
+              <a:buSzPts val="8000"/>
+              <a:buNone/>
+              <a:defRPr sz="8000">
+                <a:solidFill>
+                  <a:schemeClr val="lt1"/>
+                </a:solidFill>
+              </a:defRPr>
             </a:lvl8pPr>
-            <a:lvl9pPr lvl="8" algn="ctr">
-              <a:spcBef>
-                <a:spcPts val="0"/>
-              </a:spcBef>
-              <a:spcAft>
-                <a:spcPts val="0"/>
-              </a:spcAft>
-              <a:buSzPts val="12000"/>
-              <a:buNone/>
-              <a:defRPr sz="12000"/>
+            <a:lvl9pPr lvl="8">
+              <a:spcBef>
+                <a:spcPts val="0"/>
+              </a:spcBef>
+              <a:spcAft>
+                <a:spcPts val="0"/>
+              </a:spcAft>
+              <a:buClr>
+                <a:schemeClr val="lt1"/>
+              </a:buClr>
+              <a:buSzPts val="8000"/>
+              <a:buNone/>
+              <a:defRPr sz="8000">
+                <a:solidFill>
+                  <a:schemeClr val="lt1"/>
+                </a:solidFill>
+              </a:defRPr>
             </a:lvl9pPr>
           </a:lstStyle>
           <a:p>
@@ -2688,7 +3089,7 @@
       </p:sp>
       <p:sp>
         <p:nvSpPr>
-          <p:cNvPr id="46" name="Shape 46"/>
+          <p:cNvPr id="78" name="Shape 78"/>
           <p:cNvSpPr txBox="1"/>
           <p:nvPr>
             <p:ph idx="1" type="body"/>
@@ -2696,8 +3097,8 @@
         </p:nvSpPr>
         <p:spPr>
           <a:xfrm>
-            <a:off x="311700" y="3152225"/>
-            <a:ext cx="8520600" cy="1300800"/>
+            <a:off x="729450" y="2272888"/>
+            <a:ext cx="7688400" cy="1580400"/>
           </a:xfrm>
           <a:prstGeom prst="rect">
             <a:avLst/>
@@ -2706,104 +3107,167 @@
         <p:txBody>
           <a:bodyPr anchorCtr="0" anchor="t" bIns="91425" lIns="91425" spcFirstLastPara="1" rIns="91425" wrap="square" tIns="91425"/>
           <a:lstStyle>
-            <a:lvl1pPr indent="-342900" lvl="0" marL="457200" algn="ctr">
-              <a:spcBef>
-                <a:spcPts val="0"/>
-              </a:spcBef>
-              <a:spcAft>
-                <a:spcPts val="0"/>
-              </a:spcAft>
-              <a:buSzPts val="1800"/>
+            <a:lvl1pPr indent="-311150" lvl="0" marL="457200">
+              <a:spcBef>
+                <a:spcPts val="0"/>
+              </a:spcBef>
+              <a:spcAft>
+                <a:spcPts val="0"/>
+              </a:spcAft>
+              <a:buClr>
+                <a:schemeClr val="lt1"/>
+              </a:buClr>
+              <a:buSzPts val="1300"/>
               <a:buChar char="●"/>
-              <a:defRPr/>
+              <a:defRPr>
+                <a:solidFill>
+                  <a:schemeClr val="lt1"/>
+                </a:solidFill>
+              </a:defRPr>
             </a:lvl1pPr>
-            <a:lvl2pPr indent="-317500" lvl="1" marL="914400" algn="ctr">
+            <a:lvl2pPr indent="-298450" lvl="1" marL="914400">
               <a:spcBef>
                 <a:spcPts val="1600"/>
               </a:spcBef>
               <a:spcAft>
                 <a:spcPts val="0"/>
               </a:spcAft>
-              <a:buSzPts val="1400"/>
+              <a:buClr>
+                <a:schemeClr val="lt1"/>
+              </a:buClr>
+              <a:buSzPts val="1100"/>
               <a:buChar char="○"/>
-              <a:defRPr/>
+              <a:defRPr>
+                <a:solidFill>
+                  <a:schemeClr val="lt1"/>
+                </a:solidFill>
+              </a:defRPr>
             </a:lvl2pPr>
-            <a:lvl3pPr indent="-317500" lvl="2" marL="1371600" algn="ctr">
+            <a:lvl3pPr indent="-298450" lvl="2" marL="1371600">
               <a:spcBef>
                 <a:spcPts val="1600"/>
               </a:spcBef>
               <a:spcAft>
                 <a:spcPts val="0"/>
               </a:spcAft>
-              <a:buSzPts val="1400"/>
+              <a:buClr>
+                <a:schemeClr val="lt1"/>
+              </a:buClr>
+              <a:buSzPts val="1100"/>
               <a:buChar char="■"/>
-              <a:defRPr/>
+              <a:defRPr>
+                <a:solidFill>
+                  <a:schemeClr val="lt1"/>
+                </a:solidFill>
+              </a:defRPr>
             </a:lvl3pPr>
-            <a:lvl4pPr indent="-317500" lvl="3" marL="1828800" algn="ctr">
+            <a:lvl4pPr indent="-298450" lvl="3" marL="1828800">
               <a:spcBef>
                 <a:spcPts val="1600"/>
               </a:spcBef>
               <a:spcAft>
                 <a:spcPts val="0"/>
               </a:spcAft>
-              <a:buSzPts val="1400"/>
+              <a:buClr>
+                <a:schemeClr val="lt1"/>
+              </a:buClr>
+              <a:buSzPts val="1100"/>
               <a:buChar char="●"/>
-              <a:defRPr/>
+              <a:defRPr>
+                <a:solidFill>
+                  <a:schemeClr val="lt1"/>
+                </a:solidFill>
+              </a:defRPr>
             </a:lvl4pPr>
-            <a:lvl5pPr indent="-317500" lvl="4" marL="2286000" algn="ctr">
+            <a:lvl5pPr indent="-298450" lvl="4" marL="2286000">
               <a:spcBef>
                 <a:spcPts val="1600"/>
               </a:spcBef>
               <a:spcAft>
                 <a:spcPts val="0"/>
               </a:spcAft>
-              <a:buSzPts val="1400"/>
+              <a:buClr>
+                <a:schemeClr val="lt1"/>
+              </a:buClr>
+              <a:buSzPts val="1100"/>
               <a:buChar char="○"/>
-              <a:defRPr/>
+              <a:defRPr>
+                <a:solidFill>
+                  <a:schemeClr val="lt1"/>
+                </a:solidFill>
+              </a:defRPr>
             </a:lvl5pPr>
-            <a:lvl6pPr indent="-317500" lvl="5" marL="2743200" algn="ctr">
+            <a:lvl6pPr indent="-298450" lvl="5" marL="2743200">
               <a:spcBef>
                 <a:spcPts val="1600"/>
               </a:spcBef>
               <a:spcAft>
                 <a:spcPts val="0"/>
               </a:spcAft>
-              <a:buSzPts val="1400"/>
+              <a:buClr>
+                <a:schemeClr val="lt1"/>
+              </a:buClr>
+              <a:buSzPts val="1100"/>
               <a:buChar char="■"/>
-              <a:defRPr/>
+              <a:defRPr>
+                <a:solidFill>
+                  <a:schemeClr val="lt1"/>
+                </a:solidFill>
+              </a:defRPr>
             </a:lvl6pPr>
-            <a:lvl7pPr indent="-317500" lvl="6" marL="3200400" algn="ctr">
+            <a:lvl7pPr indent="-298450" lvl="6" marL="3200400">
               <a:spcBef>
                 <a:spcPts val="1600"/>
               </a:spcBef>
               <a:spcAft>
                 <a:spcPts val="0"/>
               </a:spcAft>
-              <a:buSzPts val="1400"/>
+              <a:buClr>
+                <a:schemeClr val="lt1"/>
+              </a:buClr>
+              <a:buSzPts val="1100"/>
               <a:buChar char="●"/>
-              <a:defRPr/>
+              <a:defRPr>
+                <a:solidFill>
+                  <a:schemeClr val="lt1"/>
+                </a:solidFill>
+              </a:defRPr>
             </a:lvl7pPr>
-            <a:lvl8pPr indent="-317500" lvl="7" marL="3657600" algn="ctr">
+            <a:lvl8pPr indent="-298450" lvl="7" marL="3657600">
               <a:spcBef>
                 <a:spcPts val="1600"/>
               </a:spcBef>
               <a:spcAft>
                 <a:spcPts val="0"/>
               </a:spcAft>
-              <a:buSzPts val="1400"/>
+              <a:buClr>
+                <a:schemeClr val="lt1"/>
+              </a:buClr>
+              <a:buSzPts val="1100"/>
               <a:buChar char="○"/>
-              <a:defRPr/>
+              <a:defRPr>
+                <a:solidFill>
+                  <a:schemeClr val="lt1"/>
+                </a:solidFill>
+              </a:defRPr>
             </a:lvl8pPr>
-            <a:lvl9pPr indent="-317500" lvl="8" marL="4114800" algn="ctr">
+            <a:lvl9pPr indent="-298450" lvl="8" marL="4114800">
               <a:spcBef>
                 <a:spcPts val="1600"/>
               </a:spcBef>
               <a:spcAft>
                 <a:spcPts val="1600"/>
               </a:spcAft>
-              <a:buSzPts val="1400"/>
+              <a:buClr>
+                <a:schemeClr val="lt1"/>
+              </a:buClr>
+              <a:buSzPts val="1100"/>
               <a:buChar char="■"/>
-              <a:defRPr/>
+              <a:defRPr>
+                <a:solidFill>
+                  <a:schemeClr val="lt1"/>
+                </a:solidFill>
+              </a:defRPr>
             </a:lvl9pPr>
           </a:lstStyle>
           <a:p/>
@@ -2811,7 +3275,7 @@
       </p:sp>
       <p:sp>
         <p:nvSpPr>
-          <p:cNvPr id="47" name="Shape 47"/>
+          <p:cNvPr id="79" name="Shape 79"/>
           <p:cNvSpPr txBox="1"/>
           <p:nvPr>
             <p:ph idx="12" type="sldNum"/>
@@ -2819,7 +3283,7 @@
         </p:nvSpPr>
         <p:spPr>
           <a:xfrm>
-            <a:off x="8472458" y="4663217"/>
+            <a:off x="8536302" y="4749851"/>
             <a:ext cx="548700" cy="393600"/>
           </a:xfrm>
           <a:prstGeom prst="rect">
@@ -2833,39 +3297,75 @@
           <a:lstStyle>
             <a:lvl1pPr lvl="0">
               <a:buNone/>
-              <a:defRPr/>
+              <a:defRPr>
+                <a:solidFill>
+                  <a:schemeClr val="lt1"/>
+                </a:solidFill>
+              </a:defRPr>
             </a:lvl1pPr>
             <a:lvl2pPr lvl="1">
               <a:buNone/>
-              <a:defRPr/>
+              <a:defRPr>
+                <a:solidFill>
+                  <a:schemeClr val="lt1"/>
+                </a:solidFill>
+              </a:defRPr>
             </a:lvl2pPr>
             <a:lvl3pPr lvl="2">
               <a:buNone/>
-              <a:defRPr/>
+              <a:defRPr>
+                <a:solidFill>
+                  <a:schemeClr val="lt1"/>
+                </a:solidFill>
+              </a:defRPr>
             </a:lvl3pPr>
             <a:lvl4pPr lvl="3">
               <a:buNone/>
-              <a:defRPr/>
+              <a:defRPr>
+                <a:solidFill>
+                  <a:schemeClr val="lt1"/>
+                </a:solidFill>
+              </a:defRPr>
             </a:lvl4pPr>
             <a:lvl5pPr lvl="4">
               <a:buNone/>
-              <a:defRPr/>
+              <a:defRPr>
+                <a:solidFill>
+                  <a:schemeClr val="lt1"/>
+                </a:solidFill>
+              </a:defRPr>
             </a:lvl5pPr>
             <a:lvl6pPr lvl="5">
               <a:buNone/>
-              <a:defRPr/>
+              <a:defRPr>
+                <a:solidFill>
+                  <a:schemeClr val="lt1"/>
+                </a:solidFill>
+              </a:defRPr>
             </a:lvl6pPr>
             <a:lvl7pPr lvl="6">
               <a:buNone/>
-              <a:defRPr/>
+              <a:defRPr>
+                <a:solidFill>
+                  <a:schemeClr val="lt1"/>
+                </a:solidFill>
+              </a:defRPr>
             </a:lvl7pPr>
             <a:lvl8pPr lvl="7">
               <a:buNone/>
-              <a:defRPr/>
+              <a:defRPr>
+                <a:solidFill>
+                  <a:schemeClr val="lt1"/>
+                </a:solidFill>
+              </a:defRPr>
             </a:lvl8pPr>
             <a:lvl9pPr lvl="8">
               <a:buNone/>
-              <a:defRPr/>
+              <a:defRPr>
+                <a:solidFill>
+                  <a:schemeClr val="lt1"/>
+                </a:solidFill>
+              </a:defRPr>
             </a:lvl9pPr>
           </a:lstStyle>
           <a:p>
@@ -2899,7 +3399,7 @@
   <p:cSld name="BLANK">
     <p:spTree>
       <p:nvGrpSpPr>
-        <p:cNvPr id="48" name="Shape 48"/>
+        <p:cNvPr id="80" name="Shape 80"/>
         <p:cNvGrpSpPr/>
         <p:nvPr/>
       </p:nvGrpSpPr>
@@ -2913,7 +3413,7 @@
       </p:grpSpPr>
       <p:sp>
         <p:nvSpPr>
-          <p:cNvPr id="49" name="Shape 49"/>
+          <p:cNvPr id="81" name="Shape 81"/>
           <p:cNvSpPr txBox="1"/>
           <p:nvPr>
             <p:ph idx="12" type="sldNum"/>
@@ -2921,7 +3421,7 @@
         </p:nvSpPr>
         <p:spPr>
           <a:xfrm>
-            <a:off x="8472458" y="4663217"/>
+            <a:off x="8536302" y="4749851"/>
             <a:ext cx="548700" cy="393600"/>
           </a:xfrm>
           <a:prstGeom prst="rect">
@@ -2999,9 +3499,16 @@
 <file path=ppt/slideLayouts/slideLayout2.xml><?xml version="1.0" encoding="utf-8"?>
 <p:sldLayout xmlns:a="http://schemas.openxmlformats.org/drawingml/2006/main" xmlns:r="http://schemas.openxmlformats.org/officeDocument/2006/relationships" xmlns:mc="http://schemas.openxmlformats.org/markup-compatibility/2006" xmlns:mv="urn:schemas-microsoft-com:mac:vml" xmlns:p="http://schemas.openxmlformats.org/presentationml/2006/main" xmlns:c="http://schemas.openxmlformats.org/drawingml/2006/chart" xmlns:dgm="http://schemas.openxmlformats.org/drawingml/2006/diagram" xmlns:o="urn:schemas-microsoft-com:office:office" xmlns:v="urn:schemas-microsoft-com:vml" xmlns:pvml="urn:schemas-microsoft-com:office:powerpoint" xmlns:com="http://schemas.openxmlformats.org/drawingml/2006/compatibility" xmlns:p14="http://schemas.microsoft.com/office/powerpoint/2010/main" xmlns:p15="http://schemas.microsoft.com/office/powerpoint/2012/main" matchingName="Section header" type="secHead">
   <p:cSld name="SECTION_HEADER">
+    <p:bg>
+      <p:bgPr>
+        <a:solidFill>
+          <a:schemeClr val="dk1"/>
+        </a:solidFill>
+      </p:bgPr>
+    </p:bg>
     <p:spTree>
       <p:nvGrpSpPr>
-        <p:cNvPr id="13" name="Shape 13"/>
+        <p:cNvPr id="17" name="Shape 17"/>
         <p:cNvGrpSpPr/>
         <p:nvPr/>
       </p:nvGrpSpPr>
@@ -3013,9 +3520,110 @@
           <a:chExt cx="0" cy="0"/>
         </a:xfrm>
       </p:grpSpPr>
+      <p:grpSp>
+        <p:nvGrpSpPr>
+          <p:cNvPr id="18" name="Shape 18"/>
+          <p:cNvGrpSpPr/>
+          <p:nvPr/>
+        </p:nvGrpSpPr>
+        <p:grpSpPr>
+          <a:xfrm>
+            <a:off x="830392" y="1191256"/>
+            <a:ext cx="745763" cy="45826"/>
+            <a:chOff x="4580561" y="2589004"/>
+            <a:chExt cx="1064464" cy="25200"/>
+          </a:xfrm>
+        </p:grpSpPr>
+        <p:sp>
+          <p:nvSpPr>
+            <p:cNvPr id="19" name="Shape 19"/>
+            <p:cNvSpPr/>
+            <p:nvPr/>
+          </p:nvSpPr>
+          <p:spPr>
+            <a:xfrm rot="-5400000">
+              <a:off x="5366325" y="2335504"/>
+              <a:ext cx="25200" cy="532200"/>
+            </a:xfrm>
+            <a:prstGeom prst="rect">
+              <a:avLst/>
+            </a:prstGeom>
+            <a:solidFill>
+              <a:schemeClr val="lt1"/>
+            </a:solidFill>
+            <a:ln>
+              <a:noFill/>
+            </a:ln>
+          </p:spPr>
+          <p:txBody>
+            <a:bodyPr anchorCtr="0" anchor="ctr" bIns="91425" lIns="91425" spcFirstLastPara="1" rIns="91425" wrap="square" tIns="91425">
+              <a:noAutofit/>
+            </a:bodyPr>
+            <a:lstStyle/>
+            <a:p>
+              <a:pPr indent="0" lvl="0" marL="0">
+                <a:spcBef>
+                  <a:spcPts val="0"/>
+                </a:spcBef>
+                <a:spcAft>
+                  <a:spcPts val="0"/>
+                </a:spcAft>
+                <a:buNone/>
+              </a:pPr>
+              <a:r>
+                <a:t/>
+              </a:r>
+              <a:endParaRPr/>
+            </a:p>
+          </p:txBody>
+        </p:sp>
+        <p:sp>
+          <p:nvSpPr>
+            <p:cNvPr id="20" name="Shape 20"/>
+            <p:cNvSpPr/>
+            <p:nvPr/>
+          </p:nvSpPr>
+          <p:spPr>
+            <a:xfrm rot="-5400000">
+              <a:off x="4836311" y="2333254"/>
+              <a:ext cx="25200" cy="536700"/>
+            </a:xfrm>
+            <a:prstGeom prst="rect">
+              <a:avLst/>
+            </a:prstGeom>
+            <a:solidFill>
+              <a:schemeClr val="lt1"/>
+            </a:solidFill>
+            <a:ln>
+              <a:noFill/>
+            </a:ln>
+          </p:spPr>
+          <p:txBody>
+            <a:bodyPr anchorCtr="0" anchor="ctr" bIns="91425" lIns="91425" spcFirstLastPara="1" rIns="91425" wrap="square" tIns="91425">
+              <a:noAutofit/>
+            </a:bodyPr>
+            <a:lstStyle/>
+            <a:p>
+              <a:pPr indent="0" lvl="0" marL="0">
+                <a:spcBef>
+                  <a:spcPts val="0"/>
+                </a:spcBef>
+                <a:spcAft>
+                  <a:spcPts val="0"/>
+                </a:spcAft>
+                <a:buNone/>
+              </a:pPr>
+              <a:r>
+                <a:t/>
+              </a:r>
+              <a:endParaRPr/>
+            </a:p>
+          </p:txBody>
+        </p:sp>
+      </p:grpSp>
       <p:sp>
         <p:nvSpPr>
-          <p:cNvPr id="14" name="Shape 14"/>
+          <p:cNvPr id="21" name="Shape 21"/>
           <p:cNvSpPr txBox="1"/>
           <p:nvPr>
             <p:ph type="title"/>
@@ -3023,114 +3631,177 @@
         </p:nvSpPr>
         <p:spPr>
           <a:xfrm>
-            <a:off x="311700" y="2150850"/>
-            <a:ext cx="8520600" cy="841800"/>
+            <a:off x="729450" y="1322450"/>
+            <a:ext cx="7688400" cy="1518600"/>
           </a:xfrm>
           <a:prstGeom prst="rect">
             <a:avLst/>
           </a:prstGeom>
         </p:spPr>
         <p:txBody>
-          <a:bodyPr anchorCtr="0" anchor="ctr" bIns="91425" lIns="91425" spcFirstLastPara="1" rIns="91425" wrap="square" tIns="91425"/>
+          <a:bodyPr anchorCtr="0" anchor="t" bIns="91425" lIns="91425" spcFirstLastPara="1" rIns="91425" wrap="square" tIns="91425"/>
           <a:lstStyle>
-            <a:lvl1pPr lvl="0" algn="ctr">
-              <a:spcBef>
-                <a:spcPts val="0"/>
-              </a:spcBef>
-              <a:spcAft>
-                <a:spcPts val="0"/>
-              </a:spcAft>
+            <a:lvl1pPr lvl="0">
+              <a:spcBef>
+                <a:spcPts val="0"/>
+              </a:spcBef>
+              <a:spcAft>
+                <a:spcPts val="0"/>
+              </a:spcAft>
+              <a:buClr>
+                <a:schemeClr val="lt1"/>
+              </a:buClr>
               <a:buSzPts val="3600"/>
               <a:buNone/>
-              <a:defRPr sz="3600"/>
+              <a:defRPr sz="3600">
+                <a:solidFill>
+                  <a:schemeClr val="lt1"/>
+                </a:solidFill>
+              </a:defRPr>
             </a:lvl1pPr>
-            <a:lvl2pPr lvl="1" algn="ctr">
-              <a:spcBef>
-                <a:spcPts val="0"/>
-              </a:spcBef>
-              <a:spcAft>
-                <a:spcPts val="0"/>
-              </a:spcAft>
+            <a:lvl2pPr lvl="1">
+              <a:spcBef>
+                <a:spcPts val="0"/>
+              </a:spcBef>
+              <a:spcAft>
+                <a:spcPts val="0"/>
+              </a:spcAft>
+              <a:buClr>
+                <a:schemeClr val="lt1"/>
+              </a:buClr>
               <a:buSzPts val="3600"/>
               <a:buNone/>
-              <a:defRPr sz="3600"/>
+              <a:defRPr sz="3600">
+                <a:solidFill>
+                  <a:schemeClr val="lt1"/>
+                </a:solidFill>
+              </a:defRPr>
             </a:lvl2pPr>
-            <a:lvl3pPr lvl="2" algn="ctr">
-              <a:spcBef>
-                <a:spcPts val="0"/>
-              </a:spcBef>
-              <a:spcAft>
-                <a:spcPts val="0"/>
-              </a:spcAft>
+            <a:lvl3pPr lvl="2">
+              <a:spcBef>
+                <a:spcPts val="0"/>
+              </a:spcBef>
+              <a:spcAft>
+                <a:spcPts val="0"/>
+              </a:spcAft>
+              <a:buClr>
+                <a:schemeClr val="lt1"/>
+              </a:buClr>
               <a:buSzPts val="3600"/>
               <a:buNone/>
-              <a:defRPr sz="3600"/>
+              <a:defRPr sz="3600">
+                <a:solidFill>
+                  <a:schemeClr val="lt1"/>
+                </a:solidFill>
+              </a:defRPr>
             </a:lvl3pPr>
-            <a:lvl4pPr lvl="3" algn="ctr">
-              <a:spcBef>
-                <a:spcPts val="0"/>
-              </a:spcBef>
-              <a:spcAft>
-                <a:spcPts val="0"/>
-              </a:spcAft>
+            <a:lvl4pPr lvl="3">
+              <a:spcBef>
+                <a:spcPts val="0"/>
+              </a:spcBef>
+              <a:spcAft>
+                <a:spcPts val="0"/>
+              </a:spcAft>
+              <a:buClr>
+                <a:schemeClr val="lt1"/>
+              </a:buClr>
               <a:buSzPts val="3600"/>
               <a:buNone/>
-              <a:defRPr sz="3600"/>
+              <a:defRPr sz="3600">
+                <a:solidFill>
+                  <a:schemeClr val="lt1"/>
+                </a:solidFill>
+              </a:defRPr>
             </a:lvl4pPr>
-            <a:lvl5pPr lvl="4" algn="ctr">
-              <a:spcBef>
-                <a:spcPts val="0"/>
-              </a:spcBef>
-              <a:spcAft>
-                <a:spcPts val="0"/>
-              </a:spcAft>
+            <a:lvl5pPr lvl="4">
+              <a:spcBef>
+                <a:spcPts val="0"/>
+              </a:spcBef>
+              <a:spcAft>
+                <a:spcPts val="0"/>
+              </a:spcAft>
+              <a:buClr>
+                <a:schemeClr val="lt1"/>
+              </a:buClr>
               <a:buSzPts val="3600"/>
               <a:buNone/>
-              <a:defRPr sz="3600"/>
+              <a:defRPr sz="3600">
+                <a:solidFill>
+                  <a:schemeClr val="lt1"/>
+                </a:solidFill>
+              </a:defRPr>
             </a:lvl5pPr>
-            <a:lvl6pPr lvl="5" algn="ctr">
-              <a:spcBef>
-                <a:spcPts val="0"/>
-              </a:spcBef>
-              <a:spcAft>
-                <a:spcPts val="0"/>
-              </a:spcAft>
+            <a:lvl6pPr lvl="5">
+              <a:spcBef>
+                <a:spcPts val="0"/>
+              </a:spcBef>
+              <a:spcAft>
+                <a:spcPts val="0"/>
+              </a:spcAft>
+              <a:buClr>
+                <a:schemeClr val="lt1"/>
+              </a:buClr>
               <a:buSzPts val="3600"/>
               <a:buNone/>
-              <a:defRPr sz="3600"/>
+              <a:defRPr sz="3600">
+                <a:solidFill>
+                  <a:schemeClr val="lt1"/>
+                </a:solidFill>
+              </a:defRPr>
             </a:lvl6pPr>
-            <a:lvl7pPr lvl="6" algn="ctr">
-              <a:spcBef>
-                <a:spcPts val="0"/>
-              </a:spcBef>
-              <a:spcAft>
-                <a:spcPts val="0"/>
-              </a:spcAft>
+            <a:lvl7pPr lvl="6">
+              <a:spcBef>
+                <a:spcPts val="0"/>
+              </a:spcBef>
+              <a:spcAft>
+                <a:spcPts val="0"/>
+              </a:spcAft>
+              <a:buClr>
+                <a:schemeClr val="lt1"/>
+              </a:buClr>
               <a:buSzPts val="3600"/>
               <a:buNone/>
-              <a:defRPr sz="3600"/>
+              <a:defRPr sz="3600">
+                <a:solidFill>
+                  <a:schemeClr val="lt1"/>
+                </a:solidFill>
+              </a:defRPr>
             </a:lvl7pPr>
-            <a:lvl8pPr lvl="7" algn="ctr">
-              <a:spcBef>
-                <a:spcPts val="0"/>
-              </a:spcBef>
-              <a:spcAft>
-                <a:spcPts val="0"/>
-              </a:spcAft>
+            <a:lvl8pPr lvl="7">
+              <a:spcBef>
+                <a:spcPts val="0"/>
+              </a:spcBef>
+              <a:spcAft>
+                <a:spcPts val="0"/>
+              </a:spcAft>
+              <a:buClr>
+                <a:schemeClr val="lt1"/>
+              </a:buClr>
               <a:buSzPts val="3600"/>
               <a:buNone/>
-              <a:defRPr sz="3600"/>
+              <a:defRPr sz="3600">
+                <a:solidFill>
+                  <a:schemeClr val="lt1"/>
+                </a:solidFill>
+              </a:defRPr>
             </a:lvl8pPr>
-            <a:lvl9pPr lvl="8" algn="ctr">
-              <a:spcBef>
-                <a:spcPts val="0"/>
-              </a:spcBef>
-              <a:spcAft>
-                <a:spcPts val="0"/>
-              </a:spcAft>
+            <a:lvl9pPr lvl="8">
+              <a:spcBef>
+                <a:spcPts val="0"/>
+              </a:spcBef>
+              <a:spcAft>
+                <a:spcPts val="0"/>
+              </a:spcAft>
+              <a:buClr>
+                <a:schemeClr val="lt1"/>
+              </a:buClr>
               <a:buSzPts val="3600"/>
               <a:buNone/>
-              <a:defRPr sz="3600"/>
+              <a:defRPr sz="3600">
+                <a:solidFill>
+                  <a:schemeClr val="lt1"/>
+                </a:solidFill>
+              </a:defRPr>
             </a:lvl9pPr>
           </a:lstStyle>
           <a:p/>
@@ -3138,7 +3809,7 @@
       </p:sp>
       <p:sp>
         <p:nvSpPr>
-          <p:cNvPr id="15" name="Shape 15"/>
+          <p:cNvPr id="22" name="Shape 22"/>
           <p:cNvSpPr txBox="1"/>
           <p:nvPr>
             <p:ph idx="12" type="sldNum"/>
@@ -3146,7 +3817,7 @@
         </p:nvSpPr>
         <p:spPr>
           <a:xfrm>
-            <a:off x="8472458" y="4663217"/>
+            <a:off x="8536302" y="4749851"/>
             <a:ext cx="548700" cy="393600"/>
           </a:xfrm>
           <a:prstGeom prst="rect">
@@ -3160,39 +3831,75 @@
           <a:lstStyle>
             <a:lvl1pPr lvl="0">
               <a:buNone/>
-              <a:defRPr/>
+              <a:defRPr>
+                <a:solidFill>
+                  <a:schemeClr val="lt1"/>
+                </a:solidFill>
+              </a:defRPr>
             </a:lvl1pPr>
             <a:lvl2pPr lvl="1">
               <a:buNone/>
-              <a:defRPr/>
+              <a:defRPr>
+                <a:solidFill>
+                  <a:schemeClr val="lt1"/>
+                </a:solidFill>
+              </a:defRPr>
             </a:lvl2pPr>
             <a:lvl3pPr lvl="2">
               <a:buNone/>
-              <a:defRPr/>
+              <a:defRPr>
+                <a:solidFill>
+                  <a:schemeClr val="lt1"/>
+                </a:solidFill>
+              </a:defRPr>
             </a:lvl3pPr>
             <a:lvl4pPr lvl="3">
               <a:buNone/>
-              <a:defRPr/>
+              <a:defRPr>
+                <a:solidFill>
+                  <a:schemeClr val="lt1"/>
+                </a:solidFill>
+              </a:defRPr>
             </a:lvl4pPr>
             <a:lvl5pPr lvl="4">
               <a:buNone/>
-              <a:defRPr/>
+              <a:defRPr>
+                <a:solidFill>
+                  <a:schemeClr val="lt1"/>
+                </a:solidFill>
+              </a:defRPr>
             </a:lvl5pPr>
             <a:lvl6pPr lvl="5">
               <a:buNone/>
-              <a:defRPr/>
+              <a:defRPr>
+                <a:solidFill>
+                  <a:schemeClr val="lt1"/>
+                </a:solidFill>
+              </a:defRPr>
             </a:lvl6pPr>
             <a:lvl7pPr lvl="6">
               <a:buNone/>
-              <a:defRPr/>
+              <a:defRPr>
+                <a:solidFill>
+                  <a:schemeClr val="lt1"/>
+                </a:solidFill>
+              </a:defRPr>
             </a:lvl7pPr>
             <a:lvl8pPr lvl="7">
               <a:buNone/>
-              <a:defRPr/>
+              <a:defRPr>
+                <a:solidFill>
+                  <a:schemeClr val="lt1"/>
+                </a:solidFill>
+              </a:defRPr>
             </a:lvl8pPr>
             <a:lvl9pPr lvl="8">
               <a:buNone/>
-              <a:defRPr/>
+              <a:defRPr>
+                <a:solidFill>
+                  <a:schemeClr val="lt1"/>
+                </a:solidFill>
+              </a:defRPr>
             </a:lvl9pPr>
           </a:lstStyle>
           <a:p>
@@ -3226,7 +3933,7 @@
   <p:cSld name="TITLE_AND_BODY">
     <p:spTree>
       <p:nvGrpSpPr>
-        <p:cNvPr id="16" name="Shape 16"/>
+        <p:cNvPr id="23" name="Shape 23"/>
         <p:cNvGrpSpPr/>
         <p:nvPr/>
       </p:nvGrpSpPr>
@@ -3240,7 +3947,151 @@
       </p:grpSpPr>
       <p:sp>
         <p:nvSpPr>
-          <p:cNvPr id="17" name="Shape 17"/>
+          <p:cNvPr id="24" name="Shape 24"/>
+          <p:cNvSpPr/>
+          <p:nvPr/>
+        </p:nvSpPr>
+        <p:spPr>
+          <a:xfrm>
+            <a:off x="0" y="0"/>
+            <a:ext cx="9144000" cy="487800"/>
+          </a:xfrm>
+          <a:prstGeom prst="rect">
+            <a:avLst/>
+          </a:prstGeom>
+          <a:solidFill>
+            <a:schemeClr val="lt2"/>
+          </a:solidFill>
+          <a:ln>
+            <a:noFill/>
+          </a:ln>
+        </p:spPr>
+        <p:txBody>
+          <a:bodyPr anchorCtr="0" anchor="ctr" bIns="91425" lIns="91425" spcFirstLastPara="1" rIns="91425" wrap="square" tIns="91425">
+            <a:noAutofit/>
+          </a:bodyPr>
+          <a:lstStyle/>
+          <a:p>
+            <a:pPr indent="0" lvl="0" marL="0">
+              <a:spcBef>
+                <a:spcPts val="0"/>
+              </a:spcBef>
+              <a:spcAft>
+                <a:spcPts val="0"/>
+              </a:spcAft>
+              <a:buNone/>
+            </a:pPr>
+            <a:r>
+              <a:t/>
+            </a:r>
+            <a:endParaRPr/>
+          </a:p>
+        </p:txBody>
+      </p:sp>
+      <p:grpSp>
+        <p:nvGrpSpPr>
+          <p:cNvPr id="25" name="Shape 25"/>
+          <p:cNvGrpSpPr/>
+          <p:nvPr/>
+        </p:nvGrpSpPr>
+        <p:grpSpPr>
+          <a:xfrm>
+            <a:off x="830392" y="1191256"/>
+            <a:ext cx="745763" cy="45826"/>
+            <a:chOff x="4580561" y="2589004"/>
+            <a:chExt cx="1064464" cy="25200"/>
+          </a:xfrm>
+        </p:grpSpPr>
+        <p:sp>
+          <p:nvSpPr>
+            <p:cNvPr id="26" name="Shape 26"/>
+            <p:cNvSpPr/>
+            <p:nvPr/>
+          </p:nvSpPr>
+          <p:spPr>
+            <a:xfrm rot="-5400000">
+              <a:off x="5366325" y="2335504"/>
+              <a:ext cx="25200" cy="532200"/>
+            </a:xfrm>
+            <a:prstGeom prst="rect">
+              <a:avLst/>
+            </a:prstGeom>
+            <a:solidFill>
+              <a:schemeClr val="accent3"/>
+            </a:solidFill>
+            <a:ln>
+              <a:noFill/>
+            </a:ln>
+          </p:spPr>
+          <p:txBody>
+            <a:bodyPr anchorCtr="0" anchor="ctr" bIns="91425" lIns="91425" spcFirstLastPara="1" rIns="91425" wrap="square" tIns="91425">
+              <a:noAutofit/>
+            </a:bodyPr>
+            <a:lstStyle/>
+            <a:p>
+              <a:pPr indent="0" lvl="0" marL="0">
+                <a:spcBef>
+                  <a:spcPts val="0"/>
+                </a:spcBef>
+                <a:spcAft>
+                  <a:spcPts val="0"/>
+                </a:spcAft>
+                <a:buNone/>
+              </a:pPr>
+              <a:r>
+                <a:t/>
+              </a:r>
+              <a:endParaRPr/>
+            </a:p>
+          </p:txBody>
+        </p:sp>
+        <p:sp>
+          <p:nvSpPr>
+            <p:cNvPr id="27" name="Shape 27"/>
+            <p:cNvSpPr/>
+            <p:nvPr/>
+          </p:nvSpPr>
+          <p:spPr>
+            <a:xfrm rot="-5400000">
+              <a:off x="4836311" y="2333254"/>
+              <a:ext cx="25200" cy="536700"/>
+            </a:xfrm>
+            <a:prstGeom prst="rect">
+              <a:avLst/>
+            </a:prstGeom>
+            <a:solidFill>
+              <a:schemeClr val="dk1"/>
+            </a:solidFill>
+            <a:ln>
+              <a:noFill/>
+            </a:ln>
+          </p:spPr>
+          <p:txBody>
+            <a:bodyPr anchorCtr="0" anchor="ctr" bIns="91425" lIns="91425" spcFirstLastPara="1" rIns="91425" wrap="square" tIns="91425">
+              <a:noAutofit/>
+            </a:bodyPr>
+            <a:lstStyle/>
+            <a:p>
+              <a:pPr indent="0" lvl="0" marL="0">
+                <a:spcBef>
+                  <a:spcPts val="0"/>
+                </a:spcBef>
+                <a:spcAft>
+                  <a:spcPts val="0"/>
+                </a:spcAft>
+                <a:buNone/>
+              </a:pPr>
+              <a:r>
+                <a:t/>
+              </a:r>
+              <a:endParaRPr/>
+            </a:p>
+          </p:txBody>
+        </p:sp>
+      </p:grpSp>
+      <p:sp>
+        <p:nvSpPr>
+          <p:cNvPr id="28" name="Shape 28"/>
           <p:cNvSpPr txBox="1"/>
           <p:nvPr>
             <p:ph type="title"/>
@@ -3248,8 +4099,8 @@
         </p:nvSpPr>
         <p:spPr>
           <a:xfrm>
-            <a:off x="311700" y="445025"/>
-            <a:ext cx="8520600" cy="572700"/>
+            <a:off x="729450" y="1318650"/>
+            <a:ext cx="7688700" cy="535200"/>
           </a:xfrm>
           <a:prstGeom prst="rect">
             <a:avLst/>
@@ -3265,9 +4116,16 @@
               <a:spcAft>
                 <a:spcPts val="0"/>
               </a:spcAft>
-              <a:buSzPts val="2800"/>
-              <a:buNone/>
-              <a:defRPr/>
+              <a:buClr>
+                <a:schemeClr val="dk2"/>
+              </a:buClr>
+              <a:buSzPts val="2600"/>
+              <a:buNone/>
+              <a:defRPr sz="2600">
+                <a:solidFill>
+                  <a:schemeClr val="dk2"/>
+                </a:solidFill>
+              </a:defRPr>
             </a:lvl1pPr>
             <a:lvl2pPr lvl="1">
               <a:spcBef>
@@ -3276,9 +4134,16 @@
               <a:spcAft>
                 <a:spcPts val="0"/>
               </a:spcAft>
-              <a:buSzPts val="2800"/>
-              <a:buNone/>
-              <a:defRPr/>
+              <a:buClr>
+                <a:schemeClr val="dk2"/>
+              </a:buClr>
+              <a:buSzPts val="2600"/>
+              <a:buNone/>
+              <a:defRPr sz="2600">
+                <a:solidFill>
+                  <a:schemeClr val="dk2"/>
+                </a:solidFill>
+              </a:defRPr>
             </a:lvl2pPr>
             <a:lvl3pPr lvl="2">
               <a:spcBef>
@@ -3287,9 +4152,16 @@
               <a:spcAft>
                 <a:spcPts val="0"/>
               </a:spcAft>
-              <a:buSzPts val="2800"/>
-              <a:buNone/>
-              <a:defRPr/>
+              <a:buClr>
+                <a:schemeClr val="dk2"/>
+              </a:buClr>
+              <a:buSzPts val="2600"/>
+              <a:buNone/>
+              <a:defRPr sz="2600">
+                <a:solidFill>
+                  <a:schemeClr val="dk2"/>
+                </a:solidFill>
+              </a:defRPr>
             </a:lvl3pPr>
             <a:lvl4pPr lvl="3">
               <a:spcBef>
@@ -3298,9 +4170,16 @@
               <a:spcAft>
                 <a:spcPts val="0"/>
               </a:spcAft>
-              <a:buSzPts val="2800"/>
-              <a:buNone/>
-              <a:defRPr/>
+              <a:buClr>
+                <a:schemeClr val="dk2"/>
+              </a:buClr>
+              <a:buSzPts val="2600"/>
+              <a:buNone/>
+              <a:defRPr sz="2600">
+                <a:solidFill>
+                  <a:schemeClr val="dk2"/>
+                </a:solidFill>
+              </a:defRPr>
             </a:lvl4pPr>
             <a:lvl5pPr lvl="4">
               <a:spcBef>
@@ -3309,9 +4188,16 @@
               <a:spcAft>
                 <a:spcPts val="0"/>
               </a:spcAft>
-              <a:buSzPts val="2800"/>
-              <a:buNone/>
-              <a:defRPr/>
+              <a:buClr>
+                <a:schemeClr val="dk2"/>
+              </a:buClr>
+              <a:buSzPts val="2600"/>
+              <a:buNone/>
+              <a:defRPr sz="2600">
+                <a:solidFill>
+                  <a:schemeClr val="dk2"/>
+                </a:solidFill>
+              </a:defRPr>
             </a:lvl5pPr>
             <a:lvl6pPr lvl="5">
               <a:spcBef>
@@ -3320,9 +4206,16 @@
               <a:spcAft>
                 <a:spcPts val="0"/>
               </a:spcAft>
-              <a:buSzPts val="2800"/>
-              <a:buNone/>
-              <a:defRPr/>
+              <a:buClr>
+                <a:schemeClr val="dk2"/>
+              </a:buClr>
+              <a:buSzPts val="2600"/>
+              <a:buNone/>
+              <a:defRPr sz="2600">
+                <a:solidFill>
+                  <a:schemeClr val="dk2"/>
+                </a:solidFill>
+              </a:defRPr>
             </a:lvl6pPr>
             <a:lvl7pPr lvl="6">
               <a:spcBef>
@@ -3331,9 +4224,16 @@
               <a:spcAft>
                 <a:spcPts val="0"/>
               </a:spcAft>
-              <a:buSzPts val="2800"/>
-              <a:buNone/>
-              <a:defRPr/>
+              <a:buClr>
+                <a:schemeClr val="dk2"/>
+              </a:buClr>
+              <a:buSzPts val="2600"/>
+              <a:buNone/>
+              <a:defRPr sz="2600">
+                <a:solidFill>
+                  <a:schemeClr val="dk2"/>
+                </a:solidFill>
+              </a:defRPr>
             </a:lvl7pPr>
             <a:lvl8pPr lvl="7">
               <a:spcBef>
@@ -3342,9 +4242,16 @@
               <a:spcAft>
                 <a:spcPts val="0"/>
               </a:spcAft>
-              <a:buSzPts val="2800"/>
-              <a:buNone/>
-              <a:defRPr/>
+              <a:buClr>
+                <a:schemeClr val="dk2"/>
+              </a:buClr>
+              <a:buSzPts val="2600"/>
+              <a:buNone/>
+              <a:defRPr sz="2600">
+                <a:solidFill>
+                  <a:schemeClr val="dk2"/>
+                </a:solidFill>
+              </a:defRPr>
             </a:lvl8pPr>
             <a:lvl9pPr lvl="8">
               <a:spcBef>
@@ -3353,9 +4260,16 @@
               <a:spcAft>
                 <a:spcPts val="0"/>
               </a:spcAft>
-              <a:buSzPts val="2800"/>
-              <a:buNone/>
-              <a:defRPr/>
+              <a:buClr>
+                <a:schemeClr val="dk2"/>
+              </a:buClr>
+              <a:buSzPts val="2600"/>
+              <a:buNone/>
+              <a:defRPr sz="2600">
+                <a:solidFill>
+                  <a:schemeClr val="dk2"/>
+                </a:solidFill>
+              </a:defRPr>
             </a:lvl9pPr>
           </a:lstStyle>
           <a:p/>
@@ -3363,7 +4277,7 @@
       </p:sp>
       <p:sp>
         <p:nvSpPr>
-          <p:cNvPr id="18" name="Shape 18"/>
+          <p:cNvPr id="29" name="Shape 29"/>
           <p:cNvSpPr txBox="1"/>
           <p:nvPr>
             <p:ph idx="1" type="body"/>
@@ -3371,8 +4285,8 @@
         </p:nvSpPr>
         <p:spPr>
           <a:xfrm>
-            <a:off x="311700" y="1152475"/>
-            <a:ext cx="8520600" cy="3416400"/>
+            <a:off x="729450" y="2078875"/>
+            <a:ext cx="7688700" cy="2261100"/>
           </a:xfrm>
           <a:prstGeom prst="rect">
             <a:avLst/>
@@ -3381,102 +4295,102 @@
         <p:txBody>
           <a:bodyPr anchorCtr="0" anchor="t" bIns="91425" lIns="91425" spcFirstLastPara="1" rIns="91425" wrap="square" tIns="91425"/>
           <a:lstStyle>
-            <a:lvl1pPr indent="-342900" lvl="0" marL="457200">
-              <a:spcBef>
-                <a:spcPts val="0"/>
-              </a:spcBef>
-              <a:spcAft>
-                <a:spcPts val="0"/>
-              </a:spcAft>
-              <a:buSzPts val="1800"/>
+            <a:lvl1pPr indent="-311150" lvl="0" marL="457200">
+              <a:spcBef>
+                <a:spcPts val="0"/>
+              </a:spcBef>
+              <a:spcAft>
+                <a:spcPts val="0"/>
+              </a:spcAft>
+              <a:buSzPts val="1300"/>
               <a:buChar char="●"/>
               <a:defRPr/>
             </a:lvl1pPr>
-            <a:lvl2pPr indent="-317500" lvl="1" marL="914400">
+            <a:lvl2pPr indent="-298450" lvl="1" marL="914400">
               <a:spcBef>
                 <a:spcPts val="1600"/>
               </a:spcBef>
               <a:spcAft>
                 <a:spcPts val="0"/>
               </a:spcAft>
-              <a:buSzPts val="1400"/>
+              <a:buSzPts val="1100"/>
               <a:buChar char="○"/>
               <a:defRPr/>
             </a:lvl2pPr>
-            <a:lvl3pPr indent="-317500" lvl="2" marL="1371600">
+            <a:lvl3pPr indent="-298450" lvl="2" marL="1371600">
               <a:spcBef>
                 <a:spcPts val="1600"/>
               </a:spcBef>
               <a:spcAft>
                 <a:spcPts val="0"/>
               </a:spcAft>
-              <a:buSzPts val="1400"/>
+              <a:buSzPts val="1100"/>
               <a:buChar char="■"/>
               <a:defRPr/>
             </a:lvl3pPr>
-            <a:lvl4pPr indent="-317500" lvl="3" marL="1828800">
+            <a:lvl4pPr indent="-298450" lvl="3" marL="1828800">
               <a:spcBef>
                 <a:spcPts val="1600"/>
               </a:spcBef>
               <a:spcAft>
                 <a:spcPts val="0"/>
               </a:spcAft>
-              <a:buSzPts val="1400"/>
+              <a:buSzPts val="1100"/>
               <a:buChar char="●"/>
               <a:defRPr/>
             </a:lvl4pPr>
-            <a:lvl5pPr indent="-317500" lvl="4" marL="2286000">
+            <a:lvl5pPr indent="-298450" lvl="4" marL="2286000">
               <a:spcBef>
                 <a:spcPts val="1600"/>
               </a:spcBef>
               <a:spcAft>
                 <a:spcPts val="0"/>
               </a:spcAft>
-              <a:buSzPts val="1400"/>
+              <a:buSzPts val="1100"/>
               <a:buChar char="○"/>
               <a:defRPr/>
             </a:lvl5pPr>
-            <a:lvl6pPr indent="-317500" lvl="5" marL="2743200">
+            <a:lvl6pPr indent="-298450" lvl="5" marL="2743200">
               <a:spcBef>
                 <a:spcPts val="1600"/>
               </a:spcBef>
               <a:spcAft>
                 <a:spcPts val="0"/>
               </a:spcAft>
-              <a:buSzPts val="1400"/>
+              <a:buSzPts val="1100"/>
               <a:buChar char="■"/>
               <a:defRPr/>
             </a:lvl6pPr>
-            <a:lvl7pPr indent="-317500" lvl="6" marL="3200400">
+            <a:lvl7pPr indent="-298450" lvl="6" marL="3200400">
               <a:spcBef>
                 <a:spcPts val="1600"/>
               </a:spcBef>
               <a:spcAft>
                 <a:spcPts val="0"/>
               </a:spcAft>
-              <a:buSzPts val="1400"/>
+              <a:buSzPts val="1100"/>
               <a:buChar char="●"/>
               <a:defRPr/>
             </a:lvl7pPr>
-            <a:lvl8pPr indent="-317500" lvl="7" marL="3657600">
+            <a:lvl8pPr indent="-298450" lvl="7" marL="3657600">
               <a:spcBef>
                 <a:spcPts val="1600"/>
               </a:spcBef>
               <a:spcAft>
                 <a:spcPts val="0"/>
               </a:spcAft>
-              <a:buSzPts val="1400"/>
+              <a:buSzPts val="1100"/>
               <a:buChar char="○"/>
               <a:defRPr/>
             </a:lvl8pPr>
-            <a:lvl9pPr indent="-317500" lvl="8" marL="4114800">
+            <a:lvl9pPr indent="-298450" lvl="8" marL="4114800">
               <a:spcBef>
                 <a:spcPts val="1600"/>
               </a:spcBef>
               <a:spcAft>
                 <a:spcPts val="1600"/>
               </a:spcAft>
-              <a:buSzPts val="1400"/>
+              <a:buSzPts val="1100"/>
               <a:buChar char="■"/>
               <a:defRPr/>
             </a:lvl9pPr>
@@ -3486,7 +4400,7 @@
       </p:sp>
       <p:sp>
         <p:nvSpPr>
-          <p:cNvPr id="19" name="Shape 19"/>
+          <p:cNvPr id="30" name="Shape 30"/>
           <p:cNvSpPr txBox="1"/>
           <p:nvPr>
             <p:ph idx="12" type="sldNum"/>
@@ -3494,7 +4408,7 @@
         </p:nvSpPr>
         <p:spPr>
           <a:xfrm>
-            <a:off x="8472458" y="4663217"/>
+            <a:off x="8536302" y="4749851"/>
             <a:ext cx="548700" cy="393600"/>
           </a:xfrm>
           <a:prstGeom prst="rect">
@@ -3574,7 +4488,7 @@
   <p:cSld name="TITLE_AND_TWO_COLUMNS">
     <p:spTree>
       <p:nvGrpSpPr>
-        <p:cNvPr id="20" name="Shape 20"/>
+        <p:cNvPr id="31" name="Shape 31"/>
         <p:cNvGrpSpPr/>
         <p:nvPr/>
       </p:nvGrpSpPr>
@@ -3588,7 +4502,151 @@
       </p:grpSpPr>
       <p:sp>
         <p:nvSpPr>
-          <p:cNvPr id="21" name="Shape 21"/>
+          <p:cNvPr id="32" name="Shape 32"/>
+          <p:cNvSpPr/>
+          <p:nvPr/>
+        </p:nvSpPr>
+        <p:spPr>
+          <a:xfrm>
+            <a:off x="0" y="0"/>
+            <a:ext cx="9144000" cy="487800"/>
+          </a:xfrm>
+          <a:prstGeom prst="rect">
+            <a:avLst/>
+          </a:prstGeom>
+          <a:solidFill>
+            <a:schemeClr val="lt2"/>
+          </a:solidFill>
+          <a:ln>
+            <a:noFill/>
+          </a:ln>
+        </p:spPr>
+        <p:txBody>
+          <a:bodyPr anchorCtr="0" anchor="ctr" bIns="91425" lIns="91425" spcFirstLastPara="1" rIns="91425" wrap="square" tIns="91425">
+            <a:noAutofit/>
+          </a:bodyPr>
+          <a:lstStyle/>
+          <a:p>
+            <a:pPr indent="0" lvl="0" marL="0">
+              <a:spcBef>
+                <a:spcPts val="0"/>
+              </a:spcBef>
+              <a:spcAft>
+                <a:spcPts val="0"/>
+              </a:spcAft>
+              <a:buNone/>
+            </a:pPr>
+            <a:r>
+              <a:t/>
+            </a:r>
+            <a:endParaRPr/>
+          </a:p>
+        </p:txBody>
+      </p:sp>
+      <p:grpSp>
+        <p:nvGrpSpPr>
+          <p:cNvPr id="33" name="Shape 33"/>
+          <p:cNvGrpSpPr/>
+          <p:nvPr/>
+        </p:nvGrpSpPr>
+        <p:grpSpPr>
+          <a:xfrm>
+            <a:off x="830392" y="1191256"/>
+            <a:ext cx="745763" cy="45826"/>
+            <a:chOff x="4580561" y="2589004"/>
+            <a:chExt cx="1064464" cy="25200"/>
+          </a:xfrm>
+        </p:grpSpPr>
+        <p:sp>
+          <p:nvSpPr>
+            <p:cNvPr id="34" name="Shape 34"/>
+            <p:cNvSpPr/>
+            <p:nvPr/>
+          </p:nvSpPr>
+          <p:spPr>
+            <a:xfrm rot="-5400000">
+              <a:off x="5366325" y="2335504"/>
+              <a:ext cx="25200" cy="532200"/>
+            </a:xfrm>
+            <a:prstGeom prst="rect">
+              <a:avLst/>
+            </a:prstGeom>
+            <a:solidFill>
+              <a:schemeClr val="accent3"/>
+            </a:solidFill>
+            <a:ln>
+              <a:noFill/>
+            </a:ln>
+          </p:spPr>
+          <p:txBody>
+            <a:bodyPr anchorCtr="0" anchor="ctr" bIns="91425" lIns="91425" spcFirstLastPara="1" rIns="91425" wrap="square" tIns="91425">
+              <a:noAutofit/>
+            </a:bodyPr>
+            <a:lstStyle/>
+            <a:p>
+              <a:pPr indent="0" lvl="0" marL="0">
+                <a:spcBef>
+                  <a:spcPts val="0"/>
+                </a:spcBef>
+                <a:spcAft>
+                  <a:spcPts val="0"/>
+                </a:spcAft>
+                <a:buNone/>
+              </a:pPr>
+              <a:r>
+                <a:t/>
+              </a:r>
+              <a:endParaRPr/>
+            </a:p>
+          </p:txBody>
+        </p:sp>
+        <p:sp>
+          <p:nvSpPr>
+            <p:cNvPr id="35" name="Shape 35"/>
+            <p:cNvSpPr/>
+            <p:nvPr/>
+          </p:nvSpPr>
+          <p:spPr>
+            <a:xfrm rot="-5400000">
+              <a:off x="4836311" y="2333254"/>
+              <a:ext cx="25200" cy="536700"/>
+            </a:xfrm>
+            <a:prstGeom prst="rect">
+              <a:avLst/>
+            </a:prstGeom>
+            <a:solidFill>
+              <a:schemeClr val="dk1"/>
+            </a:solidFill>
+            <a:ln>
+              <a:noFill/>
+            </a:ln>
+          </p:spPr>
+          <p:txBody>
+            <a:bodyPr anchorCtr="0" anchor="ctr" bIns="91425" lIns="91425" spcFirstLastPara="1" rIns="91425" wrap="square" tIns="91425">
+              <a:noAutofit/>
+            </a:bodyPr>
+            <a:lstStyle/>
+            <a:p>
+              <a:pPr indent="0" lvl="0" marL="0">
+                <a:spcBef>
+                  <a:spcPts val="0"/>
+                </a:spcBef>
+                <a:spcAft>
+                  <a:spcPts val="0"/>
+                </a:spcAft>
+                <a:buNone/>
+              </a:pPr>
+              <a:r>
+                <a:t/>
+              </a:r>
+              <a:endParaRPr/>
+            </a:p>
+          </p:txBody>
+        </p:sp>
+      </p:grpSp>
+      <p:sp>
+        <p:nvSpPr>
+          <p:cNvPr id="36" name="Shape 36"/>
           <p:cNvSpPr txBox="1"/>
           <p:nvPr>
             <p:ph type="title"/>
@@ -3596,8 +4654,8 @@
         </p:nvSpPr>
         <p:spPr>
           <a:xfrm>
-            <a:off x="311700" y="445025"/>
-            <a:ext cx="8520600" cy="572700"/>
+            <a:off x="729450" y="1318650"/>
+            <a:ext cx="7688400" cy="535200"/>
           </a:xfrm>
           <a:prstGeom prst="rect">
             <a:avLst/>
@@ -3613,9 +4671,16 @@
               <a:spcAft>
                 <a:spcPts val="0"/>
               </a:spcAft>
-              <a:buSzPts val="2800"/>
-              <a:buNone/>
-              <a:defRPr/>
+              <a:buClr>
+                <a:schemeClr val="dk2"/>
+              </a:buClr>
+              <a:buSzPts val="2600"/>
+              <a:buNone/>
+              <a:defRPr sz="2600">
+                <a:solidFill>
+                  <a:schemeClr val="dk2"/>
+                </a:solidFill>
+              </a:defRPr>
             </a:lvl1pPr>
             <a:lvl2pPr lvl="1">
               <a:spcBef>
@@ -3624,9 +4689,16 @@
               <a:spcAft>
                 <a:spcPts val="0"/>
               </a:spcAft>
-              <a:buSzPts val="2800"/>
-              <a:buNone/>
-              <a:defRPr/>
+              <a:buClr>
+                <a:schemeClr val="dk2"/>
+              </a:buClr>
+              <a:buSzPts val="2600"/>
+              <a:buNone/>
+              <a:defRPr sz="2600">
+                <a:solidFill>
+                  <a:schemeClr val="dk2"/>
+                </a:solidFill>
+              </a:defRPr>
             </a:lvl2pPr>
             <a:lvl3pPr lvl="2">
               <a:spcBef>
@@ -3635,9 +4707,16 @@
               <a:spcAft>
                 <a:spcPts val="0"/>
               </a:spcAft>
-              <a:buSzPts val="2800"/>
-              <a:buNone/>
-              <a:defRPr/>
+              <a:buClr>
+                <a:schemeClr val="dk2"/>
+              </a:buClr>
+              <a:buSzPts val="2600"/>
+              <a:buNone/>
+              <a:defRPr sz="2600">
+                <a:solidFill>
+                  <a:schemeClr val="dk2"/>
+                </a:solidFill>
+              </a:defRPr>
             </a:lvl3pPr>
             <a:lvl4pPr lvl="3">
               <a:spcBef>
@@ -3646,9 +4725,16 @@
               <a:spcAft>
                 <a:spcPts val="0"/>
               </a:spcAft>
-              <a:buSzPts val="2800"/>
-              <a:buNone/>
-              <a:defRPr/>
+              <a:buClr>
+                <a:schemeClr val="dk2"/>
+              </a:buClr>
+              <a:buSzPts val="2600"/>
+              <a:buNone/>
+              <a:defRPr sz="2600">
+                <a:solidFill>
+                  <a:schemeClr val="dk2"/>
+                </a:solidFill>
+              </a:defRPr>
             </a:lvl4pPr>
             <a:lvl5pPr lvl="4">
               <a:spcBef>
@@ -3657,9 +4743,16 @@
               <a:spcAft>
                 <a:spcPts val="0"/>
               </a:spcAft>
-              <a:buSzPts val="2800"/>
-              <a:buNone/>
-              <a:defRPr/>
+              <a:buClr>
+                <a:schemeClr val="dk2"/>
+              </a:buClr>
+              <a:buSzPts val="2600"/>
+              <a:buNone/>
+              <a:defRPr sz="2600">
+                <a:solidFill>
+                  <a:schemeClr val="dk2"/>
+                </a:solidFill>
+              </a:defRPr>
             </a:lvl5pPr>
             <a:lvl6pPr lvl="5">
               <a:spcBef>
@@ -3668,9 +4761,16 @@
               <a:spcAft>
                 <a:spcPts val="0"/>
               </a:spcAft>
-              <a:buSzPts val="2800"/>
-              <a:buNone/>
-              <a:defRPr/>
+              <a:buClr>
+                <a:schemeClr val="dk2"/>
+              </a:buClr>
+              <a:buSzPts val="2600"/>
+              <a:buNone/>
+              <a:defRPr sz="2600">
+                <a:solidFill>
+                  <a:schemeClr val="dk2"/>
+                </a:solidFill>
+              </a:defRPr>
             </a:lvl6pPr>
             <a:lvl7pPr lvl="6">
               <a:spcBef>
@@ -3679,9 +4779,16 @@
               <a:spcAft>
                 <a:spcPts val="0"/>
               </a:spcAft>
-              <a:buSzPts val="2800"/>
-              <a:buNone/>
-              <a:defRPr/>
+              <a:buClr>
+                <a:schemeClr val="dk2"/>
+              </a:buClr>
+              <a:buSzPts val="2600"/>
+              <a:buNone/>
+              <a:defRPr sz="2600">
+                <a:solidFill>
+                  <a:schemeClr val="dk2"/>
+                </a:solidFill>
+              </a:defRPr>
             </a:lvl7pPr>
             <a:lvl8pPr lvl="7">
               <a:spcBef>
@@ -3690,9 +4797,16 @@
               <a:spcAft>
                 <a:spcPts val="0"/>
               </a:spcAft>
-              <a:buSzPts val="2800"/>
-              <a:buNone/>
-              <a:defRPr/>
+              <a:buClr>
+                <a:schemeClr val="dk2"/>
+              </a:buClr>
+              <a:buSzPts val="2600"/>
+              <a:buNone/>
+              <a:defRPr sz="2600">
+                <a:solidFill>
+                  <a:schemeClr val="dk2"/>
+                </a:solidFill>
+              </a:defRPr>
             </a:lvl8pPr>
             <a:lvl9pPr lvl="8">
               <a:spcBef>
@@ -3701,9 +4815,16 @@
               <a:spcAft>
                 <a:spcPts val="0"/>
               </a:spcAft>
-              <a:buSzPts val="2800"/>
-              <a:buNone/>
-              <a:defRPr/>
+              <a:buClr>
+                <a:schemeClr val="dk2"/>
+              </a:buClr>
+              <a:buSzPts val="2600"/>
+              <a:buNone/>
+              <a:defRPr sz="2600">
+                <a:solidFill>
+                  <a:schemeClr val="dk2"/>
+                </a:solidFill>
+              </a:defRPr>
             </a:lvl9pPr>
           </a:lstStyle>
           <a:p/>
@@ -3711,7 +4832,7 @@
       </p:sp>
       <p:sp>
         <p:nvSpPr>
-          <p:cNvPr id="22" name="Shape 22"/>
+          <p:cNvPr id="37" name="Shape 37"/>
           <p:cNvSpPr txBox="1"/>
           <p:nvPr>
             <p:ph idx="1" type="body"/>
@@ -3719,8 +4840,8 @@
         </p:nvSpPr>
         <p:spPr>
           <a:xfrm>
-            <a:off x="311700" y="1152475"/>
-            <a:ext cx="3999900" cy="3416400"/>
+            <a:off x="729325" y="2078875"/>
+            <a:ext cx="3774300" cy="2261100"/>
           </a:xfrm>
           <a:prstGeom prst="rect">
             <a:avLst/>
@@ -3729,104 +4850,104 @@
         <p:txBody>
           <a:bodyPr anchorCtr="0" anchor="t" bIns="91425" lIns="91425" spcFirstLastPara="1" rIns="91425" wrap="square" tIns="91425"/>
           <a:lstStyle>
-            <a:lvl1pPr indent="-317500" lvl="0" marL="457200">
-              <a:spcBef>
-                <a:spcPts val="0"/>
-              </a:spcBef>
-              <a:spcAft>
-                <a:spcPts val="0"/>
-              </a:spcAft>
-              <a:buSzPts val="1400"/>
+            <a:lvl1pPr indent="-311150" lvl="0" marL="457200">
+              <a:spcBef>
+                <a:spcPts val="0"/>
+              </a:spcBef>
+              <a:spcAft>
+                <a:spcPts val="0"/>
+              </a:spcAft>
+              <a:buSzPts val="1300"/>
               <a:buChar char="●"/>
-              <a:defRPr sz="1400"/>
+              <a:defRPr/>
             </a:lvl1pPr>
-            <a:lvl2pPr indent="-304800" lvl="1" marL="914400">
+            <a:lvl2pPr indent="-298450" lvl="1" marL="914400">
               <a:spcBef>
                 <a:spcPts val="1600"/>
               </a:spcBef>
               <a:spcAft>
                 <a:spcPts val="0"/>
               </a:spcAft>
-              <a:buSzPts val="1200"/>
+              <a:buSzPts val="1100"/>
               <a:buChar char="○"/>
-              <a:defRPr sz="1200"/>
+              <a:defRPr/>
             </a:lvl2pPr>
-            <a:lvl3pPr indent="-304800" lvl="2" marL="1371600">
+            <a:lvl3pPr indent="-298450" lvl="2" marL="1371600">
               <a:spcBef>
                 <a:spcPts val="1600"/>
               </a:spcBef>
               <a:spcAft>
                 <a:spcPts val="0"/>
               </a:spcAft>
-              <a:buSzPts val="1200"/>
+              <a:buSzPts val="1100"/>
               <a:buChar char="■"/>
-              <a:defRPr sz="1200"/>
+              <a:defRPr/>
             </a:lvl3pPr>
-            <a:lvl4pPr indent="-304800" lvl="3" marL="1828800">
+            <a:lvl4pPr indent="-298450" lvl="3" marL="1828800">
               <a:spcBef>
                 <a:spcPts val="1600"/>
               </a:spcBef>
               <a:spcAft>
                 <a:spcPts val="0"/>
               </a:spcAft>
-              <a:buSzPts val="1200"/>
+              <a:buSzPts val="1100"/>
               <a:buChar char="●"/>
-              <a:defRPr sz="1200"/>
+              <a:defRPr/>
             </a:lvl4pPr>
-            <a:lvl5pPr indent="-304800" lvl="4" marL="2286000">
+            <a:lvl5pPr indent="-298450" lvl="4" marL="2286000">
               <a:spcBef>
                 <a:spcPts val="1600"/>
               </a:spcBef>
               <a:spcAft>
                 <a:spcPts val="0"/>
               </a:spcAft>
-              <a:buSzPts val="1200"/>
+              <a:buSzPts val="1100"/>
               <a:buChar char="○"/>
-              <a:defRPr sz="1200"/>
+              <a:defRPr/>
             </a:lvl5pPr>
-            <a:lvl6pPr indent="-304800" lvl="5" marL="2743200">
+            <a:lvl6pPr indent="-298450" lvl="5" marL="2743200">
               <a:spcBef>
                 <a:spcPts val="1600"/>
               </a:spcBef>
               <a:spcAft>
                 <a:spcPts val="0"/>
               </a:spcAft>
-              <a:buSzPts val="1200"/>
+              <a:buSzPts val="1100"/>
               <a:buChar char="■"/>
-              <a:defRPr sz="1200"/>
+              <a:defRPr/>
             </a:lvl6pPr>
-            <a:lvl7pPr indent="-304800" lvl="6" marL="3200400">
+            <a:lvl7pPr indent="-298450" lvl="6" marL="3200400">
               <a:spcBef>
                 <a:spcPts val="1600"/>
               </a:spcBef>
               <a:spcAft>
                 <a:spcPts val="0"/>
               </a:spcAft>
-              <a:buSzPts val="1200"/>
+              <a:buSzPts val="1100"/>
               <a:buChar char="●"/>
-              <a:defRPr sz="1200"/>
+              <a:defRPr/>
             </a:lvl7pPr>
-            <a:lvl8pPr indent="-304800" lvl="7" marL="3657600">
+            <a:lvl8pPr indent="-298450" lvl="7" marL="3657600">
               <a:spcBef>
                 <a:spcPts val="1600"/>
               </a:spcBef>
               <a:spcAft>
                 <a:spcPts val="0"/>
               </a:spcAft>
-              <a:buSzPts val="1200"/>
+              <a:buSzPts val="1100"/>
               <a:buChar char="○"/>
-              <a:defRPr sz="1200"/>
+              <a:defRPr/>
             </a:lvl8pPr>
-            <a:lvl9pPr indent="-304800" lvl="8" marL="4114800">
+            <a:lvl9pPr indent="-298450" lvl="8" marL="4114800">
               <a:spcBef>
                 <a:spcPts val="1600"/>
               </a:spcBef>
               <a:spcAft>
                 <a:spcPts val="1600"/>
               </a:spcAft>
-              <a:buSzPts val="1200"/>
+              <a:buSzPts val="1100"/>
               <a:buChar char="■"/>
-              <a:defRPr sz="1200"/>
+              <a:defRPr/>
             </a:lvl9pPr>
           </a:lstStyle>
           <a:p/>
@@ -3834,7 +4955,7 @@
       </p:sp>
       <p:sp>
         <p:nvSpPr>
-          <p:cNvPr id="23" name="Shape 23"/>
+          <p:cNvPr id="38" name="Shape 38"/>
           <p:cNvSpPr txBox="1"/>
           <p:nvPr>
             <p:ph idx="2" type="body"/>
@@ -3842,8 +4963,8 @@
         </p:nvSpPr>
         <p:spPr>
           <a:xfrm>
-            <a:off x="4832400" y="1152475"/>
-            <a:ext cx="3999900" cy="3416400"/>
+            <a:off x="4643604" y="2078875"/>
+            <a:ext cx="3774300" cy="2261100"/>
           </a:xfrm>
           <a:prstGeom prst="rect">
             <a:avLst/>
@@ -3852,104 +4973,104 @@
         <p:txBody>
           <a:bodyPr anchorCtr="0" anchor="t" bIns="91425" lIns="91425" spcFirstLastPara="1" rIns="91425" wrap="square" tIns="91425"/>
           <a:lstStyle>
-            <a:lvl1pPr indent="-317500" lvl="0" marL="457200">
-              <a:spcBef>
-                <a:spcPts val="0"/>
-              </a:spcBef>
-              <a:spcAft>
-                <a:spcPts val="0"/>
-              </a:spcAft>
-              <a:buSzPts val="1400"/>
+            <a:lvl1pPr indent="-311150" lvl="0" marL="457200">
+              <a:spcBef>
+                <a:spcPts val="0"/>
+              </a:spcBef>
+              <a:spcAft>
+                <a:spcPts val="0"/>
+              </a:spcAft>
+              <a:buSzPts val="1300"/>
               <a:buChar char="●"/>
-              <a:defRPr sz="1400"/>
+              <a:defRPr/>
             </a:lvl1pPr>
-            <a:lvl2pPr indent="-304800" lvl="1" marL="914400">
+            <a:lvl2pPr indent="-298450" lvl="1" marL="914400">
               <a:spcBef>
                 <a:spcPts val="1600"/>
               </a:spcBef>
               <a:spcAft>
                 <a:spcPts val="0"/>
               </a:spcAft>
-              <a:buSzPts val="1200"/>
+              <a:buSzPts val="1100"/>
               <a:buChar char="○"/>
-              <a:defRPr sz="1200"/>
+              <a:defRPr/>
             </a:lvl2pPr>
-            <a:lvl3pPr indent="-304800" lvl="2" marL="1371600">
+            <a:lvl3pPr indent="-298450" lvl="2" marL="1371600">
               <a:spcBef>
                 <a:spcPts val="1600"/>
               </a:spcBef>
               <a:spcAft>
                 <a:spcPts val="0"/>
               </a:spcAft>
-              <a:buSzPts val="1200"/>
+              <a:buSzPts val="1100"/>
               <a:buChar char="■"/>
-              <a:defRPr sz="1200"/>
+              <a:defRPr/>
             </a:lvl3pPr>
-            <a:lvl4pPr indent="-304800" lvl="3" marL="1828800">
+            <a:lvl4pPr indent="-298450" lvl="3" marL="1828800">
               <a:spcBef>
                 <a:spcPts val="1600"/>
               </a:spcBef>
               <a:spcAft>
                 <a:spcPts val="0"/>
               </a:spcAft>
-              <a:buSzPts val="1200"/>
+              <a:buSzPts val="1100"/>
               <a:buChar char="●"/>
-              <a:defRPr sz="1200"/>
+              <a:defRPr/>
             </a:lvl4pPr>
-            <a:lvl5pPr indent="-304800" lvl="4" marL="2286000">
+            <a:lvl5pPr indent="-298450" lvl="4" marL="2286000">
               <a:spcBef>
                 <a:spcPts val="1600"/>
               </a:spcBef>
               <a:spcAft>
                 <a:spcPts val="0"/>
               </a:spcAft>
-              <a:buSzPts val="1200"/>
+              <a:buSzPts val="1100"/>
               <a:buChar char="○"/>
-              <a:defRPr sz="1200"/>
+              <a:defRPr/>
             </a:lvl5pPr>
-            <a:lvl6pPr indent="-304800" lvl="5" marL="2743200">
+            <a:lvl6pPr indent="-298450" lvl="5" marL="2743200">
               <a:spcBef>
                 <a:spcPts val="1600"/>
               </a:spcBef>
               <a:spcAft>
                 <a:spcPts val="0"/>
               </a:spcAft>
-              <a:buSzPts val="1200"/>
+              <a:buSzPts val="1100"/>
               <a:buChar char="■"/>
-              <a:defRPr sz="1200"/>
+              <a:defRPr/>
             </a:lvl6pPr>
-            <a:lvl7pPr indent="-304800" lvl="6" marL="3200400">
+            <a:lvl7pPr indent="-298450" lvl="6" marL="3200400">
               <a:spcBef>
                 <a:spcPts val="1600"/>
               </a:spcBef>
               <a:spcAft>
                 <a:spcPts val="0"/>
               </a:spcAft>
-              <a:buSzPts val="1200"/>
+              <a:buSzPts val="1100"/>
               <a:buChar char="●"/>
-              <a:defRPr sz="1200"/>
+              <a:defRPr/>
             </a:lvl7pPr>
-            <a:lvl8pPr indent="-304800" lvl="7" marL="3657600">
+            <a:lvl8pPr indent="-298450" lvl="7" marL="3657600">
               <a:spcBef>
                 <a:spcPts val="1600"/>
               </a:spcBef>
               <a:spcAft>
                 <a:spcPts val="0"/>
               </a:spcAft>
-              <a:buSzPts val="1200"/>
+              <a:buSzPts val="1100"/>
               <a:buChar char="○"/>
-              <a:defRPr sz="1200"/>
+              <a:defRPr/>
             </a:lvl8pPr>
-            <a:lvl9pPr indent="-304800" lvl="8" marL="4114800">
+            <a:lvl9pPr indent="-298450" lvl="8" marL="4114800">
               <a:spcBef>
                 <a:spcPts val="1600"/>
               </a:spcBef>
               <a:spcAft>
                 <a:spcPts val="1600"/>
               </a:spcAft>
-              <a:buSzPts val="1200"/>
+              <a:buSzPts val="1100"/>
               <a:buChar char="■"/>
-              <a:defRPr sz="1200"/>
+              <a:defRPr/>
             </a:lvl9pPr>
           </a:lstStyle>
           <a:p/>
@@ -3957,7 +5078,7 @@
       </p:sp>
       <p:sp>
         <p:nvSpPr>
-          <p:cNvPr id="24" name="Shape 24"/>
+          <p:cNvPr id="39" name="Shape 39"/>
           <p:cNvSpPr txBox="1"/>
           <p:nvPr>
             <p:ph idx="12" type="sldNum"/>
@@ -3965,7 +5086,7 @@
         </p:nvSpPr>
         <p:spPr>
           <a:xfrm>
-            <a:off x="8472458" y="4663217"/>
+            <a:off x="8536302" y="4749851"/>
             <a:ext cx="548700" cy="393600"/>
           </a:xfrm>
           <a:prstGeom prst="rect">
@@ -4045,7 +5166,7 @@
   <p:cSld name="TITLE_ONLY">
     <p:spTree>
       <p:nvGrpSpPr>
-        <p:cNvPr id="25" name="Shape 25"/>
+        <p:cNvPr id="40" name="Shape 40"/>
         <p:cNvGrpSpPr/>
         <p:nvPr/>
       </p:nvGrpSpPr>
@@ -4059,7 +5180,151 @@
       </p:grpSpPr>
       <p:sp>
         <p:nvSpPr>
-          <p:cNvPr id="26" name="Shape 26"/>
+          <p:cNvPr id="41" name="Shape 41"/>
+          <p:cNvSpPr/>
+          <p:nvPr/>
+        </p:nvSpPr>
+        <p:spPr>
+          <a:xfrm>
+            <a:off x="0" y="0"/>
+            <a:ext cx="9144000" cy="487800"/>
+          </a:xfrm>
+          <a:prstGeom prst="rect">
+            <a:avLst/>
+          </a:prstGeom>
+          <a:solidFill>
+            <a:schemeClr val="lt2"/>
+          </a:solidFill>
+          <a:ln>
+            <a:noFill/>
+          </a:ln>
+        </p:spPr>
+        <p:txBody>
+          <a:bodyPr anchorCtr="0" anchor="ctr" bIns="91425" lIns="91425" spcFirstLastPara="1" rIns="91425" wrap="square" tIns="91425">
+            <a:noAutofit/>
+          </a:bodyPr>
+          <a:lstStyle/>
+          <a:p>
+            <a:pPr indent="0" lvl="0" marL="0">
+              <a:spcBef>
+                <a:spcPts val="0"/>
+              </a:spcBef>
+              <a:spcAft>
+                <a:spcPts val="0"/>
+              </a:spcAft>
+              <a:buNone/>
+            </a:pPr>
+            <a:r>
+              <a:t/>
+            </a:r>
+            <a:endParaRPr/>
+          </a:p>
+        </p:txBody>
+      </p:sp>
+      <p:grpSp>
+        <p:nvGrpSpPr>
+          <p:cNvPr id="42" name="Shape 42"/>
+          <p:cNvGrpSpPr/>
+          <p:nvPr/>
+        </p:nvGrpSpPr>
+        <p:grpSpPr>
+          <a:xfrm>
+            <a:off x="830392" y="1191256"/>
+            <a:ext cx="745763" cy="45826"/>
+            <a:chOff x="4580561" y="2589004"/>
+            <a:chExt cx="1064464" cy="25200"/>
+          </a:xfrm>
+        </p:grpSpPr>
+        <p:sp>
+          <p:nvSpPr>
+            <p:cNvPr id="43" name="Shape 43"/>
+            <p:cNvSpPr/>
+            <p:nvPr/>
+          </p:nvSpPr>
+          <p:spPr>
+            <a:xfrm rot="-5400000">
+              <a:off x="5366325" y="2335504"/>
+              <a:ext cx="25200" cy="532200"/>
+            </a:xfrm>
+            <a:prstGeom prst="rect">
+              <a:avLst/>
+            </a:prstGeom>
+            <a:solidFill>
+              <a:schemeClr val="accent3"/>
+            </a:solidFill>
+            <a:ln>
+              <a:noFill/>
+            </a:ln>
+          </p:spPr>
+          <p:txBody>
+            <a:bodyPr anchorCtr="0" anchor="ctr" bIns="91425" lIns="91425" spcFirstLastPara="1" rIns="91425" wrap="square" tIns="91425">
+              <a:noAutofit/>
+            </a:bodyPr>
+            <a:lstStyle/>
+            <a:p>
+              <a:pPr indent="0" lvl="0" marL="0">
+                <a:spcBef>
+                  <a:spcPts val="0"/>
+                </a:spcBef>
+                <a:spcAft>
+                  <a:spcPts val="0"/>
+                </a:spcAft>
+                <a:buNone/>
+              </a:pPr>
+              <a:r>
+                <a:t/>
+              </a:r>
+              <a:endParaRPr/>
+            </a:p>
+          </p:txBody>
+        </p:sp>
+        <p:sp>
+          <p:nvSpPr>
+            <p:cNvPr id="44" name="Shape 44"/>
+            <p:cNvSpPr/>
+            <p:nvPr/>
+          </p:nvSpPr>
+          <p:spPr>
+            <a:xfrm rot="-5400000">
+              <a:off x="4836311" y="2333254"/>
+              <a:ext cx="25200" cy="536700"/>
+            </a:xfrm>
+            <a:prstGeom prst="rect">
+              <a:avLst/>
+            </a:prstGeom>
+            <a:solidFill>
+              <a:schemeClr val="dk1"/>
+            </a:solidFill>
+            <a:ln>
+              <a:noFill/>
+            </a:ln>
+          </p:spPr>
+          <p:txBody>
+            <a:bodyPr anchorCtr="0" anchor="ctr" bIns="91425" lIns="91425" spcFirstLastPara="1" rIns="91425" wrap="square" tIns="91425">
+              <a:noAutofit/>
+            </a:bodyPr>
+            <a:lstStyle/>
+            <a:p>
+              <a:pPr indent="0" lvl="0" marL="0">
+                <a:spcBef>
+                  <a:spcPts val="0"/>
+                </a:spcBef>
+                <a:spcAft>
+                  <a:spcPts val="0"/>
+                </a:spcAft>
+                <a:buNone/>
+              </a:pPr>
+              <a:r>
+                <a:t/>
+              </a:r>
+              <a:endParaRPr/>
+            </a:p>
+          </p:txBody>
+        </p:sp>
+      </p:grpSp>
+      <p:sp>
+        <p:nvSpPr>
+          <p:cNvPr id="45" name="Shape 45"/>
           <p:cNvSpPr txBox="1"/>
           <p:nvPr>
             <p:ph type="title"/>
@@ -4067,8 +5332,8 @@
         </p:nvSpPr>
         <p:spPr>
           <a:xfrm>
-            <a:off x="311700" y="445025"/>
-            <a:ext cx="8520600" cy="572700"/>
+            <a:off x="729450" y="1318650"/>
+            <a:ext cx="7688400" cy="535200"/>
           </a:xfrm>
           <a:prstGeom prst="rect">
             <a:avLst/>
@@ -4084,9 +5349,16 @@
               <a:spcAft>
                 <a:spcPts val="0"/>
               </a:spcAft>
-              <a:buSzPts val="2800"/>
-              <a:buNone/>
-              <a:defRPr/>
+              <a:buClr>
+                <a:schemeClr val="dk2"/>
+              </a:buClr>
+              <a:buSzPts val="2600"/>
+              <a:buNone/>
+              <a:defRPr sz="2600">
+                <a:solidFill>
+                  <a:schemeClr val="dk2"/>
+                </a:solidFill>
+              </a:defRPr>
             </a:lvl1pPr>
             <a:lvl2pPr lvl="1">
               <a:spcBef>
@@ -4095,9 +5367,16 @@
               <a:spcAft>
                 <a:spcPts val="0"/>
               </a:spcAft>
-              <a:buSzPts val="2800"/>
-              <a:buNone/>
-              <a:defRPr/>
+              <a:buClr>
+                <a:schemeClr val="dk2"/>
+              </a:buClr>
+              <a:buSzPts val="2600"/>
+              <a:buNone/>
+              <a:defRPr sz="2600">
+                <a:solidFill>
+                  <a:schemeClr val="dk2"/>
+                </a:solidFill>
+              </a:defRPr>
             </a:lvl2pPr>
             <a:lvl3pPr lvl="2">
               <a:spcBef>
@@ -4106,9 +5385,16 @@
               <a:spcAft>
                 <a:spcPts val="0"/>
               </a:spcAft>
-              <a:buSzPts val="2800"/>
-              <a:buNone/>
-              <a:defRPr/>
+              <a:buClr>
+                <a:schemeClr val="dk2"/>
+              </a:buClr>
+              <a:buSzPts val="2600"/>
+              <a:buNone/>
+              <a:defRPr sz="2600">
+                <a:solidFill>
+                  <a:schemeClr val="dk2"/>
+                </a:solidFill>
+              </a:defRPr>
             </a:lvl3pPr>
             <a:lvl4pPr lvl="3">
               <a:spcBef>
@@ -4117,9 +5403,16 @@
               <a:spcAft>
                 <a:spcPts val="0"/>
               </a:spcAft>
-              <a:buSzPts val="2800"/>
-              <a:buNone/>
-              <a:defRPr/>
+              <a:buClr>
+                <a:schemeClr val="dk2"/>
+              </a:buClr>
+              <a:buSzPts val="2600"/>
+              <a:buNone/>
+              <a:defRPr sz="2600">
+                <a:solidFill>
+                  <a:schemeClr val="dk2"/>
+                </a:solidFill>
+              </a:defRPr>
             </a:lvl4pPr>
             <a:lvl5pPr lvl="4">
               <a:spcBef>
@@ -4128,9 +5421,16 @@
               <a:spcAft>
                 <a:spcPts val="0"/>
               </a:spcAft>
-              <a:buSzPts val="2800"/>
-              <a:buNone/>
-              <a:defRPr/>
+              <a:buClr>
+                <a:schemeClr val="dk2"/>
+              </a:buClr>
+              <a:buSzPts val="2600"/>
+              <a:buNone/>
+              <a:defRPr sz="2600">
+                <a:solidFill>
+                  <a:schemeClr val="dk2"/>
+                </a:solidFill>
+              </a:defRPr>
             </a:lvl5pPr>
             <a:lvl6pPr lvl="5">
               <a:spcBef>
@@ -4139,9 +5439,16 @@
               <a:spcAft>
                 <a:spcPts val="0"/>
               </a:spcAft>
-              <a:buSzPts val="2800"/>
-              <a:buNone/>
-              <a:defRPr/>
+              <a:buClr>
+                <a:schemeClr val="dk2"/>
+              </a:buClr>
+              <a:buSzPts val="2600"/>
+              <a:buNone/>
+              <a:defRPr sz="2600">
+                <a:solidFill>
+                  <a:schemeClr val="dk2"/>
+                </a:solidFill>
+              </a:defRPr>
             </a:lvl6pPr>
             <a:lvl7pPr lvl="6">
               <a:spcBef>
@@ -4150,9 +5457,16 @@
               <a:spcAft>
                 <a:spcPts val="0"/>
               </a:spcAft>
-              <a:buSzPts val="2800"/>
-              <a:buNone/>
-              <a:defRPr/>
+              <a:buClr>
+                <a:schemeClr val="dk2"/>
+              </a:buClr>
+              <a:buSzPts val="2600"/>
+              <a:buNone/>
+              <a:defRPr sz="2600">
+                <a:solidFill>
+                  <a:schemeClr val="dk2"/>
+                </a:solidFill>
+              </a:defRPr>
             </a:lvl7pPr>
             <a:lvl8pPr lvl="7">
               <a:spcBef>
@@ -4161,9 +5475,16 @@
               <a:spcAft>
                 <a:spcPts val="0"/>
               </a:spcAft>
-              <a:buSzPts val="2800"/>
-              <a:buNone/>
-              <a:defRPr/>
+              <a:buClr>
+                <a:schemeClr val="dk2"/>
+              </a:buClr>
+              <a:buSzPts val="2600"/>
+              <a:buNone/>
+              <a:defRPr sz="2600">
+                <a:solidFill>
+                  <a:schemeClr val="dk2"/>
+                </a:solidFill>
+              </a:defRPr>
             </a:lvl8pPr>
             <a:lvl9pPr lvl="8">
               <a:spcBef>
@@ -4172,9 +5493,16 @@
               <a:spcAft>
                 <a:spcPts val="0"/>
               </a:spcAft>
-              <a:buSzPts val="2800"/>
-              <a:buNone/>
-              <a:defRPr/>
+              <a:buClr>
+                <a:schemeClr val="dk2"/>
+              </a:buClr>
+              <a:buSzPts val="2600"/>
+              <a:buNone/>
+              <a:defRPr sz="2600">
+                <a:solidFill>
+                  <a:schemeClr val="dk2"/>
+                </a:solidFill>
+              </a:defRPr>
             </a:lvl9pPr>
           </a:lstStyle>
           <a:p/>
@@ -4182,7 +5510,7 @@
       </p:sp>
       <p:sp>
         <p:nvSpPr>
-          <p:cNvPr id="27" name="Shape 27"/>
+          <p:cNvPr id="46" name="Shape 46"/>
           <p:cNvSpPr txBox="1"/>
           <p:nvPr>
             <p:ph idx="12" type="sldNum"/>
@@ -4190,7 +5518,7 @@
         </p:nvSpPr>
         <p:spPr>
           <a:xfrm>
-            <a:off x="8472458" y="4663217"/>
+            <a:off x="8536302" y="4749851"/>
             <a:ext cx="548700" cy="393600"/>
           </a:xfrm>
           <a:prstGeom prst="rect">
@@ -4270,7 +5598,7 @@
   <p:cSld name="ONE_COLUMN_TEXT">
     <p:spTree>
       <p:nvGrpSpPr>
-        <p:cNvPr id="28" name="Shape 28"/>
+        <p:cNvPr id="47" name="Shape 47"/>
         <p:cNvGrpSpPr/>
         <p:nvPr/>
       </p:nvGrpSpPr>
@@ -4284,7 +5612,151 @@
       </p:grpSpPr>
       <p:sp>
         <p:nvSpPr>
-          <p:cNvPr id="29" name="Shape 29"/>
+          <p:cNvPr id="48" name="Shape 48"/>
+          <p:cNvSpPr/>
+          <p:nvPr/>
+        </p:nvSpPr>
+        <p:spPr>
+          <a:xfrm>
+            <a:off x="0" y="0"/>
+            <a:ext cx="9144000" cy="487800"/>
+          </a:xfrm>
+          <a:prstGeom prst="rect">
+            <a:avLst/>
+          </a:prstGeom>
+          <a:solidFill>
+            <a:schemeClr val="lt2"/>
+          </a:solidFill>
+          <a:ln>
+            <a:noFill/>
+          </a:ln>
+        </p:spPr>
+        <p:txBody>
+          <a:bodyPr anchorCtr="0" anchor="ctr" bIns="91425" lIns="91425" spcFirstLastPara="1" rIns="91425" wrap="square" tIns="91425">
+            <a:noAutofit/>
+          </a:bodyPr>
+          <a:lstStyle/>
+          <a:p>
+            <a:pPr indent="0" lvl="0" marL="0">
+              <a:spcBef>
+                <a:spcPts val="0"/>
+              </a:spcBef>
+              <a:spcAft>
+                <a:spcPts val="0"/>
+              </a:spcAft>
+              <a:buNone/>
+            </a:pPr>
+            <a:r>
+              <a:t/>
+            </a:r>
+            <a:endParaRPr/>
+          </a:p>
+        </p:txBody>
+      </p:sp>
+      <p:grpSp>
+        <p:nvGrpSpPr>
+          <p:cNvPr id="49" name="Shape 49"/>
+          <p:cNvGrpSpPr/>
+          <p:nvPr/>
+        </p:nvGrpSpPr>
+        <p:grpSpPr>
+          <a:xfrm>
+            <a:off x="830392" y="1191256"/>
+            <a:ext cx="745763" cy="45826"/>
+            <a:chOff x="4580561" y="2589004"/>
+            <a:chExt cx="1064464" cy="25200"/>
+          </a:xfrm>
+        </p:grpSpPr>
+        <p:sp>
+          <p:nvSpPr>
+            <p:cNvPr id="50" name="Shape 50"/>
+            <p:cNvSpPr/>
+            <p:nvPr/>
+          </p:nvSpPr>
+          <p:spPr>
+            <a:xfrm rot="-5400000">
+              <a:off x="5366325" y="2335504"/>
+              <a:ext cx="25200" cy="532200"/>
+            </a:xfrm>
+            <a:prstGeom prst="rect">
+              <a:avLst/>
+            </a:prstGeom>
+            <a:solidFill>
+              <a:schemeClr val="accent3"/>
+            </a:solidFill>
+            <a:ln>
+              <a:noFill/>
+            </a:ln>
+          </p:spPr>
+          <p:txBody>
+            <a:bodyPr anchorCtr="0" anchor="ctr" bIns="91425" lIns="91425" spcFirstLastPara="1" rIns="91425" wrap="square" tIns="91425">
+              <a:noAutofit/>
+            </a:bodyPr>
+            <a:lstStyle/>
+            <a:p>
+              <a:pPr indent="0" lvl="0" marL="0">
+                <a:spcBef>
+                  <a:spcPts val="0"/>
+                </a:spcBef>
+                <a:spcAft>
+                  <a:spcPts val="0"/>
+                </a:spcAft>
+                <a:buNone/>
+              </a:pPr>
+              <a:r>
+                <a:t/>
+              </a:r>
+              <a:endParaRPr/>
+            </a:p>
+          </p:txBody>
+        </p:sp>
+        <p:sp>
+          <p:nvSpPr>
+            <p:cNvPr id="51" name="Shape 51"/>
+            <p:cNvSpPr/>
+            <p:nvPr/>
+          </p:nvSpPr>
+          <p:spPr>
+            <a:xfrm rot="-5400000">
+              <a:off x="4836311" y="2333254"/>
+              <a:ext cx="25200" cy="536700"/>
+            </a:xfrm>
+            <a:prstGeom prst="rect">
+              <a:avLst/>
+            </a:prstGeom>
+            <a:solidFill>
+              <a:schemeClr val="dk1"/>
+            </a:solidFill>
+            <a:ln>
+              <a:noFill/>
+            </a:ln>
+          </p:spPr>
+          <p:txBody>
+            <a:bodyPr anchorCtr="0" anchor="ctr" bIns="91425" lIns="91425" spcFirstLastPara="1" rIns="91425" wrap="square" tIns="91425">
+              <a:noAutofit/>
+            </a:bodyPr>
+            <a:lstStyle/>
+            <a:p>
+              <a:pPr indent="0" lvl="0" marL="0">
+                <a:spcBef>
+                  <a:spcPts val="0"/>
+                </a:spcBef>
+                <a:spcAft>
+                  <a:spcPts val="0"/>
+                </a:spcAft>
+                <a:buNone/>
+              </a:pPr>
+              <a:r>
+                <a:t/>
+              </a:r>
+              <a:endParaRPr/>
+            </a:p>
+          </p:txBody>
+        </p:sp>
+      </p:grpSp>
+      <p:sp>
+        <p:nvSpPr>
+          <p:cNvPr id="52" name="Shape 52"/>
           <p:cNvSpPr txBox="1"/>
           <p:nvPr>
             <p:ph type="title"/>
@@ -4292,131 +5764,8 @@
         </p:nvSpPr>
         <p:spPr>
           <a:xfrm>
-            <a:off x="311700" y="555600"/>
-            <a:ext cx="2808000" cy="755700"/>
-          </a:xfrm>
-          <a:prstGeom prst="rect">
-            <a:avLst/>
-          </a:prstGeom>
-        </p:spPr>
-        <p:txBody>
-          <a:bodyPr anchorCtr="0" anchor="b" bIns="91425" lIns="91425" spcFirstLastPara="1" rIns="91425" wrap="square" tIns="91425"/>
-          <a:lstStyle>
-            <a:lvl1pPr lvl="0">
-              <a:spcBef>
-                <a:spcPts val="0"/>
-              </a:spcBef>
-              <a:spcAft>
-                <a:spcPts val="0"/>
-              </a:spcAft>
-              <a:buSzPts val="2400"/>
-              <a:buNone/>
-              <a:defRPr sz="2400"/>
-            </a:lvl1pPr>
-            <a:lvl2pPr lvl="1">
-              <a:spcBef>
-                <a:spcPts val="0"/>
-              </a:spcBef>
-              <a:spcAft>
-                <a:spcPts val="0"/>
-              </a:spcAft>
-              <a:buSzPts val="2400"/>
-              <a:buNone/>
-              <a:defRPr sz="2400"/>
-            </a:lvl2pPr>
-            <a:lvl3pPr lvl="2">
-              <a:spcBef>
-                <a:spcPts val="0"/>
-              </a:spcBef>
-              <a:spcAft>
-                <a:spcPts val="0"/>
-              </a:spcAft>
-              <a:buSzPts val="2400"/>
-              <a:buNone/>
-              <a:defRPr sz="2400"/>
-            </a:lvl3pPr>
-            <a:lvl4pPr lvl="3">
-              <a:spcBef>
-                <a:spcPts val="0"/>
-              </a:spcBef>
-              <a:spcAft>
-                <a:spcPts val="0"/>
-              </a:spcAft>
-              <a:buSzPts val="2400"/>
-              <a:buNone/>
-              <a:defRPr sz="2400"/>
-            </a:lvl4pPr>
-            <a:lvl5pPr lvl="4">
-              <a:spcBef>
-                <a:spcPts val="0"/>
-              </a:spcBef>
-              <a:spcAft>
-                <a:spcPts val="0"/>
-              </a:spcAft>
-              <a:buSzPts val="2400"/>
-              <a:buNone/>
-              <a:defRPr sz="2400"/>
-            </a:lvl5pPr>
-            <a:lvl6pPr lvl="5">
-              <a:spcBef>
-                <a:spcPts val="0"/>
-              </a:spcBef>
-              <a:spcAft>
-                <a:spcPts val="0"/>
-              </a:spcAft>
-              <a:buSzPts val="2400"/>
-              <a:buNone/>
-              <a:defRPr sz="2400"/>
-            </a:lvl6pPr>
-            <a:lvl7pPr lvl="6">
-              <a:spcBef>
-                <a:spcPts val="0"/>
-              </a:spcBef>
-              <a:spcAft>
-                <a:spcPts val="0"/>
-              </a:spcAft>
-              <a:buSzPts val="2400"/>
-              <a:buNone/>
-              <a:defRPr sz="2400"/>
-            </a:lvl7pPr>
-            <a:lvl8pPr lvl="7">
-              <a:spcBef>
-                <a:spcPts val="0"/>
-              </a:spcBef>
-              <a:spcAft>
-                <a:spcPts val="0"/>
-              </a:spcAft>
-              <a:buSzPts val="2400"/>
-              <a:buNone/>
-              <a:defRPr sz="2400"/>
-            </a:lvl8pPr>
-            <a:lvl9pPr lvl="8">
-              <a:spcBef>
-                <a:spcPts val="0"/>
-              </a:spcBef>
-              <a:spcAft>
-                <a:spcPts val="0"/>
-              </a:spcAft>
-              <a:buSzPts val="2400"/>
-              <a:buNone/>
-              <a:defRPr sz="2400"/>
-            </a:lvl9pPr>
-          </a:lstStyle>
-          <a:p/>
-        </p:txBody>
-      </p:sp>
-      <p:sp>
-        <p:nvSpPr>
-          <p:cNvPr id="30" name="Shape 30"/>
-          <p:cNvSpPr txBox="1"/>
-          <p:nvPr>
-            <p:ph idx="1" type="body"/>
-          </p:nvPr>
-        </p:nvSpPr>
-        <p:spPr>
-          <a:xfrm>
-            <a:off x="311700" y="1389600"/>
-            <a:ext cx="2808000" cy="3179400"/>
+            <a:off x="730000" y="1318650"/>
+            <a:ext cx="3300900" cy="1381500"/>
           </a:xfrm>
           <a:prstGeom prst="rect">
             <a:avLst/>
@@ -4425,104 +5774,167 @@
         <p:txBody>
           <a:bodyPr anchorCtr="0" anchor="t" bIns="91425" lIns="91425" spcFirstLastPara="1" rIns="91425" wrap="square" tIns="91425"/>
           <a:lstStyle>
-            <a:lvl1pPr indent="-304800" lvl="0" marL="457200">
-              <a:spcBef>
-                <a:spcPts val="0"/>
-              </a:spcBef>
-              <a:spcAft>
-                <a:spcPts val="0"/>
-              </a:spcAft>
-              <a:buSzPts val="1200"/>
-              <a:buChar char="●"/>
-              <a:defRPr sz="1200"/>
+            <a:lvl1pPr lvl="0">
+              <a:spcBef>
+                <a:spcPts val="0"/>
+              </a:spcBef>
+              <a:spcAft>
+                <a:spcPts val="0"/>
+              </a:spcAft>
+              <a:buClr>
+                <a:schemeClr val="dk2"/>
+              </a:buClr>
+              <a:buSzPts val="2600"/>
+              <a:buNone/>
+              <a:defRPr sz="2600">
+                <a:solidFill>
+                  <a:schemeClr val="dk2"/>
+                </a:solidFill>
+              </a:defRPr>
             </a:lvl1pPr>
-            <a:lvl2pPr indent="-304800" lvl="1" marL="914400">
-              <a:spcBef>
-                <a:spcPts val="1600"/>
-              </a:spcBef>
-              <a:spcAft>
-                <a:spcPts val="0"/>
-              </a:spcAft>
-              <a:buSzPts val="1200"/>
-              <a:buChar char="○"/>
-              <a:defRPr sz="1200"/>
+            <a:lvl2pPr lvl="1">
+              <a:spcBef>
+                <a:spcPts val="0"/>
+              </a:spcBef>
+              <a:spcAft>
+                <a:spcPts val="0"/>
+              </a:spcAft>
+              <a:buClr>
+                <a:schemeClr val="dk2"/>
+              </a:buClr>
+              <a:buSzPts val="2600"/>
+              <a:buNone/>
+              <a:defRPr sz="2600">
+                <a:solidFill>
+                  <a:schemeClr val="dk2"/>
+                </a:solidFill>
+              </a:defRPr>
             </a:lvl2pPr>
-            <a:lvl3pPr indent="-304800" lvl="2" marL="1371600">
-              <a:spcBef>
-                <a:spcPts val="1600"/>
-              </a:spcBef>
-              <a:spcAft>
-                <a:spcPts val="0"/>
-              </a:spcAft>
-              <a:buSzPts val="1200"/>
-              <a:buChar char="■"/>
-              <a:defRPr sz="1200"/>
+            <a:lvl3pPr lvl="2">
+              <a:spcBef>
+                <a:spcPts val="0"/>
+              </a:spcBef>
+              <a:spcAft>
+                <a:spcPts val="0"/>
+              </a:spcAft>
+              <a:buClr>
+                <a:schemeClr val="dk2"/>
+              </a:buClr>
+              <a:buSzPts val="2600"/>
+              <a:buNone/>
+              <a:defRPr sz="2600">
+                <a:solidFill>
+                  <a:schemeClr val="dk2"/>
+                </a:solidFill>
+              </a:defRPr>
             </a:lvl3pPr>
-            <a:lvl4pPr indent="-304800" lvl="3" marL="1828800">
-              <a:spcBef>
-                <a:spcPts val="1600"/>
-              </a:spcBef>
-              <a:spcAft>
-                <a:spcPts val="0"/>
-              </a:spcAft>
-              <a:buSzPts val="1200"/>
-              <a:buChar char="●"/>
-              <a:defRPr sz="1200"/>
+            <a:lvl4pPr lvl="3">
+              <a:spcBef>
+                <a:spcPts val="0"/>
+              </a:spcBef>
+              <a:spcAft>
+                <a:spcPts val="0"/>
+              </a:spcAft>
+              <a:buClr>
+                <a:schemeClr val="dk2"/>
+              </a:buClr>
+              <a:buSzPts val="2600"/>
+              <a:buNone/>
+              <a:defRPr sz="2600">
+                <a:solidFill>
+                  <a:schemeClr val="dk2"/>
+                </a:solidFill>
+              </a:defRPr>
             </a:lvl4pPr>
-            <a:lvl5pPr indent="-304800" lvl="4" marL="2286000">
-              <a:spcBef>
-                <a:spcPts val="1600"/>
-              </a:spcBef>
-              <a:spcAft>
-                <a:spcPts val="0"/>
-              </a:spcAft>
-              <a:buSzPts val="1200"/>
-              <a:buChar char="○"/>
-              <a:defRPr sz="1200"/>
+            <a:lvl5pPr lvl="4">
+              <a:spcBef>
+                <a:spcPts val="0"/>
+              </a:spcBef>
+              <a:spcAft>
+                <a:spcPts val="0"/>
+              </a:spcAft>
+              <a:buClr>
+                <a:schemeClr val="dk2"/>
+              </a:buClr>
+              <a:buSzPts val="2600"/>
+              <a:buNone/>
+              <a:defRPr sz="2600">
+                <a:solidFill>
+                  <a:schemeClr val="dk2"/>
+                </a:solidFill>
+              </a:defRPr>
             </a:lvl5pPr>
-            <a:lvl6pPr indent="-304800" lvl="5" marL="2743200">
-              <a:spcBef>
-                <a:spcPts val="1600"/>
-              </a:spcBef>
-              <a:spcAft>
-                <a:spcPts val="0"/>
-              </a:spcAft>
-              <a:buSzPts val="1200"/>
-              <a:buChar char="■"/>
-              <a:defRPr sz="1200"/>
+            <a:lvl6pPr lvl="5">
+              <a:spcBef>
+                <a:spcPts val="0"/>
+              </a:spcBef>
+              <a:spcAft>
+                <a:spcPts val="0"/>
+              </a:spcAft>
+              <a:buClr>
+                <a:schemeClr val="dk2"/>
+              </a:buClr>
+              <a:buSzPts val="2600"/>
+              <a:buNone/>
+              <a:defRPr sz="2600">
+                <a:solidFill>
+                  <a:schemeClr val="dk2"/>
+                </a:solidFill>
+              </a:defRPr>
             </a:lvl6pPr>
-            <a:lvl7pPr indent="-304800" lvl="6" marL="3200400">
-              <a:spcBef>
-                <a:spcPts val="1600"/>
-              </a:spcBef>
-              <a:spcAft>
-                <a:spcPts val="0"/>
-              </a:spcAft>
-              <a:buSzPts val="1200"/>
-              <a:buChar char="●"/>
-              <a:defRPr sz="1200"/>
+            <a:lvl7pPr lvl="6">
+              <a:spcBef>
+                <a:spcPts val="0"/>
+              </a:spcBef>
+              <a:spcAft>
+                <a:spcPts val="0"/>
+              </a:spcAft>
+              <a:buClr>
+                <a:schemeClr val="dk2"/>
+              </a:buClr>
+              <a:buSzPts val="2600"/>
+              <a:buNone/>
+              <a:defRPr sz="2600">
+                <a:solidFill>
+                  <a:schemeClr val="dk2"/>
+                </a:solidFill>
+              </a:defRPr>
             </a:lvl7pPr>
-            <a:lvl8pPr indent="-304800" lvl="7" marL="3657600">
-              <a:spcBef>
-                <a:spcPts val="1600"/>
-              </a:spcBef>
-              <a:spcAft>
-                <a:spcPts val="0"/>
-              </a:spcAft>
-              <a:buSzPts val="1200"/>
-              <a:buChar char="○"/>
-              <a:defRPr sz="1200"/>
+            <a:lvl8pPr lvl="7">
+              <a:spcBef>
+                <a:spcPts val="0"/>
+              </a:spcBef>
+              <a:spcAft>
+                <a:spcPts val="0"/>
+              </a:spcAft>
+              <a:buClr>
+                <a:schemeClr val="dk2"/>
+              </a:buClr>
+              <a:buSzPts val="2600"/>
+              <a:buNone/>
+              <a:defRPr sz="2600">
+                <a:solidFill>
+                  <a:schemeClr val="dk2"/>
+                </a:solidFill>
+              </a:defRPr>
             </a:lvl8pPr>
-            <a:lvl9pPr indent="-304800" lvl="8" marL="4114800">
-              <a:spcBef>
-                <a:spcPts val="1600"/>
-              </a:spcBef>
-              <a:spcAft>
-                <a:spcPts val="1600"/>
-              </a:spcAft>
-              <a:buSzPts val="1200"/>
-              <a:buChar char="■"/>
-              <a:defRPr sz="1200"/>
+            <a:lvl9pPr lvl="8">
+              <a:spcBef>
+                <a:spcPts val="0"/>
+              </a:spcBef>
+              <a:spcAft>
+                <a:spcPts val="0"/>
+              </a:spcAft>
+              <a:buClr>
+                <a:schemeClr val="dk2"/>
+              </a:buClr>
+              <a:buSzPts val="2600"/>
+              <a:buNone/>
+              <a:defRPr sz="2600">
+                <a:solidFill>
+                  <a:schemeClr val="dk2"/>
+                </a:solidFill>
+              </a:defRPr>
             </a:lvl9pPr>
           </a:lstStyle>
           <a:p/>
@@ -4530,7 +5942,130 @@
       </p:sp>
       <p:sp>
         <p:nvSpPr>
-          <p:cNvPr id="31" name="Shape 31"/>
+          <p:cNvPr id="53" name="Shape 53"/>
+          <p:cNvSpPr txBox="1"/>
+          <p:nvPr>
+            <p:ph idx="1" type="body"/>
+          </p:nvPr>
+        </p:nvSpPr>
+        <p:spPr>
+          <a:xfrm>
+            <a:off x="721225" y="2781725"/>
+            <a:ext cx="3300900" cy="1597500"/>
+          </a:xfrm>
+          <a:prstGeom prst="rect">
+            <a:avLst/>
+          </a:prstGeom>
+        </p:spPr>
+        <p:txBody>
+          <a:bodyPr anchorCtr="0" anchor="t" bIns="91425" lIns="91425" spcFirstLastPara="1" rIns="91425" wrap="square" tIns="91425"/>
+          <a:lstStyle>
+            <a:lvl1pPr indent="-311150" lvl="0" marL="457200">
+              <a:spcBef>
+                <a:spcPts val="0"/>
+              </a:spcBef>
+              <a:spcAft>
+                <a:spcPts val="0"/>
+              </a:spcAft>
+              <a:buSzPts val="1300"/>
+              <a:buChar char="●"/>
+              <a:defRPr/>
+            </a:lvl1pPr>
+            <a:lvl2pPr indent="-298450" lvl="1" marL="914400">
+              <a:spcBef>
+                <a:spcPts val="1600"/>
+              </a:spcBef>
+              <a:spcAft>
+                <a:spcPts val="0"/>
+              </a:spcAft>
+              <a:buSzPts val="1100"/>
+              <a:buChar char="○"/>
+              <a:defRPr/>
+            </a:lvl2pPr>
+            <a:lvl3pPr indent="-298450" lvl="2" marL="1371600">
+              <a:spcBef>
+                <a:spcPts val="1600"/>
+              </a:spcBef>
+              <a:spcAft>
+                <a:spcPts val="0"/>
+              </a:spcAft>
+              <a:buSzPts val="1100"/>
+              <a:buChar char="■"/>
+              <a:defRPr/>
+            </a:lvl3pPr>
+            <a:lvl4pPr indent="-298450" lvl="3" marL="1828800">
+              <a:spcBef>
+                <a:spcPts val="1600"/>
+              </a:spcBef>
+              <a:spcAft>
+                <a:spcPts val="0"/>
+              </a:spcAft>
+              <a:buSzPts val="1100"/>
+              <a:buChar char="●"/>
+              <a:defRPr/>
+            </a:lvl4pPr>
+            <a:lvl5pPr indent="-298450" lvl="4" marL="2286000">
+              <a:spcBef>
+                <a:spcPts val="1600"/>
+              </a:spcBef>
+              <a:spcAft>
+                <a:spcPts val="0"/>
+              </a:spcAft>
+              <a:buSzPts val="1100"/>
+              <a:buChar char="○"/>
+              <a:defRPr/>
+            </a:lvl5pPr>
+            <a:lvl6pPr indent="-298450" lvl="5" marL="2743200">
+              <a:spcBef>
+                <a:spcPts val="1600"/>
+              </a:spcBef>
+              <a:spcAft>
+                <a:spcPts val="0"/>
+              </a:spcAft>
+              <a:buSzPts val="1100"/>
+              <a:buChar char="■"/>
+              <a:defRPr/>
+            </a:lvl6pPr>
+            <a:lvl7pPr indent="-298450" lvl="6" marL="3200400">
+              <a:spcBef>
+                <a:spcPts val="1600"/>
+              </a:spcBef>
+              <a:spcAft>
+                <a:spcPts val="0"/>
+              </a:spcAft>
+              <a:buSzPts val="1100"/>
+              <a:buChar char="●"/>
+              <a:defRPr/>
+            </a:lvl7pPr>
+            <a:lvl8pPr indent="-298450" lvl="7" marL="3657600">
+              <a:spcBef>
+                <a:spcPts val="1600"/>
+              </a:spcBef>
+              <a:spcAft>
+                <a:spcPts val="0"/>
+              </a:spcAft>
+              <a:buSzPts val="1100"/>
+              <a:buChar char="○"/>
+              <a:defRPr/>
+            </a:lvl8pPr>
+            <a:lvl9pPr indent="-298450" lvl="8" marL="4114800">
+              <a:spcBef>
+                <a:spcPts val="1600"/>
+              </a:spcBef>
+              <a:spcAft>
+                <a:spcPts val="1600"/>
+              </a:spcAft>
+              <a:buSzPts val="1100"/>
+              <a:buChar char="■"/>
+              <a:defRPr/>
+            </a:lvl9pPr>
+          </a:lstStyle>
+          <a:p/>
+        </p:txBody>
+      </p:sp>
+      <p:sp>
+        <p:nvSpPr>
+          <p:cNvPr id="54" name="Shape 54"/>
           <p:cNvSpPr txBox="1"/>
           <p:nvPr>
             <p:ph idx="12" type="sldNum"/>
@@ -4538,7 +6073,7 @@
         </p:nvSpPr>
         <p:spPr>
           <a:xfrm>
-            <a:off x="8472458" y="4663217"/>
+            <a:off x="8536302" y="4749851"/>
             <a:ext cx="548700" cy="393600"/>
           </a:xfrm>
           <a:prstGeom prst="rect">
@@ -4616,9 +6151,16 @@
 <file path=ppt/slideLayouts/slideLayout7.xml><?xml version="1.0" encoding="utf-8"?>
 <p:sldLayout xmlns:a="http://schemas.openxmlformats.org/drawingml/2006/main" xmlns:r="http://schemas.openxmlformats.org/officeDocument/2006/relationships" xmlns:mc="http://schemas.openxmlformats.org/markup-compatibility/2006" xmlns:mv="urn:schemas-microsoft-com:mac:vml" xmlns:p="http://schemas.openxmlformats.org/presentationml/2006/main" xmlns:c="http://schemas.openxmlformats.org/drawingml/2006/chart" xmlns:dgm="http://schemas.openxmlformats.org/drawingml/2006/diagram" xmlns:o="urn:schemas-microsoft-com:office:office" xmlns:v="urn:schemas-microsoft-com:vml" xmlns:pvml="urn:schemas-microsoft-com:office:powerpoint" xmlns:com="http://schemas.openxmlformats.org/drawingml/2006/compatibility" xmlns:p14="http://schemas.microsoft.com/office/powerpoint/2010/main" xmlns:p15="http://schemas.microsoft.com/office/powerpoint/2012/main" matchingName="Main point">
   <p:cSld name="MAIN_POINT">
+    <p:bg>
+      <p:bgPr>
+        <a:solidFill>
+          <a:schemeClr val="accent3"/>
+        </a:solidFill>
+      </p:bgPr>
+    </p:bg>
     <p:spTree>
       <p:nvGrpSpPr>
-        <p:cNvPr id="32" name="Shape 32"/>
+        <p:cNvPr id="55" name="Shape 55"/>
         <p:cNvGrpSpPr/>
         <p:nvPr/>
       </p:nvGrpSpPr>
@@ -4630,9 +6172,110 @@
           <a:chExt cx="0" cy="0"/>
         </a:xfrm>
       </p:grpSpPr>
+      <p:grpSp>
+        <p:nvGrpSpPr>
+          <p:cNvPr id="56" name="Shape 56"/>
+          <p:cNvGrpSpPr/>
+          <p:nvPr/>
+        </p:nvGrpSpPr>
+        <p:grpSpPr>
+          <a:xfrm>
+            <a:off x="830392" y="4169130"/>
+            <a:ext cx="745763" cy="45826"/>
+            <a:chOff x="4580561" y="2589004"/>
+            <a:chExt cx="1064464" cy="25200"/>
+          </a:xfrm>
+        </p:grpSpPr>
+        <p:sp>
+          <p:nvSpPr>
+            <p:cNvPr id="57" name="Shape 57"/>
+            <p:cNvSpPr/>
+            <p:nvPr/>
+          </p:nvSpPr>
+          <p:spPr>
+            <a:xfrm rot="-5400000">
+              <a:off x="5366325" y="2335504"/>
+              <a:ext cx="25200" cy="532200"/>
+            </a:xfrm>
+            <a:prstGeom prst="rect">
+              <a:avLst/>
+            </a:prstGeom>
+            <a:solidFill>
+              <a:schemeClr val="lt1"/>
+            </a:solidFill>
+            <a:ln>
+              <a:noFill/>
+            </a:ln>
+          </p:spPr>
+          <p:txBody>
+            <a:bodyPr anchorCtr="0" anchor="ctr" bIns="91425" lIns="91425" spcFirstLastPara="1" rIns="91425" wrap="square" tIns="91425">
+              <a:noAutofit/>
+            </a:bodyPr>
+            <a:lstStyle/>
+            <a:p>
+              <a:pPr indent="0" lvl="0" marL="0">
+                <a:spcBef>
+                  <a:spcPts val="0"/>
+                </a:spcBef>
+                <a:spcAft>
+                  <a:spcPts val="0"/>
+                </a:spcAft>
+                <a:buNone/>
+              </a:pPr>
+              <a:r>
+                <a:t/>
+              </a:r>
+              <a:endParaRPr/>
+            </a:p>
+          </p:txBody>
+        </p:sp>
+        <p:sp>
+          <p:nvSpPr>
+            <p:cNvPr id="58" name="Shape 58"/>
+            <p:cNvSpPr/>
+            <p:nvPr/>
+          </p:nvSpPr>
+          <p:spPr>
+            <a:xfrm rot="-5400000">
+              <a:off x="4836311" y="2333254"/>
+              <a:ext cx="25200" cy="536700"/>
+            </a:xfrm>
+            <a:prstGeom prst="rect">
+              <a:avLst/>
+            </a:prstGeom>
+            <a:solidFill>
+              <a:schemeClr val="lt1"/>
+            </a:solidFill>
+            <a:ln>
+              <a:noFill/>
+            </a:ln>
+          </p:spPr>
+          <p:txBody>
+            <a:bodyPr anchorCtr="0" anchor="ctr" bIns="91425" lIns="91425" spcFirstLastPara="1" rIns="91425" wrap="square" tIns="91425">
+              <a:noAutofit/>
+            </a:bodyPr>
+            <a:lstStyle/>
+            <a:p>
+              <a:pPr indent="0" lvl="0" marL="0">
+                <a:spcBef>
+                  <a:spcPts val="0"/>
+                </a:spcBef>
+                <a:spcAft>
+                  <a:spcPts val="0"/>
+                </a:spcAft>
+                <a:buNone/>
+              </a:pPr>
+              <a:r>
+                <a:t/>
+              </a:r>
+              <a:endParaRPr/>
+            </a:p>
+          </p:txBody>
+        </p:sp>
+      </p:grpSp>
       <p:sp>
         <p:nvSpPr>
-          <p:cNvPr id="33" name="Shape 33"/>
+          <p:cNvPr id="59" name="Shape 59"/>
           <p:cNvSpPr txBox="1"/>
           <p:nvPr>
             <p:ph type="title"/>
@@ -4640,8 +6283,8 @@
         </p:nvSpPr>
         <p:spPr>
           <a:xfrm>
-            <a:off x="490250" y="450150"/>
-            <a:ext cx="6367800" cy="4090800"/>
+            <a:off x="729450" y="864300"/>
+            <a:ext cx="7021200" cy="2985000"/>
           </a:xfrm>
           <a:prstGeom prst="rect">
             <a:avLst/>
@@ -4657,9 +6300,16 @@
               <a:spcAft>
                 <a:spcPts val="0"/>
               </a:spcAft>
-              <a:buSzPts val="4800"/>
-              <a:buNone/>
-              <a:defRPr sz="4800"/>
+              <a:buClr>
+                <a:schemeClr val="lt1"/>
+              </a:buClr>
+              <a:buSzPts val="3600"/>
+              <a:buNone/>
+              <a:defRPr sz="3600">
+                <a:solidFill>
+                  <a:schemeClr val="lt1"/>
+                </a:solidFill>
+              </a:defRPr>
             </a:lvl1pPr>
             <a:lvl2pPr lvl="1">
               <a:spcBef>
@@ -4668,9 +6318,16 @@
               <a:spcAft>
                 <a:spcPts val="0"/>
               </a:spcAft>
-              <a:buSzPts val="4800"/>
-              <a:buNone/>
-              <a:defRPr sz="4800"/>
+              <a:buClr>
+                <a:schemeClr val="lt1"/>
+              </a:buClr>
+              <a:buSzPts val="3600"/>
+              <a:buNone/>
+              <a:defRPr sz="3600">
+                <a:solidFill>
+                  <a:schemeClr val="lt1"/>
+                </a:solidFill>
+              </a:defRPr>
             </a:lvl2pPr>
             <a:lvl3pPr lvl="2">
               <a:spcBef>
@@ -4679,9 +6336,16 @@
               <a:spcAft>
                 <a:spcPts val="0"/>
               </a:spcAft>
-              <a:buSzPts val="4800"/>
-              <a:buNone/>
-              <a:defRPr sz="4800"/>
+              <a:buClr>
+                <a:schemeClr val="lt1"/>
+              </a:buClr>
+              <a:buSzPts val="3600"/>
+              <a:buNone/>
+              <a:defRPr sz="3600">
+                <a:solidFill>
+                  <a:schemeClr val="lt1"/>
+                </a:solidFill>
+              </a:defRPr>
             </a:lvl3pPr>
             <a:lvl4pPr lvl="3">
               <a:spcBef>
@@ -4690,9 +6354,16 @@
               <a:spcAft>
                 <a:spcPts val="0"/>
               </a:spcAft>
-              <a:buSzPts val="4800"/>
-              <a:buNone/>
-              <a:defRPr sz="4800"/>
+              <a:buClr>
+                <a:schemeClr val="lt1"/>
+              </a:buClr>
+              <a:buSzPts val="3600"/>
+              <a:buNone/>
+              <a:defRPr sz="3600">
+                <a:solidFill>
+                  <a:schemeClr val="lt1"/>
+                </a:solidFill>
+              </a:defRPr>
             </a:lvl4pPr>
             <a:lvl5pPr lvl="4">
               <a:spcBef>
@@ -4701,9 +6372,16 @@
               <a:spcAft>
                 <a:spcPts val="0"/>
               </a:spcAft>
-              <a:buSzPts val="4800"/>
-              <a:buNone/>
-              <a:defRPr sz="4800"/>
+              <a:buClr>
+                <a:schemeClr val="lt1"/>
+              </a:buClr>
+              <a:buSzPts val="3600"/>
+              <a:buNone/>
+              <a:defRPr sz="3600">
+                <a:solidFill>
+                  <a:schemeClr val="lt1"/>
+                </a:solidFill>
+              </a:defRPr>
             </a:lvl5pPr>
             <a:lvl6pPr lvl="5">
               <a:spcBef>
@@ -4712,9 +6390,16 @@
               <a:spcAft>
                 <a:spcPts val="0"/>
               </a:spcAft>
-              <a:buSzPts val="4800"/>
-              <a:buNone/>
-              <a:defRPr sz="4800"/>
+              <a:buClr>
+                <a:schemeClr val="lt1"/>
+              </a:buClr>
+              <a:buSzPts val="3600"/>
+              <a:buNone/>
+              <a:defRPr sz="3600">
+                <a:solidFill>
+                  <a:schemeClr val="lt1"/>
+                </a:solidFill>
+              </a:defRPr>
             </a:lvl6pPr>
             <a:lvl7pPr lvl="6">
               <a:spcBef>
@@ -4723,9 +6408,16 @@
               <a:spcAft>
                 <a:spcPts val="0"/>
               </a:spcAft>
-              <a:buSzPts val="4800"/>
-              <a:buNone/>
-              <a:defRPr sz="4800"/>
+              <a:buClr>
+                <a:schemeClr val="lt1"/>
+              </a:buClr>
+              <a:buSzPts val="3600"/>
+              <a:buNone/>
+              <a:defRPr sz="3600">
+                <a:solidFill>
+                  <a:schemeClr val="lt1"/>
+                </a:solidFill>
+              </a:defRPr>
             </a:lvl7pPr>
             <a:lvl8pPr lvl="7">
               <a:spcBef>
@@ -4734,9 +6426,16 @@
               <a:spcAft>
                 <a:spcPts val="0"/>
               </a:spcAft>
-              <a:buSzPts val="4800"/>
-              <a:buNone/>
-              <a:defRPr sz="4800"/>
+              <a:buClr>
+                <a:schemeClr val="lt1"/>
+              </a:buClr>
+              <a:buSzPts val="3600"/>
+              <a:buNone/>
+              <a:defRPr sz="3600">
+                <a:solidFill>
+                  <a:schemeClr val="lt1"/>
+                </a:solidFill>
+              </a:defRPr>
             </a:lvl8pPr>
             <a:lvl9pPr lvl="8">
               <a:spcBef>
@@ -4745,9 +6444,16 @@
               <a:spcAft>
                 <a:spcPts val="0"/>
               </a:spcAft>
-              <a:buSzPts val="4800"/>
-              <a:buNone/>
-              <a:defRPr sz="4800"/>
+              <a:buClr>
+                <a:schemeClr val="lt1"/>
+              </a:buClr>
+              <a:buSzPts val="3600"/>
+              <a:buNone/>
+              <a:defRPr sz="3600">
+                <a:solidFill>
+                  <a:schemeClr val="lt1"/>
+                </a:solidFill>
+              </a:defRPr>
             </a:lvl9pPr>
           </a:lstStyle>
           <a:p/>
@@ -4755,7 +6461,7 @@
       </p:sp>
       <p:sp>
         <p:nvSpPr>
-          <p:cNvPr id="34" name="Shape 34"/>
+          <p:cNvPr id="60" name="Shape 60"/>
           <p:cNvSpPr txBox="1"/>
           <p:nvPr>
             <p:ph idx="12" type="sldNum"/>
@@ -4763,7 +6469,7 @@
         </p:nvSpPr>
         <p:spPr>
           <a:xfrm>
-            <a:off x="8472458" y="4663217"/>
+            <a:off x="8536302" y="4749851"/>
             <a:ext cx="548700" cy="393600"/>
           </a:xfrm>
           <a:prstGeom prst="rect">
@@ -4777,39 +6483,75 @@
           <a:lstStyle>
             <a:lvl1pPr lvl="0">
               <a:buNone/>
-              <a:defRPr/>
+              <a:defRPr>
+                <a:solidFill>
+                  <a:schemeClr val="lt1"/>
+                </a:solidFill>
+              </a:defRPr>
             </a:lvl1pPr>
             <a:lvl2pPr lvl="1">
               <a:buNone/>
-              <a:defRPr/>
+              <a:defRPr>
+                <a:solidFill>
+                  <a:schemeClr val="lt1"/>
+                </a:solidFill>
+              </a:defRPr>
             </a:lvl2pPr>
             <a:lvl3pPr lvl="2">
               <a:buNone/>
-              <a:defRPr/>
+              <a:defRPr>
+                <a:solidFill>
+                  <a:schemeClr val="lt1"/>
+                </a:solidFill>
+              </a:defRPr>
             </a:lvl3pPr>
             <a:lvl4pPr lvl="3">
               <a:buNone/>
-              <a:defRPr/>
+              <a:defRPr>
+                <a:solidFill>
+                  <a:schemeClr val="lt1"/>
+                </a:solidFill>
+              </a:defRPr>
             </a:lvl4pPr>
             <a:lvl5pPr lvl="4">
               <a:buNone/>
-              <a:defRPr/>
+              <a:defRPr>
+                <a:solidFill>
+                  <a:schemeClr val="lt1"/>
+                </a:solidFill>
+              </a:defRPr>
             </a:lvl5pPr>
             <a:lvl6pPr lvl="5">
               <a:buNone/>
-              <a:defRPr/>
+              <a:defRPr>
+                <a:solidFill>
+                  <a:schemeClr val="lt1"/>
+                </a:solidFill>
+              </a:defRPr>
             </a:lvl6pPr>
             <a:lvl7pPr lvl="6">
               <a:buNone/>
-              <a:defRPr/>
+              <a:defRPr>
+                <a:solidFill>
+                  <a:schemeClr val="lt1"/>
+                </a:solidFill>
+              </a:defRPr>
             </a:lvl7pPr>
             <a:lvl8pPr lvl="7">
               <a:buNone/>
-              <a:defRPr/>
+              <a:defRPr>
+                <a:solidFill>
+                  <a:schemeClr val="lt1"/>
+                </a:solidFill>
+              </a:defRPr>
             </a:lvl8pPr>
             <a:lvl9pPr lvl="8">
               <a:buNone/>
-              <a:defRPr/>
+              <a:defRPr>
+                <a:solidFill>
+                  <a:schemeClr val="lt1"/>
+                </a:solidFill>
+              </a:defRPr>
             </a:lvl9pPr>
           </a:lstStyle>
           <a:p>
@@ -4843,7 +6585,7 @@
   <p:cSld name="SECTION_TITLE_AND_DESCRIPTION">
     <p:spTree>
       <p:nvGrpSpPr>
-        <p:cNvPr id="35" name="Shape 35"/>
+        <p:cNvPr id="61" name="Shape 61"/>
         <p:cNvGrpSpPr/>
         <p:nvPr/>
       </p:nvGrpSpPr>
@@ -4857,13 +6599,13 @@
       </p:grpSpPr>
       <p:sp>
         <p:nvSpPr>
-          <p:cNvPr id="36" name="Shape 36"/>
+          <p:cNvPr id="62" name="Shape 62"/>
           <p:cNvSpPr/>
           <p:nvPr/>
         </p:nvSpPr>
         <p:spPr>
           <a:xfrm>
-            <a:off x="4572000" y="-125"/>
+            <a:off x="0" y="0"/>
             <a:ext cx="4572000" cy="5143500"/>
           </a:xfrm>
           <a:prstGeom prst="rect">
@@ -4898,9 +6640,110 @@
           </a:p>
         </p:txBody>
       </p:sp>
+      <p:grpSp>
+        <p:nvGrpSpPr>
+          <p:cNvPr id="63" name="Shape 63"/>
+          <p:cNvGrpSpPr/>
+          <p:nvPr/>
+        </p:nvGrpSpPr>
+        <p:grpSpPr>
+          <a:xfrm>
+            <a:off x="830392" y="1191256"/>
+            <a:ext cx="745763" cy="45826"/>
+            <a:chOff x="4580561" y="2589004"/>
+            <a:chExt cx="1064464" cy="25200"/>
+          </a:xfrm>
+        </p:grpSpPr>
+        <p:sp>
+          <p:nvSpPr>
+            <p:cNvPr id="64" name="Shape 64"/>
+            <p:cNvSpPr/>
+            <p:nvPr/>
+          </p:nvSpPr>
+          <p:spPr>
+            <a:xfrm rot="-5400000">
+              <a:off x="5366325" y="2335504"/>
+              <a:ext cx="25200" cy="532200"/>
+            </a:xfrm>
+            <a:prstGeom prst="rect">
+              <a:avLst/>
+            </a:prstGeom>
+            <a:solidFill>
+              <a:schemeClr val="accent3"/>
+            </a:solidFill>
+            <a:ln>
+              <a:noFill/>
+            </a:ln>
+          </p:spPr>
+          <p:txBody>
+            <a:bodyPr anchorCtr="0" anchor="ctr" bIns="91425" lIns="91425" spcFirstLastPara="1" rIns="91425" wrap="square" tIns="91425">
+              <a:noAutofit/>
+            </a:bodyPr>
+            <a:lstStyle/>
+            <a:p>
+              <a:pPr indent="0" lvl="0" marL="0">
+                <a:spcBef>
+                  <a:spcPts val="0"/>
+                </a:spcBef>
+                <a:spcAft>
+                  <a:spcPts val="0"/>
+                </a:spcAft>
+                <a:buNone/>
+              </a:pPr>
+              <a:r>
+                <a:t/>
+              </a:r>
+              <a:endParaRPr/>
+            </a:p>
+          </p:txBody>
+        </p:sp>
+        <p:sp>
+          <p:nvSpPr>
+            <p:cNvPr id="65" name="Shape 65"/>
+            <p:cNvSpPr/>
+            <p:nvPr/>
+          </p:nvSpPr>
+          <p:spPr>
+            <a:xfrm rot="-5400000">
+              <a:off x="4836311" y="2333254"/>
+              <a:ext cx="25200" cy="536700"/>
+            </a:xfrm>
+            <a:prstGeom prst="rect">
+              <a:avLst/>
+            </a:prstGeom>
+            <a:solidFill>
+              <a:schemeClr val="dk1"/>
+            </a:solidFill>
+            <a:ln>
+              <a:noFill/>
+            </a:ln>
+          </p:spPr>
+          <p:txBody>
+            <a:bodyPr anchorCtr="0" anchor="ctr" bIns="91425" lIns="91425" spcFirstLastPara="1" rIns="91425" wrap="square" tIns="91425">
+              <a:noAutofit/>
+            </a:bodyPr>
+            <a:lstStyle/>
+            <a:p>
+              <a:pPr indent="0" lvl="0" marL="0">
+                <a:spcBef>
+                  <a:spcPts val="0"/>
+                </a:spcBef>
+                <a:spcAft>
+                  <a:spcPts val="0"/>
+                </a:spcAft>
+                <a:buNone/>
+              </a:pPr>
+              <a:r>
+                <a:t/>
+              </a:r>
+              <a:endParaRPr/>
+            </a:p>
+          </p:txBody>
+        </p:sp>
+      </p:grpSp>
       <p:sp>
         <p:nvSpPr>
-          <p:cNvPr id="37" name="Shape 37"/>
+          <p:cNvPr id="66" name="Shape 66"/>
           <p:cNvSpPr txBox="1"/>
           <p:nvPr>
             <p:ph type="title"/>
@@ -4908,131 +6751,8 @@
         </p:nvSpPr>
         <p:spPr>
           <a:xfrm>
-            <a:off x="265500" y="1233175"/>
-            <a:ext cx="4045200" cy="1482300"/>
-          </a:xfrm>
-          <a:prstGeom prst="rect">
-            <a:avLst/>
-          </a:prstGeom>
-        </p:spPr>
-        <p:txBody>
-          <a:bodyPr anchorCtr="0" anchor="b" bIns="91425" lIns="91425" spcFirstLastPara="1" rIns="91425" wrap="square" tIns="91425"/>
-          <a:lstStyle>
-            <a:lvl1pPr lvl="0" algn="ctr">
-              <a:spcBef>
-                <a:spcPts val="0"/>
-              </a:spcBef>
-              <a:spcAft>
-                <a:spcPts val="0"/>
-              </a:spcAft>
-              <a:buSzPts val="4200"/>
-              <a:buNone/>
-              <a:defRPr sz="4200"/>
-            </a:lvl1pPr>
-            <a:lvl2pPr lvl="1" algn="ctr">
-              <a:spcBef>
-                <a:spcPts val="0"/>
-              </a:spcBef>
-              <a:spcAft>
-                <a:spcPts val="0"/>
-              </a:spcAft>
-              <a:buSzPts val="4200"/>
-              <a:buNone/>
-              <a:defRPr sz="4200"/>
-            </a:lvl2pPr>
-            <a:lvl3pPr lvl="2" algn="ctr">
-              <a:spcBef>
-                <a:spcPts val="0"/>
-              </a:spcBef>
-              <a:spcAft>
-                <a:spcPts val="0"/>
-              </a:spcAft>
-              <a:buSzPts val="4200"/>
-              <a:buNone/>
-              <a:defRPr sz="4200"/>
-            </a:lvl3pPr>
-            <a:lvl4pPr lvl="3" algn="ctr">
-              <a:spcBef>
-                <a:spcPts val="0"/>
-              </a:spcBef>
-              <a:spcAft>
-                <a:spcPts val="0"/>
-              </a:spcAft>
-              <a:buSzPts val="4200"/>
-              <a:buNone/>
-              <a:defRPr sz="4200"/>
-            </a:lvl4pPr>
-            <a:lvl5pPr lvl="4" algn="ctr">
-              <a:spcBef>
-                <a:spcPts val="0"/>
-              </a:spcBef>
-              <a:spcAft>
-                <a:spcPts val="0"/>
-              </a:spcAft>
-              <a:buSzPts val="4200"/>
-              <a:buNone/>
-              <a:defRPr sz="4200"/>
-            </a:lvl5pPr>
-            <a:lvl6pPr lvl="5" algn="ctr">
-              <a:spcBef>
-                <a:spcPts val="0"/>
-              </a:spcBef>
-              <a:spcAft>
-                <a:spcPts val="0"/>
-              </a:spcAft>
-              <a:buSzPts val="4200"/>
-              <a:buNone/>
-              <a:defRPr sz="4200"/>
-            </a:lvl6pPr>
-            <a:lvl7pPr lvl="6" algn="ctr">
-              <a:spcBef>
-                <a:spcPts val="0"/>
-              </a:spcBef>
-              <a:spcAft>
-                <a:spcPts val="0"/>
-              </a:spcAft>
-              <a:buSzPts val="4200"/>
-              <a:buNone/>
-              <a:defRPr sz="4200"/>
-            </a:lvl7pPr>
-            <a:lvl8pPr lvl="7" algn="ctr">
-              <a:spcBef>
-                <a:spcPts val="0"/>
-              </a:spcBef>
-              <a:spcAft>
-                <a:spcPts val="0"/>
-              </a:spcAft>
-              <a:buSzPts val="4200"/>
-              <a:buNone/>
-              <a:defRPr sz="4200"/>
-            </a:lvl8pPr>
-            <a:lvl9pPr lvl="8" algn="ctr">
-              <a:spcBef>
-                <a:spcPts val="0"/>
-              </a:spcBef>
-              <a:spcAft>
-                <a:spcPts val="0"/>
-              </a:spcAft>
-              <a:buSzPts val="4200"/>
-              <a:buNone/>
-              <a:defRPr sz="4200"/>
-            </a:lvl9pPr>
-          </a:lstStyle>
-          <a:p/>
-        </p:txBody>
-      </p:sp>
-      <p:sp>
-        <p:nvSpPr>
-          <p:cNvPr id="38" name="Shape 38"/>
-          <p:cNvSpPr txBox="1"/>
-          <p:nvPr>
-            <p:ph idx="1" type="subTitle"/>
-          </p:nvPr>
-        </p:nvSpPr>
-        <p:spPr>
-          <a:xfrm>
-            <a:off x="265500" y="2803075"/>
-            <a:ext cx="4045200" cy="1235100"/>
+            <a:off x="730000" y="1318650"/>
+            <a:ext cx="3300900" cy="1687200"/>
           </a:xfrm>
           <a:prstGeom prst="rect">
             <a:avLst/>
@@ -5041,131 +6761,167 @@
         <p:txBody>
           <a:bodyPr anchorCtr="0" anchor="t" bIns="91425" lIns="91425" spcFirstLastPara="1" rIns="91425" wrap="square" tIns="91425"/>
           <a:lstStyle>
-            <a:lvl1pPr lvl="0" algn="ctr">
-              <a:lnSpc>
-                <a:spcPct val="100000"/>
-              </a:lnSpc>
-              <a:spcBef>
-                <a:spcPts val="0"/>
-              </a:spcBef>
-              <a:spcAft>
-                <a:spcPts val="0"/>
-              </a:spcAft>
-              <a:buSzPts val="2100"/>
-              <a:buNone/>
-              <a:defRPr sz="2100"/>
+            <a:lvl1pPr lvl="0">
+              <a:spcBef>
+                <a:spcPts val="0"/>
+              </a:spcBef>
+              <a:spcAft>
+                <a:spcPts val="0"/>
+              </a:spcAft>
+              <a:buClr>
+                <a:schemeClr val="dk2"/>
+              </a:buClr>
+              <a:buSzPts val="2600"/>
+              <a:buNone/>
+              <a:defRPr sz="2600">
+                <a:solidFill>
+                  <a:schemeClr val="dk2"/>
+                </a:solidFill>
+              </a:defRPr>
             </a:lvl1pPr>
-            <a:lvl2pPr lvl="1" algn="ctr">
-              <a:lnSpc>
-                <a:spcPct val="100000"/>
-              </a:lnSpc>
-              <a:spcBef>
-                <a:spcPts val="0"/>
-              </a:spcBef>
-              <a:spcAft>
-                <a:spcPts val="0"/>
-              </a:spcAft>
-              <a:buSzPts val="2100"/>
-              <a:buNone/>
-              <a:defRPr sz="2100"/>
+            <a:lvl2pPr lvl="1">
+              <a:spcBef>
+                <a:spcPts val="0"/>
+              </a:spcBef>
+              <a:spcAft>
+                <a:spcPts val="0"/>
+              </a:spcAft>
+              <a:buClr>
+                <a:schemeClr val="dk2"/>
+              </a:buClr>
+              <a:buSzPts val="2600"/>
+              <a:buNone/>
+              <a:defRPr sz="2600">
+                <a:solidFill>
+                  <a:schemeClr val="dk2"/>
+                </a:solidFill>
+              </a:defRPr>
             </a:lvl2pPr>
-            <a:lvl3pPr lvl="2" algn="ctr">
-              <a:lnSpc>
-                <a:spcPct val="100000"/>
-              </a:lnSpc>
-              <a:spcBef>
-                <a:spcPts val="0"/>
-              </a:spcBef>
-              <a:spcAft>
-                <a:spcPts val="0"/>
-              </a:spcAft>
-              <a:buSzPts val="2100"/>
-              <a:buNone/>
-              <a:defRPr sz="2100"/>
+            <a:lvl3pPr lvl="2">
+              <a:spcBef>
+                <a:spcPts val="0"/>
+              </a:spcBef>
+              <a:spcAft>
+                <a:spcPts val="0"/>
+              </a:spcAft>
+              <a:buClr>
+                <a:schemeClr val="dk2"/>
+              </a:buClr>
+              <a:buSzPts val="2600"/>
+              <a:buNone/>
+              <a:defRPr sz="2600">
+                <a:solidFill>
+                  <a:schemeClr val="dk2"/>
+                </a:solidFill>
+              </a:defRPr>
             </a:lvl3pPr>
-            <a:lvl4pPr lvl="3" algn="ctr">
-              <a:lnSpc>
-                <a:spcPct val="100000"/>
-              </a:lnSpc>
-              <a:spcBef>
-                <a:spcPts val="0"/>
-              </a:spcBef>
-              <a:spcAft>
-                <a:spcPts val="0"/>
-              </a:spcAft>
-              <a:buSzPts val="2100"/>
-              <a:buNone/>
-              <a:defRPr sz="2100"/>
+            <a:lvl4pPr lvl="3">
+              <a:spcBef>
+                <a:spcPts val="0"/>
+              </a:spcBef>
+              <a:spcAft>
+                <a:spcPts val="0"/>
+              </a:spcAft>
+              <a:buClr>
+                <a:schemeClr val="dk2"/>
+              </a:buClr>
+              <a:buSzPts val="2600"/>
+              <a:buNone/>
+              <a:defRPr sz="2600">
+                <a:solidFill>
+                  <a:schemeClr val="dk2"/>
+                </a:solidFill>
+              </a:defRPr>
             </a:lvl4pPr>
-            <a:lvl5pPr lvl="4" algn="ctr">
-              <a:lnSpc>
-                <a:spcPct val="100000"/>
-              </a:lnSpc>
-              <a:spcBef>
-                <a:spcPts val="0"/>
-              </a:spcBef>
-              <a:spcAft>
-                <a:spcPts val="0"/>
-              </a:spcAft>
-              <a:buSzPts val="2100"/>
-              <a:buNone/>
-              <a:defRPr sz="2100"/>
+            <a:lvl5pPr lvl="4">
+              <a:spcBef>
+                <a:spcPts val="0"/>
+              </a:spcBef>
+              <a:spcAft>
+                <a:spcPts val="0"/>
+              </a:spcAft>
+              <a:buClr>
+                <a:schemeClr val="dk2"/>
+              </a:buClr>
+              <a:buSzPts val="2600"/>
+              <a:buNone/>
+              <a:defRPr sz="2600">
+                <a:solidFill>
+                  <a:schemeClr val="dk2"/>
+                </a:solidFill>
+              </a:defRPr>
             </a:lvl5pPr>
-            <a:lvl6pPr lvl="5" algn="ctr">
-              <a:lnSpc>
-                <a:spcPct val="100000"/>
-              </a:lnSpc>
-              <a:spcBef>
-                <a:spcPts val="0"/>
-              </a:spcBef>
-              <a:spcAft>
-                <a:spcPts val="0"/>
-              </a:spcAft>
-              <a:buSzPts val="2100"/>
-              <a:buNone/>
-              <a:defRPr sz="2100"/>
+            <a:lvl6pPr lvl="5">
+              <a:spcBef>
+                <a:spcPts val="0"/>
+              </a:spcBef>
+              <a:spcAft>
+                <a:spcPts val="0"/>
+              </a:spcAft>
+              <a:buClr>
+                <a:schemeClr val="dk2"/>
+              </a:buClr>
+              <a:buSzPts val="2600"/>
+              <a:buNone/>
+              <a:defRPr sz="2600">
+                <a:solidFill>
+                  <a:schemeClr val="dk2"/>
+                </a:solidFill>
+              </a:defRPr>
             </a:lvl6pPr>
-            <a:lvl7pPr lvl="6" algn="ctr">
-              <a:lnSpc>
-                <a:spcPct val="100000"/>
-              </a:lnSpc>
-              <a:spcBef>
-                <a:spcPts val="0"/>
-              </a:spcBef>
-              <a:spcAft>
-                <a:spcPts val="0"/>
-              </a:spcAft>
-              <a:buSzPts val="2100"/>
-              <a:buNone/>
-              <a:defRPr sz="2100"/>
+            <a:lvl7pPr lvl="6">
+              <a:spcBef>
+                <a:spcPts val="0"/>
+              </a:spcBef>
+              <a:spcAft>
+                <a:spcPts val="0"/>
+              </a:spcAft>
+              <a:buClr>
+                <a:schemeClr val="dk2"/>
+              </a:buClr>
+              <a:buSzPts val="2600"/>
+              <a:buNone/>
+              <a:defRPr sz="2600">
+                <a:solidFill>
+                  <a:schemeClr val="dk2"/>
+                </a:solidFill>
+              </a:defRPr>
             </a:lvl7pPr>
-            <a:lvl8pPr lvl="7" algn="ctr">
-              <a:lnSpc>
-                <a:spcPct val="100000"/>
-              </a:lnSpc>
-              <a:spcBef>
-                <a:spcPts val="0"/>
-              </a:spcBef>
-              <a:spcAft>
-                <a:spcPts val="0"/>
-              </a:spcAft>
-              <a:buSzPts val="2100"/>
-              <a:buNone/>
-              <a:defRPr sz="2100"/>
+            <a:lvl8pPr lvl="7">
+              <a:spcBef>
+                <a:spcPts val="0"/>
+              </a:spcBef>
+              <a:spcAft>
+                <a:spcPts val="0"/>
+              </a:spcAft>
+              <a:buClr>
+                <a:schemeClr val="dk2"/>
+              </a:buClr>
+              <a:buSzPts val="2600"/>
+              <a:buNone/>
+              <a:defRPr sz="2600">
+                <a:solidFill>
+                  <a:schemeClr val="dk2"/>
+                </a:solidFill>
+              </a:defRPr>
             </a:lvl8pPr>
-            <a:lvl9pPr lvl="8" algn="ctr">
-              <a:lnSpc>
-                <a:spcPct val="100000"/>
-              </a:lnSpc>
-              <a:spcBef>
-                <a:spcPts val="0"/>
-              </a:spcBef>
-              <a:spcAft>
-                <a:spcPts val="0"/>
-              </a:spcAft>
-              <a:buSzPts val="2100"/>
-              <a:buNone/>
-              <a:defRPr sz="2100"/>
+            <a:lvl9pPr lvl="8">
+              <a:spcBef>
+                <a:spcPts val="0"/>
+              </a:spcBef>
+              <a:spcAft>
+                <a:spcPts val="0"/>
+              </a:spcAft>
+              <a:buClr>
+                <a:schemeClr val="dk2"/>
+              </a:buClr>
+              <a:buSzPts val="2600"/>
+              <a:buNone/>
+              <a:defRPr sz="2600">
+                <a:solidFill>
+                  <a:schemeClr val="dk2"/>
+                </a:solidFill>
+              </a:defRPr>
             </a:lvl9pPr>
           </a:lstStyle>
           <a:p/>
@@ -5173,7 +6929,157 @@
       </p:sp>
       <p:sp>
         <p:nvSpPr>
-          <p:cNvPr id="39" name="Shape 39"/>
+          <p:cNvPr id="67" name="Shape 67"/>
+          <p:cNvSpPr txBox="1"/>
+          <p:nvPr>
+            <p:ph idx="1" type="subTitle"/>
+          </p:nvPr>
+        </p:nvSpPr>
+        <p:spPr>
+          <a:xfrm>
+            <a:off x="724950" y="3161525"/>
+            <a:ext cx="3300900" cy="759000"/>
+          </a:xfrm>
+          <a:prstGeom prst="rect">
+            <a:avLst/>
+          </a:prstGeom>
+        </p:spPr>
+        <p:txBody>
+          <a:bodyPr anchorCtr="0" anchor="t" bIns="91425" lIns="91425" spcFirstLastPara="1" rIns="91425" wrap="square" tIns="91425"/>
+          <a:lstStyle>
+            <a:lvl1pPr lvl="0">
+              <a:lnSpc>
+                <a:spcPct val="100000"/>
+              </a:lnSpc>
+              <a:spcBef>
+                <a:spcPts val="0"/>
+              </a:spcBef>
+              <a:spcAft>
+                <a:spcPts val="0"/>
+              </a:spcAft>
+              <a:buSzPts val="1600"/>
+              <a:buNone/>
+              <a:defRPr sz="1600"/>
+            </a:lvl1pPr>
+            <a:lvl2pPr lvl="1">
+              <a:lnSpc>
+                <a:spcPct val="100000"/>
+              </a:lnSpc>
+              <a:spcBef>
+                <a:spcPts val="0"/>
+              </a:spcBef>
+              <a:spcAft>
+                <a:spcPts val="0"/>
+              </a:spcAft>
+              <a:buSzPts val="1600"/>
+              <a:buNone/>
+              <a:defRPr sz="1600"/>
+            </a:lvl2pPr>
+            <a:lvl3pPr lvl="2">
+              <a:lnSpc>
+                <a:spcPct val="100000"/>
+              </a:lnSpc>
+              <a:spcBef>
+                <a:spcPts val="0"/>
+              </a:spcBef>
+              <a:spcAft>
+                <a:spcPts val="0"/>
+              </a:spcAft>
+              <a:buSzPts val="1600"/>
+              <a:buNone/>
+              <a:defRPr sz="1600"/>
+            </a:lvl3pPr>
+            <a:lvl4pPr lvl="3">
+              <a:lnSpc>
+                <a:spcPct val="100000"/>
+              </a:lnSpc>
+              <a:spcBef>
+                <a:spcPts val="0"/>
+              </a:spcBef>
+              <a:spcAft>
+                <a:spcPts val="0"/>
+              </a:spcAft>
+              <a:buSzPts val="1600"/>
+              <a:buNone/>
+              <a:defRPr sz="1600"/>
+            </a:lvl4pPr>
+            <a:lvl5pPr lvl="4">
+              <a:lnSpc>
+                <a:spcPct val="100000"/>
+              </a:lnSpc>
+              <a:spcBef>
+                <a:spcPts val="0"/>
+              </a:spcBef>
+              <a:spcAft>
+                <a:spcPts val="0"/>
+              </a:spcAft>
+              <a:buSzPts val="1600"/>
+              <a:buNone/>
+              <a:defRPr sz="1600"/>
+            </a:lvl5pPr>
+            <a:lvl6pPr lvl="5">
+              <a:lnSpc>
+                <a:spcPct val="100000"/>
+              </a:lnSpc>
+              <a:spcBef>
+                <a:spcPts val="0"/>
+              </a:spcBef>
+              <a:spcAft>
+                <a:spcPts val="0"/>
+              </a:spcAft>
+              <a:buSzPts val="1600"/>
+              <a:buNone/>
+              <a:defRPr sz="1600"/>
+            </a:lvl6pPr>
+            <a:lvl7pPr lvl="6">
+              <a:lnSpc>
+                <a:spcPct val="100000"/>
+              </a:lnSpc>
+              <a:spcBef>
+                <a:spcPts val="0"/>
+              </a:spcBef>
+              <a:spcAft>
+                <a:spcPts val="0"/>
+              </a:spcAft>
+              <a:buSzPts val="1600"/>
+              <a:buNone/>
+              <a:defRPr sz="1600"/>
+            </a:lvl7pPr>
+            <a:lvl8pPr lvl="7">
+              <a:lnSpc>
+                <a:spcPct val="100000"/>
+              </a:lnSpc>
+              <a:spcBef>
+                <a:spcPts val="0"/>
+              </a:spcBef>
+              <a:spcAft>
+                <a:spcPts val="0"/>
+              </a:spcAft>
+              <a:buSzPts val="1600"/>
+              <a:buNone/>
+              <a:defRPr sz="1600"/>
+            </a:lvl8pPr>
+            <a:lvl9pPr lvl="8">
+              <a:lnSpc>
+                <a:spcPct val="100000"/>
+              </a:lnSpc>
+              <a:spcBef>
+                <a:spcPts val="0"/>
+              </a:spcBef>
+              <a:spcAft>
+                <a:spcPts val="0"/>
+              </a:spcAft>
+              <a:buSzPts val="1600"/>
+              <a:buNone/>
+              <a:defRPr sz="1600"/>
+            </a:lvl9pPr>
+          </a:lstStyle>
+          <a:p/>
+        </p:txBody>
+      </p:sp>
+      <p:sp>
+        <p:nvSpPr>
+          <p:cNvPr id="68" name="Shape 68"/>
           <p:cNvSpPr txBox="1"/>
           <p:nvPr>
             <p:ph idx="2" type="body"/>
@@ -5181,112 +7087,112 @@
         </p:nvSpPr>
         <p:spPr>
           <a:xfrm>
-            <a:off x="4939500" y="724075"/>
-            <a:ext cx="3837000" cy="3695100"/>
+            <a:off x="5174225" y="1352625"/>
+            <a:ext cx="3374400" cy="3025500"/>
           </a:xfrm>
           <a:prstGeom prst="rect">
             <a:avLst/>
           </a:prstGeom>
         </p:spPr>
         <p:txBody>
-          <a:bodyPr anchorCtr="0" anchor="ctr" bIns="91425" lIns="91425" spcFirstLastPara="1" rIns="91425" wrap="square" tIns="91425"/>
+          <a:bodyPr anchorCtr="0" anchor="t" bIns="91425" lIns="91425" spcFirstLastPara="1" rIns="91425" wrap="square" tIns="91425"/>
           <a:lstStyle>
-            <a:lvl1pPr indent="-342900" lvl="0" marL="457200">
-              <a:spcBef>
-                <a:spcPts val="0"/>
-              </a:spcBef>
-              <a:spcAft>
-                <a:spcPts val="0"/>
-              </a:spcAft>
-              <a:buSzPts val="1800"/>
+            <a:lvl1pPr indent="-311150" lvl="0" marL="457200">
+              <a:spcBef>
+                <a:spcPts val="0"/>
+              </a:spcBef>
+              <a:spcAft>
+                <a:spcPts val="0"/>
+              </a:spcAft>
+              <a:buSzPts val="1300"/>
               <a:buChar char="●"/>
               <a:defRPr/>
             </a:lvl1pPr>
-            <a:lvl2pPr indent="-317500" lvl="1" marL="914400">
+            <a:lvl2pPr indent="-298450" lvl="1" marL="914400">
               <a:spcBef>
                 <a:spcPts val="1600"/>
               </a:spcBef>
               <a:spcAft>
                 <a:spcPts val="0"/>
               </a:spcAft>
-              <a:buSzPts val="1400"/>
+              <a:buSzPts val="1100"/>
               <a:buChar char="○"/>
               <a:defRPr/>
             </a:lvl2pPr>
-            <a:lvl3pPr indent="-317500" lvl="2" marL="1371600">
+            <a:lvl3pPr indent="-298450" lvl="2" marL="1371600">
               <a:spcBef>
                 <a:spcPts val="1600"/>
               </a:spcBef>
               <a:spcAft>
                 <a:spcPts val="0"/>
               </a:spcAft>
-              <a:buSzPts val="1400"/>
+              <a:buSzPts val="1100"/>
               <a:buChar char="■"/>
               <a:defRPr/>
             </a:lvl3pPr>
-            <a:lvl4pPr indent="-317500" lvl="3" marL="1828800">
+            <a:lvl4pPr indent="-298450" lvl="3" marL="1828800">
               <a:spcBef>
                 <a:spcPts val="1600"/>
               </a:spcBef>
               <a:spcAft>
                 <a:spcPts val="0"/>
               </a:spcAft>
-              <a:buSzPts val="1400"/>
+              <a:buSzPts val="1100"/>
               <a:buChar char="●"/>
               <a:defRPr/>
             </a:lvl4pPr>
-            <a:lvl5pPr indent="-317500" lvl="4" marL="2286000">
+            <a:lvl5pPr indent="-298450" lvl="4" marL="2286000">
               <a:spcBef>
                 <a:spcPts val="1600"/>
               </a:spcBef>
               <a:spcAft>
                 <a:spcPts val="0"/>
               </a:spcAft>
-              <a:buSzPts val="1400"/>
+              <a:buSzPts val="1100"/>
               <a:buChar char="○"/>
               <a:defRPr/>
             </a:lvl5pPr>
-            <a:lvl6pPr indent="-317500" lvl="5" marL="2743200">
+            <a:lvl6pPr indent="-298450" lvl="5" marL="2743200">
               <a:spcBef>
                 <a:spcPts val="1600"/>
               </a:spcBef>
               <a:spcAft>
                 <a:spcPts val="0"/>
               </a:spcAft>
-              <a:buSzPts val="1400"/>
+              <a:buSzPts val="1100"/>
               <a:buChar char="■"/>
               <a:defRPr/>
             </a:lvl6pPr>
-            <a:lvl7pPr indent="-317500" lvl="6" marL="3200400">
+            <a:lvl7pPr indent="-298450" lvl="6" marL="3200400">
               <a:spcBef>
                 <a:spcPts val="1600"/>
               </a:spcBef>
               <a:spcAft>
                 <a:spcPts val="0"/>
               </a:spcAft>
-              <a:buSzPts val="1400"/>
+              <a:buSzPts val="1100"/>
               <a:buChar char="●"/>
               <a:defRPr/>
             </a:lvl7pPr>
-            <a:lvl8pPr indent="-317500" lvl="7" marL="3657600">
+            <a:lvl8pPr indent="-298450" lvl="7" marL="3657600">
               <a:spcBef>
                 <a:spcPts val="1600"/>
               </a:spcBef>
               <a:spcAft>
                 <a:spcPts val="0"/>
               </a:spcAft>
-              <a:buSzPts val="1400"/>
+              <a:buSzPts val="1100"/>
               <a:buChar char="○"/>
               <a:defRPr/>
             </a:lvl8pPr>
-            <a:lvl9pPr indent="-317500" lvl="8" marL="4114800">
+            <a:lvl9pPr indent="-298450" lvl="8" marL="4114800">
               <a:spcBef>
                 <a:spcPts val="1600"/>
               </a:spcBef>
               <a:spcAft>
                 <a:spcPts val="1600"/>
               </a:spcAft>
-              <a:buSzPts val="1400"/>
+              <a:buSzPts val="1100"/>
               <a:buChar char="■"/>
               <a:defRPr/>
             </a:lvl9pPr>
@@ -5296,7 +7202,7 @@
       </p:sp>
       <p:sp>
         <p:nvSpPr>
-          <p:cNvPr id="40" name="Shape 40"/>
+          <p:cNvPr id="69" name="Shape 69"/>
           <p:cNvSpPr txBox="1"/>
           <p:nvPr>
             <p:ph idx="12" type="sldNum"/>
@@ -5304,7 +7210,7 @@
         </p:nvSpPr>
         <p:spPr>
           <a:xfrm>
-            <a:off x="8472458" y="4663217"/>
+            <a:off x="8536302" y="4749851"/>
             <a:ext cx="548700" cy="393600"/>
           </a:xfrm>
           <a:prstGeom prst="rect">
@@ -5384,7 +7290,7 @@
   <p:cSld name="CAPTION_ONLY">
     <p:spTree>
       <p:nvGrpSpPr>
-        <p:cNvPr id="41" name="Shape 41"/>
+        <p:cNvPr id="70" name="Shape 70"/>
         <p:cNvGrpSpPr/>
         <p:nvPr/>
       </p:nvGrpSpPr>
@@ -5398,7 +7304,7 @@
       </p:grpSpPr>
       <p:sp>
         <p:nvSpPr>
-          <p:cNvPr id="42" name="Shape 42"/>
+          <p:cNvPr id="71" name="Shape 71"/>
           <p:cNvSpPr txBox="1"/>
           <p:nvPr>
             <p:ph idx="1" type="body"/>
@@ -5406,8 +7312,8 @@
         </p:nvSpPr>
         <p:spPr>
           <a:xfrm>
-            <a:off x="311700" y="4230575"/>
-            <a:ext cx="5998800" cy="605100"/>
+            <a:off x="724950" y="4372551"/>
+            <a:ext cx="7697400" cy="460500"/>
           </a:xfrm>
           <a:prstGeom prst="rect">
             <a:avLst/>
@@ -5426,7 +7332,7 @@
               <a:spcAft>
                 <a:spcPts val="0"/>
               </a:spcAft>
-              <a:buSzPts val="1800"/>
+              <a:buSzPts val="1300"/>
               <a:buNone/>
               <a:defRPr/>
             </a:lvl1pPr>
@@ -5436,7 +7342,7 @@
       </p:sp>
       <p:sp>
         <p:nvSpPr>
-          <p:cNvPr id="43" name="Shape 43"/>
+          <p:cNvPr id="72" name="Shape 72"/>
           <p:cNvSpPr txBox="1"/>
           <p:nvPr>
             <p:ph idx="12" type="sldNum"/>
@@ -5444,7 +7350,7 @@
         </p:nvSpPr>
         <p:spPr>
           <a:xfrm>
-            <a:off x="8472458" y="4663217"/>
+            <a:off x="8536302" y="4749851"/>
             <a:ext cx="548700" cy="393600"/>
           </a:xfrm>
           <a:prstGeom prst="rect">
@@ -5521,7 +7427,7 @@
 
 <file path=ppt/slideMasters/slideMaster1.xml><?xml version="1.0" encoding="utf-8"?>
 <p:sldMaster xmlns:a="http://schemas.openxmlformats.org/drawingml/2006/main" xmlns:r="http://schemas.openxmlformats.org/officeDocument/2006/relationships" xmlns:mc="http://schemas.openxmlformats.org/markup-compatibility/2006" xmlns:mv="urn:schemas-microsoft-com:mac:vml" xmlns:p="http://schemas.openxmlformats.org/presentationml/2006/main" xmlns:c="http://schemas.openxmlformats.org/drawingml/2006/chart" xmlns:dgm="http://schemas.openxmlformats.org/drawingml/2006/diagram" xmlns:o="urn:schemas-microsoft-com:office:office" xmlns:v="urn:schemas-microsoft-com:vml" xmlns:pvml="urn:schemas-microsoft-com:office:powerpoint" xmlns:com="http://schemas.openxmlformats.org/drawingml/2006/compatibility" xmlns:p14="http://schemas.microsoft.com/office/powerpoint/2010/main" xmlns:p15="http://schemas.microsoft.com/office/powerpoint/2012/main">
-  <p:cSld name="simple-light-2">
+  <p:cSld name="streamline">
     <p:bg>
       <p:bgPr>
         <a:solidFill>
@@ -5574,15 +7480,14 @@
               <a:spcAft>
                 <a:spcPts val="0"/>
               </a:spcAft>
-              <a:buClr>
-                <a:schemeClr val="dk1"/>
-              </a:buClr>
               <a:buSzPts val="2800"/>
-              <a:buNone/>
-              <a:defRPr sz="2800">
-                <a:solidFill>
-                  <a:schemeClr val="dk1"/>
-                </a:solidFill>
+              <a:buFont typeface="Raleway"/>
+              <a:buNone/>
+              <a:defRPr b="1" sz="2800">
+                <a:latin typeface="Raleway"/>
+                <a:ea typeface="Raleway"/>
+                <a:cs typeface="Raleway"/>
+                <a:sym typeface="Raleway"/>
               </a:defRPr>
             </a:lvl1pPr>
             <a:lvl2pPr lvl="1">
@@ -5592,15 +7497,14 @@
               <a:spcAft>
                 <a:spcPts val="0"/>
               </a:spcAft>
-              <a:buClr>
-                <a:schemeClr val="dk1"/>
-              </a:buClr>
               <a:buSzPts val="2800"/>
-              <a:buNone/>
-              <a:defRPr sz="2800">
-                <a:solidFill>
-                  <a:schemeClr val="dk1"/>
-                </a:solidFill>
+              <a:buFont typeface="Raleway"/>
+              <a:buNone/>
+              <a:defRPr b="1" sz="2800">
+                <a:latin typeface="Raleway"/>
+                <a:ea typeface="Raleway"/>
+                <a:cs typeface="Raleway"/>
+                <a:sym typeface="Raleway"/>
               </a:defRPr>
             </a:lvl2pPr>
             <a:lvl3pPr lvl="2">
@@ -5610,15 +7514,14 @@
               <a:spcAft>
                 <a:spcPts val="0"/>
               </a:spcAft>
-              <a:buClr>
-                <a:schemeClr val="dk1"/>
-              </a:buClr>
               <a:buSzPts val="2800"/>
-              <a:buNone/>
-              <a:defRPr sz="2800">
-                <a:solidFill>
-                  <a:schemeClr val="dk1"/>
-                </a:solidFill>
+              <a:buFont typeface="Raleway"/>
+              <a:buNone/>
+              <a:defRPr b="1" sz="2800">
+                <a:latin typeface="Raleway"/>
+                <a:ea typeface="Raleway"/>
+                <a:cs typeface="Raleway"/>
+                <a:sym typeface="Raleway"/>
               </a:defRPr>
             </a:lvl3pPr>
             <a:lvl4pPr lvl="3">
@@ -5628,15 +7531,14 @@
               <a:spcAft>
                 <a:spcPts val="0"/>
               </a:spcAft>
-              <a:buClr>
-                <a:schemeClr val="dk1"/>
-              </a:buClr>
               <a:buSzPts val="2800"/>
-              <a:buNone/>
-              <a:defRPr sz="2800">
-                <a:solidFill>
-                  <a:schemeClr val="dk1"/>
-                </a:solidFill>
+              <a:buFont typeface="Raleway"/>
+              <a:buNone/>
+              <a:defRPr b="1" sz="2800">
+                <a:latin typeface="Raleway"/>
+                <a:ea typeface="Raleway"/>
+                <a:cs typeface="Raleway"/>
+                <a:sym typeface="Raleway"/>
               </a:defRPr>
             </a:lvl4pPr>
             <a:lvl5pPr lvl="4">
@@ -5646,15 +7548,14 @@
               <a:spcAft>
                 <a:spcPts val="0"/>
               </a:spcAft>
-              <a:buClr>
-                <a:schemeClr val="dk1"/>
-              </a:buClr>
               <a:buSzPts val="2800"/>
-              <a:buNone/>
-              <a:defRPr sz="2800">
-                <a:solidFill>
-                  <a:schemeClr val="dk1"/>
-                </a:solidFill>
+              <a:buFont typeface="Raleway"/>
+              <a:buNone/>
+              <a:defRPr b="1" sz="2800">
+                <a:latin typeface="Raleway"/>
+                <a:ea typeface="Raleway"/>
+                <a:cs typeface="Raleway"/>
+                <a:sym typeface="Raleway"/>
               </a:defRPr>
             </a:lvl5pPr>
             <a:lvl6pPr lvl="5">
@@ -5664,15 +7565,14 @@
               <a:spcAft>
                 <a:spcPts val="0"/>
               </a:spcAft>
-              <a:buClr>
-                <a:schemeClr val="dk1"/>
-              </a:buClr>
               <a:buSzPts val="2800"/>
-              <a:buNone/>
-              <a:defRPr sz="2800">
-                <a:solidFill>
-                  <a:schemeClr val="dk1"/>
-                </a:solidFill>
+              <a:buFont typeface="Raleway"/>
+              <a:buNone/>
+              <a:defRPr b="1" sz="2800">
+                <a:latin typeface="Raleway"/>
+                <a:ea typeface="Raleway"/>
+                <a:cs typeface="Raleway"/>
+                <a:sym typeface="Raleway"/>
               </a:defRPr>
             </a:lvl6pPr>
             <a:lvl7pPr lvl="6">
@@ -5682,15 +7582,14 @@
               <a:spcAft>
                 <a:spcPts val="0"/>
               </a:spcAft>
-              <a:buClr>
-                <a:schemeClr val="dk1"/>
-              </a:buClr>
               <a:buSzPts val="2800"/>
-              <a:buNone/>
-              <a:defRPr sz="2800">
-                <a:solidFill>
-                  <a:schemeClr val="dk1"/>
-                </a:solidFill>
+              <a:buFont typeface="Raleway"/>
+              <a:buNone/>
+              <a:defRPr b="1" sz="2800">
+                <a:latin typeface="Raleway"/>
+                <a:ea typeface="Raleway"/>
+                <a:cs typeface="Raleway"/>
+                <a:sym typeface="Raleway"/>
               </a:defRPr>
             </a:lvl7pPr>
             <a:lvl8pPr lvl="7">
@@ -5700,15 +7599,14 @@
               <a:spcAft>
                 <a:spcPts val="0"/>
               </a:spcAft>
-              <a:buClr>
-                <a:schemeClr val="dk1"/>
-              </a:buClr>
               <a:buSzPts val="2800"/>
-              <a:buNone/>
-              <a:defRPr sz="2800">
-                <a:solidFill>
-                  <a:schemeClr val="dk1"/>
-                </a:solidFill>
+              <a:buFont typeface="Raleway"/>
+              <a:buNone/>
+              <a:defRPr b="1" sz="2800">
+                <a:latin typeface="Raleway"/>
+                <a:ea typeface="Raleway"/>
+                <a:cs typeface="Raleway"/>
+                <a:sym typeface="Raleway"/>
               </a:defRPr>
             </a:lvl8pPr>
             <a:lvl9pPr lvl="8">
@@ -5718,15 +7616,14 @@
               <a:spcAft>
                 <a:spcPts val="0"/>
               </a:spcAft>
-              <a:buClr>
-                <a:schemeClr val="dk1"/>
-              </a:buClr>
               <a:buSzPts val="2800"/>
-              <a:buNone/>
-              <a:defRPr sz="2800">
-                <a:solidFill>
-                  <a:schemeClr val="dk1"/>
-                </a:solidFill>
+              <a:buFont typeface="Raleway"/>
+              <a:buNone/>
+              <a:defRPr b="1" sz="2800">
+                <a:latin typeface="Raleway"/>
+                <a:ea typeface="Raleway"/>
+                <a:cs typeface="Raleway"/>
+                <a:sym typeface="Raleway"/>
               </a:defRPr>
             </a:lvl9pPr>
           </a:lstStyle>
@@ -5757,7 +7654,7 @@
         <p:txBody>
           <a:bodyPr anchorCtr="0" anchor="t" bIns="91425" lIns="91425" spcFirstLastPara="1" rIns="91425" wrap="square" tIns="91425"/>
           <a:lstStyle>
-            <a:lvl1pPr indent="-342900" lvl="0" marL="457200">
+            <a:lvl1pPr indent="-311150" lvl="0" marL="457200">
               <a:lnSpc>
                 <a:spcPct val="115000"/>
               </a:lnSpc>
@@ -5768,17 +7665,22 @@
                 <a:spcPts val="0"/>
               </a:spcAft>
               <a:buClr>
-                <a:schemeClr val="dk2"/>
+                <a:schemeClr val="accent1"/>
               </a:buClr>
-              <a:buSzPts val="1800"/>
+              <a:buSzPts val="1300"/>
+              <a:buFont typeface="Lato"/>
               <a:buChar char="●"/>
-              <a:defRPr sz="1800">
-                <a:solidFill>
-                  <a:schemeClr val="dk2"/>
-                </a:solidFill>
+              <a:defRPr sz="1300">
+                <a:solidFill>
+                  <a:schemeClr val="accent1"/>
+                </a:solidFill>
+                <a:latin typeface="Lato"/>
+                <a:ea typeface="Lato"/>
+                <a:cs typeface="Lato"/>
+                <a:sym typeface="Lato"/>
               </a:defRPr>
             </a:lvl1pPr>
-            <a:lvl2pPr indent="-317500" lvl="1" marL="914400">
+            <a:lvl2pPr indent="-298450" lvl="1" marL="914400">
               <a:lnSpc>
                 <a:spcPct val="115000"/>
               </a:lnSpc>
@@ -5789,17 +7691,22 @@
                 <a:spcPts val="0"/>
               </a:spcAft>
               <a:buClr>
-                <a:schemeClr val="dk2"/>
+                <a:schemeClr val="accent1"/>
               </a:buClr>
-              <a:buSzPts val="1400"/>
+              <a:buSzPts val="1100"/>
+              <a:buFont typeface="Lato"/>
               <a:buChar char="○"/>
-              <a:defRPr>
-                <a:solidFill>
-                  <a:schemeClr val="dk2"/>
-                </a:solidFill>
+              <a:defRPr sz="1100">
+                <a:solidFill>
+                  <a:schemeClr val="accent1"/>
+                </a:solidFill>
+                <a:latin typeface="Lato"/>
+                <a:ea typeface="Lato"/>
+                <a:cs typeface="Lato"/>
+                <a:sym typeface="Lato"/>
               </a:defRPr>
             </a:lvl2pPr>
-            <a:lvl3pPr indent="-317500" lvl="2" marL="1371600">
+            <a:lvl3pPr indent="-298450" lvl="2" marL="1371600">
               <a:lnSpc>
                 <a:spcPct val="115000"/>
               </a:lnSpc>
@@ -5810,17 +7717,22 @@
                 <a:spcPts val="0"/>
               </a:spcAft>
               <a:buClr>
-                <a:schemeClr val="dk2"/>
+                <a:schemeClr val="accent1"/>
               </a:buClr>
-              <a:buSzPts val="1400"/>
+              <a:buSzPts val="1100"/>
+              <a:buFont typeface="Lato"/>
               <a:buChar char="■"/>
-              <a:defRPr>
-                <a:solidFill>
-                  <a:schemeClr val="dk2"/>
-                </a:solidFill>
+              <a:defRPr sz="1100">
+                <a:solidFill>
+                  <a:schemeClr val="accent1"/>
+                </a:solidFill>
+                <a:latin typeface="Lato"/>
+                <a:ea typeface="Lato"/>
+                <a:cs typeface="Lato"/>
+                <a:sym typeface="Lato"/>
               </a:defRPr>
             </a:lvl3pPr>
-            <a:lvl4pPr indent="-317500" lvl="3" marL="1828800">
+            <a:lvl4pPr indent="-298450" lvl="3" marL="1828800">
               <a:lnSpc>
                 <a:spcPct val="115000"/>
               </a:lnSpc>
@@ -5831,17 +7743,22 @@
                 <a:spcPts val="0"/>
               </a:spcAft>
               <a:buClr>
-                <a:schemeClr val="dk2"/>
+                <a:schemeClr val="accent1"/>
               </a:buClr>
-              <a:buSzPts val="1400"/>
+              <a:buSzPts val="1100"/>
+              <a:buFont typeface="Lato"/>
               <a:buChar char="●"/>
-              <a:defRPr>
-                <a:solidFill>
-                  <a:schemeClr val="dk2"/>
-                </a:solidFill>
+              <a:defRPr sz="1100">
+                <a:solidFill>
+                  <a:schemeClr val="accent1"/>
+                </a:solidFill>
+                <a:latin typeface="Lato"/>
+                <a:ea typeface="Lato"/>
+                <a:cs typeface="Lato"/>
+                <a:sym typeface="Lato"/>
               </a:defRPr>
             </a:lvl4pPr>
-            <a:lvl5pPr indent="-317500" lvl="4" marL="2286000">
+            <a:lvl5pPr indent="-298450" lvl="4" marL="2286000">
               <a:lnSpc>
                 <a:spcPct val="115000"/>
               </a:lnSpc>
@@ -5852,17 +7769,22 @@
                 <a:spcPts val="0"/>
               </a:spcAft>
               <a:buClr>
-                <a:schemeClr val="dk2"/>
+                <a:schemeClr val="accent1"/>
               </a:buClr>
-              <a:buSzPts val="1400"/>
+              <a:buSzPts val="1100"/>
+              <a:buFont typeface="Lato"/>
               <a:buChar char="○"/>
-              <a:defRPr>
-                <a:solidFill>
-                  <a:schemeClr val="dk2"/>
-                </a:solidFill>
+              <a:defRPr sz="1100">
+                <a:solidFill>
+                  <a:schemeClr val="accent1"/>
+                </a:solidFill>
+                <a:latin typeface="Lato"/>
+                <a:ea typeface="Lato"/>
+                <a:cs typeface="Lato"/>
+                <a:sym typeface="Lato"/>
               </a:defRPr>
             </a:lvl5pPr>
-            <a:lvl6pPr indent="-317500" lvl="5" marL="2743200">
+            <a:lvl6pPr indent="-298450" lvl="5" marL="2743200">
               <a:lnSpc>
                 <a:spcPct val="115000"/>
               </a:lnSpc>
@@ -5873,17 +7795,22 @@
                 <a:spcPts val="0"/>
               </a:spcAft>
               <a:buClr>
-                <a:schemeClr val="dk2"/>
+                <a:schemeClr val="accent1"/>
               </a:buClr>
-              <a:buSzPts val="1400"/>
+              <a:buSzPts val="1100"/>
+              <a:buFont typeface="Lato"/>
               <a:buChar char="■"/>
-              <a:defRPr>
-                <a:solidFill>
-                  <a:schemeClr val="dk2"/>
-                </a:solidFill>
+              <a:defRPr sz="1100">
+                <a:solidFill>
+                  <a:schemeClr val="accent1"/>
+                </a:solidFill>
+                <a:latin typeface="Lato"/>
+                <a:ea typeface="Lato"/>
+                <a:cs typeface="Lato"/>
+                <a:sym typeface="Lato"/>
               </a:defRPr>
             </a:lvl6pPr>
-            <a:lvl7pPr indent="-317500" lvl="6" marL="3200400">
+            <a:lvl7pPr indent="-298450" lvl="6" marL="3200400">
               <a:lnSpc>
                 <a:spcPct val="115000"/>
               </a:lnSpc>
@@ -5894,17 +7821,22 @@
                 <a:spcPts val="0"/>
               </a:spcAft>
               <a:buClr>
-                <a:schemeClr val="dk2"/>
+                <a:schemeClr val="accent1"/>
               </a:buClr>
-              <a:buSzPts val="1400"/>
+              <a:buSzPts val="1100"/>
+              <a:buFont typeface="Lato"/>
               <a:buChar char="●"/>
-              <a:defRPr>
-                <a:solidFill>
-                  <a:schemeClr val="dk2"/>
-                </a:solidFill>
+              <a:defRPr sz="1100">
+                <a:solidFill>
+                  <a:schemeClr val="accent1"/>
+                </a:solidFill>
+                <a:latin typeface="Lato"/>
+                <a:ea typeface="Lato"/>
+                <a:cs typeface="Lato"/>
+                <a:sym typeface="Lato"/>
               </a:defRPr>
             </a:lvl7pPr>
-            <a:lvl8pPr indent="-317500" lvl="7" marL="3657600">
+            <a:lvl8pPr indent="-298450" lvl="7" marL="3657600">
               <a:lnSpc>
                 <a:spcPct val="115000"/>
               </a:lnSpc>
@@ -5915,17 +7847,22 @@
                 <a:spcPts val="0"/>
               </a:spcAft>
               <a:buClr>
-                <a:schemeClr val="dk2"/>
+                <a:schemeClr val="accent1"/>
               </a:buClr>
-              <a:buSzPts val="1400"/>
+              <a:buSzPts val="1100"/>
+              <a:buFont typeface="Lato"/>
               <a:buChar char="○"/>
-              <a:defRPr>
-                <a:solidFill>
-                  <a:schemeClr val="dk2"/>
-                </a:solidFill>
+              <a:defRPr sz="1100">
+                <a:solidFill>
+                  <a:schemeClr val="accent1"/>
+                </a:solidFill>
+                <a:latin typeface="Lato"/>
+                <a:ea typeface="Lato"/>
+                <a:cs typeface="Lato"/>
+                <a:sym typeface="Lato"/>
               </a:defRPr>
             </a:lvl8pPr>
-            <a:lvl9pPr indent="-317500" lvl="8" marL="4114800">
+            <a:lvl9pPr indent="-298450" lvl="8" marL="4114800">
               <a:lnSpc>
                 <a:spcPct val="115000"/>
               </a:lnSpc>
@@ -5936,14 +7873,19 @@
                 <a:spcPts val="1600"/>
               </a:spcAft>
               <a:buClr>
-                <a:schemeClr val="dk2"/>
+                <a:schemeClr val="accent1"/>
               </a:buClr>
-              <a:buSzPts val="1400"/>
+              <a:buSzPts val="1100"/>
+              <a:buFont typeface="Lato"/>
               <a:buChar char="■"/>
-              <a:defRPr>
-                <a:solidFill>
-                  <a:schemeClr val="dk2"/>
-                </a:solidFill>
+              <a:defRPr sz="1100">
+                <a:solidFill>
+                  <a:schemeClr val="accent1"/>
+                </a:solidFill>
+                <a:latin typeface="Lato"/>
+                <a:ea typeface="Lato"/>
+                <a:cs typeface="Lato"/>
+                <a:sym typeface="Lato"/>
               </a:defRPr>
             </a:lvl9pPr>
           </a:lstStyle>
@@ -5960,7 +7902,7 @@
         </p:nvSpPr>
         <p:spPr>
           <a:xfrm>
-            <a:off x="8472458" y="4663217"/>
+            <a:off x="8536302" y="4749851"/>
             <a:ext cx="548700" cy="393600"/>
           </a:xfrm>
           <a:prstGeom prst="rect">
@@ -5980,72 +7922,108 @@
               <a:buNone/>
               <a:defRPr sz="1000">
                 <a:solidFill>
-                  <a:schemeClr val="dk2"/>
-                </a:solidFill>
+                  <a:schemeClr val="accent1"/>
+                </a:solidFill>
+                <a:latin typeface="Lato"/>
+                <a:ea typeface="Lato"/>
+                <a:cs typeface="Lato"/>
+                <a:sym typeface="Lato"/>
               </a:defRPr>
             </a:lvl1pPr>
             <a:lvl2pPr lvl="1" algn="r">
               <a:buNone/>
               <a:defRPr sz="1000">
                 <a:solidFill>
-                  <a:schemeClr val="dk2"/>
-                </a:solidFill>
+                  <a:schemeClr val="accent1"/>
+                </a:solidFill>
+                <a:latin typeface="Lato"/>
+                <a:ea typeface="Lato"/>
+                <a:cs typeface="Lato"/>
+                <a:sym typeface="Lato"/>
               </a:defRPr>
             </a:lvl2pPr>
             <a:lvl3pPr lvl="2" algn="r">
               <a:buNone/>
               <a:defRPr sz="1000">
                 <a:solidFill>
-                  <a:schemeClr val="dk2"/>
-                </a:solidFill>
+                  <a:schemeClr val="accent1"/>
+                </a:solidFill>
+                <a:latin typeface="Lato"/>
+                <a:ea typeface="Lato"/>
+                <a:cs typeface="Lato"/>
+                <a:sym typeface="Lato"/>
               </a:defRPr>
             </a:lvl3pPr>
             <a:lvl4pPr lvl="3" algn="r">
               <a:buNone/>
               <a:defRPr sz="1000">
                 <a:solidFill>
-                  <a:schemeClr val="dk2"/>
-                </a:solidFill>
+                  <a:schemeClr val="accent1"/>
+                </a:solidFill>
+                <a:latin typeface="Lato"/>
+                <a:ea typeface="Lato"/>
+                <a:cs typeface="Lato"/>
+                <a:sym typeface="Lato"/>
               </a:defRPr>
             </a:lvl4pPr>
             <a:lvl5pPr lvl="4" algn="r">
               <a:buNone/>
               <a:defRPr sz="1000">
                 <a:solidFill>
-                  <a:schemeClr val="dk2"/>
-                </a:solidFill>
+                  <a:schemeClr val="accent1"/>
+                </a:solidFill>
+                <a:latin typeface="Lato"/>
+                <a:ea typeface="Lato"/>
+                <a:cs typeface="Lato"/>
+                <a:sym typeface="Lato"/>
               </a:defRPr>
             </a:lvl5pPr>
             <a:lvl6pPr lvl="5" algn="r">
               <a:buNone/>
               <a:defRPr sz="1000">
                 <a:solidFill>
-                  <a:schemeClr val="dk2"/>
-                </a:solidFill>
+                  <a:schemeClr val="accent1"/>
+                </a:solidFill>
+                <a:latin typeface="Lato"/>
+                <a:ea typeface="Lato"/>
+                <a:cs typeface="Lato"/>
+                <a:sym typeface="Lato"/>
               </a:defRPr>
             </a:lvl6pPr>
             <a:lvl7pPr lvl="6" algn="r">
               <a:buNone/>
               <a:defRPr sz="1000">
                 <a:solidFill>
-                  <a:schemeClr val="dk2"/>
-                </a:solidFill>
+                  <a:schemeClr val="accent1"/>
+                </a:solidFill>
+                <a:latin typeface="Lato"/>
+                <a:ea typeface="Lato"/>
+                <a:cs typeface="Lato"/>
+                <a:sym typeface="Lato"/>
               </a:defRPr>
             </a:lvl7pPr>
             <a:lvl8pPr lvl="7" algn="r">
               <a:buNone/>
               <a:defRPr sz="1000">
                 <a:solidFill>
-                  <a:schemeClr val="dk2"/>
-                </a:solidFill>
+                  <a:schemeClr val="accent1"/>
+                </a:solidFill>
+                <a:latin typeface="Lato"/>
+                <a:ea typeface="Lato"/>
+                <a:cs typeface="Lato"/>
+                <a:sym typeface="Lato"/>
               </a:defRPr>
             </a:lvl8pPr>
             <a:lvl9pPr lvl="8" algn="r">
               <a:buNone/>
               <a:defRPr sz="1000">
                 <a:solidFill>
-                  <a:schemeClr val="dk2"/>
-                </a:solidFill>
+                  <a:schemeClr val="accent1"/>
+                </a:solidFill>
+                <a:latin typeface="Lato"/>
+                <a:ea typeface="Lato"/>
+                <a:cs typeface="Lato"/>
+                <a:sym typeface="Lato"/>
               </a:defRPr>
             </a:lvl9pPr>
           </a:lstStyle>
@@ -6781,7 +8759,7 @@
   <p:cSld>
     <p:spTree>
       <p:nvGrpSpPr>
-        <p:cNvPr id="53" name="Shape 53"/>
+        <p:cNvPr id="85" name="Shape 85"/>
         <p:cNvGrpSpPr/>
         <p:nvPr/>
       </p:nvGrpSpPr>
@@ -6795,7 +8773,7 @@
       </p:grpSpPr>
       <p:sp>
         <p:nvSpPr>
-          <p:cNvPr id="54" name="Shape 54"/>
+          <p:cNvPr id="86" name="Shape 86"/>
           <p:cNvSpPr txBox="1"/>
           <p:nvPr>
             <p:ph type="ctrTitle"/>
@@ -6803,20 +8781,20 @@
         </p:nvSpPr>
         <p:spPr>
           <a:xfrm>
-            <a:off x="311700" y="1098500"/>
-            <a:ext cx="8520600" cy="2341800"/>
+            <a:off x="311700" y="1789500"/>
+            <a:ext cx="8520600" cy="1564500"/>
           </a:xfrm>
           <a:prstGeom prst="rect">
             <a:avLst/>
           </a:prstGeom>
         </p:spPr>
         <p:txBody>
-          <a:bodyPr anchorCtr="0" anchor="b" bIns="91425" lIns="91425" spcFirstLastPara="1" rIns="91425" wrap="square" tIns="91425">
+          <a:bodyPr anchorCtr="0" anchor="t" bIns="91425" lIns="91425" spcFirstLastPara="1" rIns="91425" wrap="square" tIns="91425">
             <a:noAutofit/>
           </a:bodyPr>
           <a:lstStyle/>
           <a:p>
-            <a:pPr indent="0" lvl="0" marL="0">
+            <a:pPr indent="0" lvl="0" marL="0" rtl="0" algn="ctr">
               <a:spcBef>
                 <a:spcPts val="0"/>
               </a:spcBef>
@@ -6831,32 +8809,16 @@
               <a:buNone/>
             </a:pPr>
             <a:r>
-              <a:rPr lang="pt-BR" sz="3600"/>
-              <a:t>Big Data, Machine Learning, and the Social Sciences:</a:t>
+              <a:rPr lang="pt-BR" sz="3000"/>
+              <a:t>Big Data, Machine Learning, and the Social Sciences: Fairness, Accountability, and Transparency</a:t>
             </a:r>
-            <a:endParaRPr sz="3600"/>
-          </a:p>
-          <a:p>
-            <a:pPr indent="0" lvl="0" marL="0" rtl="0">
-              <a:spcBef>
-                <a:spcPts val="0"/>
-              </a:spcBef>
-              <a:spcAft>
-                <a:spcPts val="0"/>
-              </a:spcAft>
-              <a:buNone/>
-            </a:pPr>
-            <a:r>
-              <a:rPr lang="pt-BR" sz="3600"/>
-              <a:t>Fairness, Accountability, and Transparency</a:t>
-            </a:r>
-            <a:endParaRPr sz="3600"/>
+            <a:endParaRPr sz="3000"/>
           </a:p>
         </p:txBody>
       </p:sp>
       <p:sp>
         <p:nvSpPr>
-          <p:cNvPr id="55" name="Shape 55"/>
+          <p:cNvPr id="87" name="Shape 87"/>
           <p:cNvSpPr txBox="1"/>
           <p:nvPr>
             <p:ph idx="1" type="subTitle"/>
@@ -6907,7 +8869,7 @@
   <p:cSld>
     <p:spTree>
       <p:nvGrpSpPr>
-        <p:cNvPr id="107" name="Shape 107"/>
+        <p:cNvPr id="139" name="Shape 139"/>
         <p:cNvGrpSpPr/>
         <p:nvPr/>
       </p:nvGrpSpPr>
@@ -6921,7 +8883,7 @@
       </p:grpSpPr>
       <p:sp>
         <p:nvSpPr>
-          <p:cNvPr id="108" name="Shape 108"/>
+          <p:cNvPr id="140" name="Shape 140"/>
           <p:cNvSpPr txBox="1"/>
           <p:nvPr>
             <p:ph type="title"/>
@@ -6929,8 +8891,8 @@
         </p:nvSpPr>
         <p:spPr>
           <a:xfrm>
-            <a:off x="311700" y="445025"/>
-            <a:ext cx="8520600" cy="572700"/>
+            <a:off x="729450" y="1318650"/>
+            <a:ext cx="7688700" cy="535200"/>
           </a:xfrm>
           <a:prstGeom prst="rect">
             <a:avLst/>
@@ -6961,7 +8923,7 @@
       </p:sp>
       <p:sp>
         <p:nvSpPr>
-          <p:cNvPr id="109" name="Shape 109"/>
+          <p:cNvPr id="141" name="Shape 141"/>
           <p:cNvSpPr txBox="1"/>
           <p:nvPr>
             <p:ph idx="1" type="body"/>
@@ -6969,8 +8931,8 @@
         </p:nvSpPr>
         <p:spPr>
           <a:xfrm>
-            <a:off x="311700" y="1152475"/>
-            <a:ext cx="8520600" cy="3416400"/>
+            <a:off x="729450" y="2078875"/>
+            <a:ext cx="7688700" cy="2261100"/>
           </a:xfrm>
           <a:prstGeom prst="rect">
             <a:avLst/>
@@ -6992,14 +8954,14 @@
               <a:buNone/>
             </a:pPr>
             <a:r>
-              <a:rPr lang="pt-BR" sz="2800">
+              <a:rPr lang="pt-BR" sz="2400">
                 <a:solidFill>
                   <a:schemeClr val="dk1"/>
                 </a:solidFill>
               </a:rPr>
               <a:t>Predição</a:t>
             </a:r>
-            <a:endParaRPr sz="2800">
+            <a:endParaRPr sz="2400">
               <a:solidFill>
                 <a:schemeClr val="dk1"/>
               </a:solidFill>
@@ -7016,14 +8978,14 @@
               <a:buNone/>
             </a:pPr>
             <a:r>
-              <a:rPr lang="pt-BR" sz="2800">
+              <a:rPr lang="pt-BR" sz="2400">
                 <a:solidFill>
                   <a:schemeClr val="dk1"/>
                 </a:solidFill>
               </a:rPr>
               <a:t>Explanação </a:t>
             </a:r>
-            <a:endParaRPr sz="2800">
+            <a:endParaRPr sz="2400">
               <a:solidFill>
                 <a:schemeClr val="dk1"/>
               </a:solidFill>
@@ -7040,14 +9002,14 @@
               <a:buNone/>
             </a:pPr>
             <a:r>
-              <a:rPr lang="pt-BR" sz="2800">
+              <a:rPr lang="pt-BR" sz="2400">
                 <a:solidFill>
                   <a:schemeClr val="dk1"/>
                 </a:solidFill>
               </a:rPr>
               <a:t>Exploração</a:t>
             </a:r>
-            <a:endParaRPr/>
+            <a:endParaRPr sz="2400"/>
           </a:p>
         </p:txBody>
       </p:sp>
@@ -7064,7 +9026,7 @@
   <p:cSld>
     <p:spTree>
       <p:nvGrpSpPr>
-        <p:cNvPr id="113" name="Shape 113"/>
+        <p:cNvPr id="145" name="Shape 145"/>
         <p:cNvGrpSpPr/>
         <p:nvPr/>
       </p:nvGrpSpPr>
@@ -7078,7 +9040,7 @@
       </p:grpSpPr>
       <p:sp>
         <p:nvSpPr>
-          <p:cNvPr id="114" name="Shape 114"/>
+          <p:cNvPr id="146" name="Shape 146"/>
           <p:cNvSpPr txBox="1"/>
           <p:nvPr>
             <p:ph type="title"/>
@@ -7086,8 +9048,8 @@
         </p:nvSpPr>
         <p:spPr>
           <a:xfrm>
-            <a:off x="311700" y="445025"/>
-            <a:ext cx="8520600" cy="572700"/>
+            <a:off x="729450" y="1318650"/>
+            <a:ext cx="7688700" cy="535200"/>
           </a:xfrm>
           <a:prstGeom prst="rect">
             <a:avLst/>
@@ -7110,7 +9072,7 @@
             </a:pPr>
             <a:r>
               <a:rPr lang="pt-BR"/>
-              <a:t>Modelo de predição</a:t>
+              <a:t>Modelo exploratório</a:t>
             </a:r>
             <a:endParaRPr/>
           </a:p>
@@ -7118,7 +9080,7 @@
       </p:sp>
       <p:sp>
         <p:nvSpPr>
-          <p:cNvPr id="115" name="Shape 115"/>
+          <p:cNvPr id="147" name="Shape 147"/>
           <p:cNvSpPr txBox="1"/>
           <p:nvPr>
             <p:ph idx="1" type="body"/>
@@ -7126,8 +9088,8 @@
         </p:nvSpPr>
         <p:spPr>
           <a:xfrm>
-            <a:off x="311700" y="1152475"/>
-            <a:ext cx="8520600" cy="3416400"/>
+            <a:off x="729450" y="2078875"/>
+            <a:ext cx="7688700" cy="2261100"/>
           </a:xfrm>
           <a:prstGeom prst="rect">
             <a:avLst/>
@@ -7139,7 +9101,10 @@
           </a:bodyPr>
           <a:lstStyle/>
           <a:p>
-            <a:pPr indent="0" lvl="0" marL="0">
+            <a:pPr indent="0" lvl="0" marL="0" marR="0" rtl="0" algn="l">
+              <a:lnSpc>
+                <a:spcPct val="115000"/>
+              </a:lnSpc>
               <a:spcBef>
                 <a:spcPts val="0"/>
               </a:spcBef>
@@ -7149,61 +9114,24 @@
               <a:buNone/>
             </a:pPr>
             <a:r>
-              <a:rPr lang="pt-BR" sz="2800">
+              <a:rPr lang="pt-BR" sz="2400">
                 <a:solidFill>
                   <a:schemeClr val="dk1"/>
                 </a:solidFill>
               </a:rPr>
-              <a:t>Tentam prediz</a:t>
+              <a:t>Análise inicial dos dados</a:t>
             </a:r>
-            <a:r>
-              <a:rPr lang="pt-BR" sz="2800">
-                <a:solidFill>
-                  <a:schemeClr val="dk1"/>
-                </a:solidFill>
-              </a:rPr>
-              <a:t>e</a:t>
-            </a:r>
-            <a:r>
-              <a:rPr lang="pt-BR" sz="2800">
-                <a:solidFill>
-                  <a:schemeClr val="dk1"/>
-                </a:solidFill>
-              </a:rPr>
-              <a:t>r uma informação com base nos dados de uma base</a:t>
-            </a:r>
-            <a:endParaRPr sz="2800">
+            <a:endParaRPr sz="2400">
               <a:solidFill>
                 <a:schemeClr val="dk1"/>
               </a:solidFill>
             </a:endParaRPr>
           </a:p>
           <a:p>
-            <a:pPr indent="0" lvl="0" marL="0" rtl="0">
-              <a:spcBef>
-                <a:spcPts val="1600"/>
-              </a:spcBef>
-              <a:spcAft>
-                <a:spcPts val="0"/>
-              </a:spcAft>
-              <a:buNone/>
-            </a:pPr>
-            <a:r>
-              <a:rPr lang="pt-BR" sz="2800">
-                <a:solidFill>
-                  <a:schemeClr val="dk1"/>
-                </a:solidFill>
-              </a:rPr>
-              <a:t>Algo que ainda vai pra acontecer</a:t>
-            </a:r>
-            <a:endParaRPr sz="2800">
-              <a:solidFill>
-                <a:schemeClr val="dk1"/>
-              </a:solidFill>
-            </a:endParaRPr>
-          </a:p>
-          <a:p>
-            <a:pPr indent="0" lvl="0" marL="0" rtl="0">
+            <a:pPr indent="0" lvl="0" marL="0" marR="0" rtl="0" algn="l">
+              <a:lnSpc>
+                <a:spcPct val="115000"/>
+              </a:lnSpc>
               <a:spcBef>
                 <a:spcPts val="1600"/>
               </a:spcBef>
@@ -7218,14 +9146,14 @@
               <a:buNone/>
             </a:pPr>
             <a:r>
-              <a:rPr lang="pt-BR" sz="2800">
+              <a:rPr lang="pt-BR" sz="2400">
                 <a:solidFill>
                   <a:schemeClr val="dk1"/>
                 </a:solidFill>
               </a:rPr>
-              <a:t>Preencher dado faltante em um base.</a:t>
+              <a:t>Busca por informações que poderão ser extraídas </a:t>
             </a:r>
-            <a:endParaRPr sz="2800">
+            <a:endParaRPr sz="2400">
               <a:solidFill>
                 <a:schemeClr val="dk1"/>
               </a:solidFill>
@@ -7246,7 +9174,7 @@
   <p:cSld>
     <p:spTree>
       <p:nvGrpSpPr>
-        <p:cNvPr id="119" name="Shape 119"/>
+        <p:cNvPr id="151" name="Shape 151"/>
         <p:cNvGrpSpPr/>
         <p:nvPr/>
       </p:nvGrpSpPr>
@@ -7260,7 +9188,7 @@
       </p:grpSpPr>
       <p:sp>
         <p:nvSpPr>
-          <p:cNvPr id="120" name="Shape 120"/>
+          <p:cNvPr id="152" name="Shape 152"/>
           <p:cNvSpPr txBox="1"/>
           <p:nvPr>
             <p:ph type="title"/>
@@ -7268,8 +9196,8 @@
         </p:nvSpPr>
         <p:spPr>
           <a:xfrm>
-            <a:off x="311700" y="445025"/>
-            <a:ext cx="8520600" cy="572700"/>
+            <a:off x="729450" y="1318650"/>
+            <a:ext cx="7688700" cy="535200"/>
           </a:xfrm>
           <a:prstGeom prst="rect">
             <a:avLst/>
@@ -7300,7 +9228,7 @@
       </p:sp>
       <p:sp>
         <p:nvSpPr>
-          <p:cNvPr id="121" name="Shape 121"/>
+          <p:cNvPr id="153" name="Shape 153"/>
           <p:cNvSpPr txBox="1"/>
           <p:nvPr>
             <p:ph idx="1" type="body"/>
@@ -7308,8 +9236,8 @@
         </p:nvSpPr>
         <p:spPr>
           <a:xfrm>
-            <a:off x="311700" y="1152475"/>
-            <a:ext cx="8520600" cy="3416400"/>
+            <a:off x="729450" y="2078875"/>
+            <a:ext cx="7688700" cy="2261100"/>
           </a:xfrm>
           <a:prstGeom prst="rect">
             <a:avLst/>
@@ -7321,7 +9249,10 @@
           </a:bodyPr>
           <a:lstStyle/>
           <a:p>
-            <a:pPr indent="0" lvl="0" marL="0">
+            <a:pPr indent="0" lvl="0" marL="0" marR="0" rtl="0" algn="l">
+              <a:lnSpc>
+                <a:spcPct val="115000"/>
+              </a:lnSpc>
               <a:spcBef>
                 <a:spcPts val="0"/>
               </a:spcBef>
@@ -7331,13 +9262,24 @@
               <a:buNone/>
             </a:pPr>
             <a:r>
-              <a:rPr lang="pt-BR"/>
-              <a:t>Explicar “o porquê” dos dados se comporta daquele jeito</a:t>
+              <a:rPr lang="pt-BR" sz="2400">
+                <a:solidFill>
+                  <a:schemeClr val="dk1"/>
+                </a:solidFill>
+              </a:rPr>
+              <a:t>Explicar “o porquê” do comportamento mostrado através dos dados</a:t>
             </a:r>
-            <a:endParaRPr/>
+            <a:endParaRPr sz="2400">
+              <a:solidFill>
+                <a:schemeClr val="dk1"/>
+              </a:solidFill>
+            </a:endParaRPr>
           </a:p>
           <a:p>
-            <a:pPr indent="0" lvl="0" marL="0">
+            <a:pPr indent="0" lvl="0" marL="0" marR="0" rtl="0" algn="l">
+              <a:lnSpc>
+                <a:spcPct val="115000"/>
+              </a:lnSpc>
               <a:spcBef>
                 <a:spcPts val="1600"/>
               </a:spcBef>
@@ -7347,10 +9289,18 @@
               <a:buNone/>
             </a:pPr>
             <a:r>
-              <a:rPr lang="pt-BR"/>
+              <a:rPr lang="pt-BR" sz="2400">
+                <a:solidFill>
+                  <a:schemeClr val="dk1"/>
+                </a:solidFill>
+              </a:rPr>
               <a:t>Utilização de teorias sociais </a:t>
             </a:r>
-            <a:endParaRPr/>
+            <a:endParaRPr sz="2400">
+              <a:solidFill>
+                <a:schemeClr val="dk1"/>
+              </a:solidFill>
+            </a:endParaRPr>
           </a:p>
         </p:txBody>
       </p:sp>
@@ -7367,7 +9317,7 @@
   <p:cSld>
     <p:spTree>
       <p:nvGrpSpPr>
-        <p:cNvPr id="125" name="Shape 125"/>
+        <p:cNvPr id="157" name="Shape 157"/>
         <p:cNvGrpSpPr/>
         <p:nvPr/>
       </p:nvGrpSpPr>
@@ -7381,7 +9331,7 @@
       </p:grpSpPr>
       <p:sp>
         <p:nvSpPr>
-          <p:cNvPr id="126" name="Shape 126"/>
+          <p:cNvPr id="158" name="Shape 158"/>
           <p:cNvSpPr txBox="1"/>
           <p:nvPr>
             <p:ph type="title"/>
@@ -7389,8 +9339,8 @@
         </p:nvSpPr>
         <p:spPr>
           <a:xfrm>
-            <a:off x="311700" y="445025"/>
-            <a:ext cx="8520600" cy="572700"/>
+            <a:off x="729450" y="1318650"/>
+            <a:ext cx="7688700" cy="535200"/>
           </a:xfrm>
           <a:prstGeom prst="rect">
             <a:avLst/>
@@ -7421,7 +9371,7 @@
       </p:sp>
       <p:sp>
         <p:nvSpPr>
-          <p:cNvPr id="127" name="Shape 127"/>
+          <p:cNvPr id="159" name="Shape 159"/>
           <p:cNvSpPr txBox="1"/>
           <p:nvPr>
             <p:ph idx="1" type="body"/>
@@ -7429,8 +9379,8 @@
         </p:nvSpPr>
         <p:spPr>
           <a:xfrm>
-            <a:off x="311700" y="1152475"/>
-            <a:ext cx="8520600" cy="3416400"/>
+            <a:off x="729450" y="2078875"/>
+            <a:ext cx="7688700" cy="2261100"/>
           </a:xfrm>
           <a:prstGeom prst="rect">
             <a:avLst/>
@@ -7442,7 +9392,7 @@
           </a:bodyPr>
           <a:lstStyle/>
           <a:p>
-            <a:pPr indent="0" lvl="0" marL="0" rtl="0">
+            <a:pPr indent="0" lvl="0" marL="0">
               <a:spcBef>
                 <a:spcPts val="0"/>
               </a:spcBef>
@@ -7452,10 +9402,58 @@
               <a:buNone/>
             </a:pPr>
             <a:r>
-              <a:rPr lang="pt-BR"/>
-              <a:t>Análise inicial dos dados</a:t>
+              <a:rPr lang="pt-BR" sz="2400">
+                <a:solidFill>
+                  <a:schemeClr val="dk1"/>
+                </a:solidFill>
+              </a:rPr>
+              <a:t>Tentam prediz</a:t>
             </a:r>
-            <a:endParaRPr/>
+            <a:r>
+              <a:rPr lang="pt-BR" sz="2400">
+                <a:solidFill>
+                  <a:schemeClr val="dk1"/>
+                </a:solidFill>
+              </a:rPr>
+              <a:t>e</a:t>
+            </a:r>
+            <a:r>
+              <a:rPr lang="pt-BR" sz="2400">
+                <a:solidFill>
+                  <a:schemeClr val="dk1"/>
+                </a:solidFill>
+              </a:rPr>
+              <a:t>r uma informação com base nos dados de uma base</a:t>
+            </a:r>
+            <a:endParaRPr sz="2400">
+              <a:solidFill>
+                <a:schemeClr val="dk1"/>
+              </a:solidFill>
+            </a:endParaRPr>
+          </a:p>
+          <a:p>
+            <a:pPr indent="0" lvl="0" marL="0" rtl="0">
+              <a:spcBef>
+                <a:spcPts val="1600"/>
+              </a:spcBef>
+              <a:spcAft>
+                <a:spcPts val="0"/>
+              </a:spcAft>
+              <a:buNone/>
+            </a:pPr>
+            <a:r>
+              <a:rPr lang="pt-BR" sz="2400">
+                <a:solidFill>
+                  <a:schemeClr val="dk1"/>
+                </a:solidFill>
+              </a:rPr>
+              <a:t>Algo que ainda vai pra acontecer</a:t>
+            </a:r>
+            <a:endParaRPr sz="2400">
+              <a:solidFill>
+                <a:schemeClr val="dk1"/>
+              </a:solidFill>
+            </a:endParaRPr>
           </a:p>
           <a:p>
             <a:pPr indent="0" lvl="0" marL="0" rtl="0">
@@ -7473,10 +9471,18 @@
               <a:buNone/>
             </a:pPr>
             <a:r>
-              <a:rPr lang="pt-BR"/>
-              <a:t>Busca por informações que poderão ser extraídas </a:t>
+              <a:rPr lang="pt-BR" sz="2400">
+                <a:solidFill>
+                  <a:schemeClr val="dk1"/>
+                </a:solidFill>
+              </a:rPr>
+              <a:t>Preencher dado faltante em um base.</a:t>
             </a:r>
-            <a:endParaRPr/>
+            <a:endParaRPr sz="2400">
+              <a:solidFill>
+                <a:schemeClr val="dk1"/>
+              </a:solidFill>
+            </a:endParaRPr>
           </a:p>
         </p:txBody>
       </p:sp>
@@ -7493,7 +9499,7 @@
   <p:cSld>
     <p:spTree>
       <p:nvGrpSpPr>
-        <p:cNvPr id="131" name="Shape 131"/>
+        <p:cNvPr id="163" name="Shape 163"/>
         <p:cNvGrpSpPr/>
         <p:nvPr/>
       </p:nvGrpSpPr>
@@ -7507,7 +9513,7 @@
       </p:grpSpPr>
       <p:sp>
         <p:nvSpPr>
-          <p:cNvPr id="132" name="Shape 132"/>
+          <p:cNvPr id="164" name="Shape 164"/>
           <p:cNvSpPr txBox="1"/>
           <p:nvPr>
             <p:ph type="title"/>
@@ -7515,8 +9521,8 @@
         </p:nvSpPr>
         <p:spPr>
           <a:xfrm>
-            <a:off x="311700" y="445025"/>
-            <a:ext cx="8520600" cy="572700"/>
+            <a:off x="729450" y="1318650"/>
+            <a:ext cx="7688700" cy="535200"/>
           </a:xfrm>
           <a:prstGeom prst="rect">
             <a:avLst/>
@@ -7547,7 +9553,7 @@
       </p:sp>
       <p:sp>
         <p:nvSpPr>
-          <p:cNvPr id="133" name="Shape 133"/>
+          <p:cNvPr id="165" name="Shape 165"/>
           <p:cNvSpPr txBox="1"/>
           <p:nvPr>
             <p:ph idx="1" type="body"/>
@@ -7555,8 +9561,8 @@
         </p:nvSpPr>
         <p:spPr>
           <a:xfrm>
-            <a:off x="311700" y="1152475"/>
-            <a:ext cx="8520600" cy="3416400"/>
+            <a:off x="729450" y="2078875"/>
+            <a:ext cx="7688700" cy="2261100"/>
           </a:xfrm>
           <a:prstGeom prst="rect">
             <a:avLst/>
@@ -7568,7 +9574,10 @@
           </a:bodyPr>
           <a:lstStyle/>
           <a:p>
-            <a:pPr indent="0" lvl="0" marL="0" rtl="0">
+            <a:pPr indent="0" lvl="0" marL="0" marR="0" rtl="0" algn="l">
+              <a:lnSpc>
+                <a:spcPct val="115000"/>
+              </a:lnSpc>
               <a:spcBef>
                 <a:spcPts val="0"/>
               </a:spcBef>
@@ -7578,17 +9587,24 @@
               <a:buNone/>
             </a:pPr>
             <a:r>
-              <a:rPr lang="pt-BR"/>
-              <a:t>A</a:t>
+              <a:rPr lang="pt-BR" sz="2400">
+                <a:solidFill>
+                  <a:schemeClr val="dk1"/>
+                </a:solidFill>
+              </a:rPr>
+              <a:t>Análises explanatórias e exploratórias tendem a anteceder a predição</a:t>
             </a:r>
-            <a:r>
-              <a:rPr lang="pt-BR"/>
-              <a:t>nálises explanatórias e exploratórias tendem a anteceder a predição</a:t>
-            </a:r>
-            <a:endParaRPr/>
+            <a:endParaRPr sz="2400">
+              <a:solidFill>
+                <a:schemeClr val="dk1"/>
+              </a:solidFill>
+            </a:endParaRPr>
           </a:p>
           <a:p>
-            <a:pPr indent="0" lvl="0" marL="0" rtl="0">
+            <a:pPr indent="0" lvl="0" marL="0" marR="0" rtl="0" algn="l">
+              <a:lnSpc>
+                <a:spcPct val="115000"/>
+              </a:lnSpc>
               <a:spcBef>
                 <a:spcPts val="1600"/>
               </a:spcBef>
@@ -7603,10 +9619,18 @@
               <a:buNone/>
             </a:pPr>
             <a:r>
-              <a:rPr lang="pt-BR"/>
+              <a:rPr lang="pt-BR" sz="2400">
+                <a:solidFill>
+                  <a:schemeClr val="dk1"/>
+                </a:solidFill>
+              </a:rPr>
               <a:t>Viés e injustiças repassadas para predição</a:t>
             </a:r>
-            <a:endParaRPr/>
+            <a:endParaRPr sz="2400">
+              <a:solidFill>
+                <a:schemeClr val="dk1"/>
+              </a:solidFill>
+            </a:endParaRPr>
           </a:p>
         </p:txBody>
       </p:sp>
@@ -7623,7 +9647,7 @@
   <p:cSld>
     <p:spTree>
       <p:nvGrpSpPr>
-        <p:cNvPr id="137" name="Shape 137"/>
+        <p:cNvPr id="169" name="Shape 169"/>
         <p:cNvGrpSpPr/>
         <p:nvPr/>
       </p:nvGrpSpPr>
@@ -7637,7 +9661,7 @@
       </p:grpSpPr>
       <p:sp>
         <p:nvSpPr>
-          <p:cNvPr id="138" name="Shape 138"/>
+          <p:cNvPr id="170" name="Shape 170"/>
           <p:cNvSpPr txBox="1"/>
           <p:nvPr>
             <p:ph type="title"/>
@@ -7645,8 +9669,8 @@
         </p:nvSpPr>
         <p:spPr>
           <a:xfrm>
-            <a:off x="311700" y="445025"/>
-            <a:ext cx="8520600" cy="572700"/>
+            <a:off x="729450" y="1318650"/>
+            <a:ext cx="7688700" cy="535200"/>
           </a:xfrm>
           <a:prstGeom prst="rect">
             <a:avLst/>
@@ -7677,7 +9701,7 @@
       </p:sp>
       <p:sp>
         <p:nvSpPr>
-          <p:cNvPr id="139" name="Shape 139"/>
+          <p:cNvPr id="171" name="Shape 171"/>
           <p:cNvSpPr txBox="1"/>
           <p:nvPr>
             <p:ph idx="1" type="body"/>
@@ -7685,8 +9709,8 @@
         </p:nvSpPr>
         <p:spPr>
           <a:xfrm>
-            <a:off x="311700" y="1152475"/>
-            <a:ext cx="8520600" cy="3416400"/>
+            <a:off x="729450" y="2078875"/>
+            <a:ext cx="7688700" cy="2522700"/>
           </a:xfrm>
           <a:prstGeom prst="rect">
             <a:avLst/>
@@ -7698,7 +9722,10 @@
           </a:bodyPr>
           <a:lstStyle/>
           <a:p>
-            <a:pPr indent="0" lvl="0" marL="0">
+            <a:pPr indent="0" lvl="0" marL="0" marR="0" rtl="0" algn="l">
+              <a:lnSpc>
+                <a:spcPct val="115000"/>
+              </a:lnSpc>
               <a:spcBef>
                 <a:spcPts val="0"/>
               </a:spcBef>
@@ -7708,13 +9735,24 @@
               <a:buNone/>
             </a:pPr>
             <a:r>
-              <a:rPr lang="pt-BR"/>
+              <a:rPr lang="pt-BR" sz="1800">
+                <a:solidFill>
+                  <a:schemeClr val="dk1"/>
+                </a:solidFill>
+              </a:rPr>
               <a:t>Importância de um especialista no domínio</a:t>
             </a:r>
-            <a:endParaRPr/>
+            <a:endParaRPr sz="1800">
+              <a:solidFill>
+                <a:schemeClr val="dk1"/>
+              </a:solidFill>
+            </a:endParaRPr>
           </a:p>
           <a:p>
-            <a:pPr indent="0" lvl="0" marL="0">
+            <a:pPr indent="0" lvl="0" marL="0" marR="0" rtl="0" algn="l">
+              <a:lnSpc>
+                <a:spcPct val="115000"/>
+              </a:lnSpc>
               <a:spcBef>
                 <a:spcPts val="1600"/>
               </a:spcBef>
@@ -7724,13 +9762,24 @@
               <a:buNone/>
             </a:pPr>
             <a:r>
-              <a:rPr lang="pt-BR"/>
+              <a:rPr lang="pt-BR" sz="1800">
+                <a:solidFill>
+                  <a:schemeClr val="dk1"/>
+                </a:solidFill>
+              </a:rPr>
               <a:t>Cientistas sociais</a:t>
             </a:r>
-            <a:endParaRPr/>
+            <a:endParaRPr sz="1800">
+              <a:solidFill>
+                <a:schemeClr val="dk1"/>
+              </a:solidFill>
+            </a:endParaRPr>
           </a:p>
           <a:p>
-            <a:pPr indent="0" lvl="0" marL="0">
+            <a:pPr indent="0" lvl="0" marL="0" marR="0" rtl="0" algn="l">
+              <a:lnSpc>
+                <a:spcPct val="115000"/>
+              </a:lnSpc>
               <a:spcBef>
                 <a:spcPts val="1600"/>
               </a:spcBef>
@@ -7740,17 +9789,32 @@
               <a:buNone/>
             </a:pPr>
             <a:r>
-              <a:rPr lang="pt-BR"/>
+              <a:rPr lang="pt-BR" sz="1800">
+                <a:solidFill>
+                  <a:schemeClr val="dk1"/>
+                </a:solidFill>
+              </a:rPr>
               <a:t>Evitar </a:t>
             </a:r>
             <a:r>
-              <a:rPr lang="pt-BR"/>
+              <a:rPr lang="pt-BR" sz="1800">
+                <a:solidFill>
+                  <a:schemeClr val="dk1"/>
+                </a:solidFill>
+              </a:rPr>
               <a:t>estereótipos</a:t>
             </a:r>
-            <a:endParaRPr/>
+            <a:endParaRPr sz="1800">
+              <a:solidFill>
+                <a:schemeClr val="dk1"/>
+              </a:solidFill>
+            </a:endParaRPr>
           </a:p>
           <a:p>
-            <a:pPr indent="0" lvl="0" marL="0">
+            <a:pPr indent="0" lvl="0" marL="0" marR="0" rtl="0" algn="l">
+              <a:lnSpc>
+                <a:spcPct val="115000"/>
+              </a:lnSpc>
               <a:spcBef>
                 <a:spcPts val="1600"/>
               </a:spcBef>
@@ -7760,13 +9824,24 @@
               <a:buNone/>
             </a:pPr>
             <a:r>
-              <a:rPr lang="pt-BR"/>
+              <a:rPr lang="pt-BR" sz="1800">
+                <a:solidFill>
+                  <a:schemeClr val="dk1"/>
+                </a:solidFill>
+              </a:rPr>
               <a:t>Análise enviesada</a:t>
             </a:r>
-            <a:endParaRPr/>
+            <a:endParaRPr sz="1800">
+              <a:solidFill>
+                <a:schemeClr val="dk1"/>
+              </a:solidFill>
+            </a:endParaRPr>
           </a:p>
           <a:p>
-            <a:pPr indent="0" lvl="0" marL="0">
+            <a:pPr indent="0" lvl="0" marL="0" marR="0" rtl="0" algn="l">
+              <a:lnSpc>
+                <a:spcPct val="115000"/>
+              </a:lnSpc>
               <a:spcBef>
                 <a:spcPts val="1600"/>
               </a:spcBef>
@@ -7776,10 +9851,18 @@
               <a:buNone/>
             </a:pPr>
             <a:r>
-              <a:rPr lang="pt-BR"/>
+              <a:rPr lang="pt-BR" sz="1800">
+                <a:solidFill>
+                  <a:schemeClr val="dk1"/>
+                </a:solidFill>
+              </a:rPr>
               <a:t>Evitar fatores humanos no processo e na conclusão</a:t>
             </a:r>
-            <a:endParaRPr/>
+            <a:endParaRPr sz="1800">
+              <a:solidFill>
+                <a:schemeClr val="dk1"/>
+              </a:solidFill>
+            </a:endParaRPr>
           </a:p>
         </p:txBody>
       </p:sp>
@@ -7796,7 +9879,7 @@
   <p:cSld>
     <p:spTree>
       <p:nvGrpSpPr>
-        <p:cNvPr id="59" name="Shape 59"/>
+        <p:cNvPr id="91" name="Shape 91"/>
         <p:cNvGrpSpPr/>
         <p:nvPr/>
       </p:nvGrpSpPr>
@@ -7810,7 +9893,7 @@
       </p:grpSpPr>
       <p:sp>
         <p:nvSpPr>
-          <p:cNvPr id="60" name="Shape 60"/>
+          <p:cNvPr id="92" name="Shape 92"/>
           <p:cNvSpPr txBox="1"/>
           <p:nvPr>
             <p:ph type="title"/>
@@ -7818,8 +9901,8 @@
         </p:nvSpPr>
         <p:spPr>
           <a:xfrm>
-            <a:off x="311700" y="445025"/>
-            <a:ext cx="8520600" cy="572700"/>
+            <a:off x="729450" y="1318650"/>
+            <a:ext cx="7688700" cy="535200"/>
           </a:xfrm>
           <a:prstGeom prst="rect">
             <a:avLst/>
@@ -7850,7 +9933,7 @@
       </p:sp>
       <p:sp>
         <p:nvSpPr>
-          <p:cNvPr id="61" name="Shape 61"/>
+          <p:cNvPr id="93" name="Shape 93"/>
           <p:cNvSpPr txBox="1"/>
           <p:nvPr>
             <p:ph idx="1" type="body"/>
@@ -7858,8 +9941,8 @@
         </p:nvSpPr>
         <p:spPr>
           <a:xfrm>
-            <a:off x="311700" y="1152475"/>
-            <a:ext cx="8520600" cy="3416400"/>
+            <a:off x="729450" y="2078875"/>
+            <a:ext cx="7688700" cy="2261100"/>
           </a:xfrm>
           <a:prstGeom prst="rect">
             <a:avLst/>
@@ -7871,7 +9954,10 @@
           </a:bodyPr>
           <a:lstStyle/>
           <a:p>
-            <a:pPr indent="0" lvl="0" marL="0" rtl="0">
+            <a:pPr indent="0" lvl="0" marL="0" marR="0" rtl="0" algn="l">
+              <a:lnSpc>
+                <a:spcPct val="115000"/>
+              </a:lnSpc>
               <a:spcBef>
                 <a:spcPts val="0"/>
               </a:spcBef>
@@ -7881,17 +9967,24 @@
               <a:buNone/>
             </a:pPr>
             <a:r>
-              <a:rPr lang="pt-BR"/>
-              <a:t>J</a:t>
+              <a:rPr lang="pt-BR" sz="1800">
+                <a:solidFill>
+                  <a:schemeClr val="dk1"/>
+                </a:solidFill>
+              </a:rPr>
+              <a:t>Justiça (fairness)</a:t>
             </a:r>
-            <a:r>
-              <a:rPr lang="pt-BR"/>
-              <a:t>ustiça (fairness)</a:t>
-            </a:r>
-            <a:endParaRPr/>
+            <a:endParaRPr sz="1800">
+              <a:solidFill>
+                <a:schemeClr val="dk1"/>
+              </a:solidFill>
+            </a:endParaRPr>
           </a:p>
           <a:p>
-            <a:pPr indent="0" lvl="0" marL="0" rtl="0">
+            <a:pPr indent="0" lvl="0" marL="0" marR="0" rtl="0" algn="l">
+              <a:lnSpc>
+                <a:spcPct val="115000"/>
+              </a:lnSpc>
               <a:spcBef>
                 <a:spcPts val="1600"/>
               </a:spcBef>
@@ -7901,13 +9994,24 @@
               <a:buNone/>
             </a:pPr>
             <a:r>
-              <a:rPr lang="pt-BR"/>
+              <a:rPr lang="pt-BR" sz="1800">
+                <a:solidFill>
+                  <a:schemeClr val="dk1"/>
+                </a:solidFill>
+              </a:rPr>
               <a:t>Responsabilidade (accountability)</a:t>
             </a:r>
-            <a:endParaRPr/>
+            <a:endParaRPr sz="1800">
+              <a:solidFill>
+                <a:schemeClr val="dk1"/>
+              </a:solidFill>
+            </a:endParaRPr>
           </a:p>
           <a:p>
-            <a:pPr indent="0" lvl="0" marL="0" rtl="0">
+            <a:pPr indent="0" lvl="0" marL="0" marR="0" rtl="0" algn="l">
+              <a:lnSpc>
+                <a:spcPct val="115000"/>
+              </a:lnSpc>
               <a:spcBef>
                 <a:spcPts val="1600"/>
               </a:spcBef>
@@ -7922,10 +10026,18 @@
               <a:buNone/>
             </a:pPr>
             <a:r>
-              <a:rPr lang="pt-BR"/>
+              <a:rPr lang="pt-BR" sz="1800">
+                <a:solidFill>
+                  <a:schemeClr val="dk1"/>
+                </a:solidFill>
+              </a:rPr>
               <a:t>Transparência (transparency) </a:t>
             </a:r>
-            <a:endParaRPr/>
+            <a:endParaRPr sz="1800">
+              <a:solidFill>
+                <a:schemeClr val="dk1"/>
+              </a:solidFill>
+            </a:endParaRPr>
           </a:p>
         </p:txBody>
       </p:sp>
@@ -7942,7 +10054,7 @@
   <p:cSld>
     <p:spTree>
       <p:nvGrpSpPr>
-        <p:cNvPr id="65" name="Shape 65"/>
+        <p:cNvPr id="97" name="Shape 97"/>
         <p:cNvGrpSpPr/>
         <p:nvPr/>
       </p:nvGrpSpPr>
@@ -7956,7 +10068,7 @@
       </p:grpSpPr>
       <p:sp>
         <p:nvSpPr>
-          <p:cNvPr id="66" name="Shape 66"/>
+          <p:cNvPr id="98" name="Shape 98"/>
           <p:cNvSpPr txBox="1"/>
           <p:nvPr>
             <p:ph type="title"/>
@@ -7964,8 +10076,8 @@
         </p:nvSpPr>
         <p:spPr>
           <a:xfrm>
-            <a:off x="311700" y="445025"/>
-            <a:ext cx="8520600" cy="572700"/>
+            <a:off x="729450" y="733950"/>
+            <a:ext cx="7688400" cy="1244700"/>
           </a:xfrm>
           <a:prstGeom prst="rect">
             <a:avLst/>
@@ -7992,16 +10104,16 @@
               <a:buNone/>
             </a:pPr>
             <a:r>
-              <a:rPr lang="pt-BR"/>
+              <a:rPr lang="pt-BR" sz="2400"/>
               <a:t>O que é big data?</a:t>
             </a:r>
-            <a:endParaRPr/>
+            <a:endParaRPr sz="2400"/>
           </a:p>
         </p:txBody>
       </p:sp>
       <p:sp>
         <p:nvSpPr>
-          <p:cNvPr id="67" name="Shape 67"/>
+          <p:cNvPr id="99" name="Shape 99"/>
           <p:cNvSpPr txBox="1"/>
           <p:nvPr>
             <p:ph idx="1" type="body"/>
@@ -8009,8 +10121,8 @@
         </p:nvSpPr>
         <p:spPr>
           <a:xfrm>
-            <a:off x="311700" y="1152475"/>
-            <a:ext cx="8520600" cy="3416400"/>
+            <a:off x="727800" y="1478850"/>
+            <a:ext cx="7688400" cy="2185800"/>
           </a:xfrm>
           <a:prstGeom prst="rect">
             <a:avLst/>
@@ -8022,7 +10134,7 @@
           </a:bodyPr>
           <a:lstStyle/>
           <a:p>
-            <a:pPr indent="0" lvl="0" marL="0" rtl="0">
+            <a:pPr indent="0" lvl="0" marL="0" rtl="0" algn="ctr">
               <a:spcBef>
                 <a:spcPts val="0"/>
               </a:spcBef>
@@ -8037,14 +10149,14 @@
               <a:buNone/>
             </a:pPr>
             <a:r>
-              <a:rPr lang="pt-BR"/>
+              <a:rPr lang="pt-BR" sz="2400"/>
               <a:t>U</a:t>
             </a:r>
             <a:r>
-              <a:rPr lang="pt-BR"/>
+              <a:rPr lang="pt-BR" sz="2400"/>
               <a:t>m largo, diverso, complexo, longitudinal, e/ou distribuído conjunto de dados gerado a partir de instrumentos, sensores, interação com a internet, email, vídeo, fluxo de cliques, e/ou qualquer outra fonte digital disponível.</a:t>
             </a:r>
-            <a:endParaRPr/>
+            <a:endParaRPr sz="2400"/>
           </a:p>
         </p:txBody>
       </p:sp>
@@ -8061,7 +10173,7 @@
   <p:cSld>
     <p:spTree>
       <p:nvGrpSpPr>
-        <p:cNvPr id="71" name="Shape 71"/>
+        <p:cNvPr id="103" name="Shape 103"/>
         <p:cNvGrpSpPr/>
         <p:nvPr/>
       </p:nvGrpSpPr>
@@ -8075,7 +10187,7 @@
       </p:grpSpPr>
       <p:sp>
         <p:nvSpPr>
-          <p:cNvPr id="72" name="Shape 72"/>
+          <p:cNvPr id="104" name="Shape 104"/>
           <p:cNvSpPr txBox="1"/>
           <p:nvPr>
             <p:ph type="title"/>
@@ -8083,8 +10195,8 @@
         </p:nvSpPr>
         <p:spPr>
           <a:xfrm>
-            <a:off x="311700" y="445025"/>
-            <a:ext cx="8520600" cy="572700"/>
+            <a:off x="729450" y="733950"/>
+            <a:ext cx="7688400" cy="1244700"/>
           </a:xfrm>
           <a:prstGeom prst="rect">
             <a:avLst/>
@@ -8106,16 +10218,16 @@
               <a:buNone/>
             </a:pPr>
             <a:r>
-              <a:rPr lang="pt-BR"/>
+              <a:rPr lang="pt-BR" sz="2400"/>
               <a:t>O que é big data?</a:t>
             </a:r>
-            <a:endParaRPr/>
+            <a:endParaRPr sz="2400"/>
           </a:p>
         </p:txBody>
       </p:sp>
       <p:sp>
         <p:nvSpPr>
-          <p:cNvPr id="73" name="Shape 73"/>
+          <p:cNvPr id="105" name="Shape 105"/>
           <p:cNvSpPr txBox="1"/>
           <p:nvPr>
             <p:ph idx="1" type="body"/>
@@ -8123,8 +10235,8 @@
         </p:nvSpPr>
         <p:spPr>
           <a:xfrm>
-            <a:off x="311700" y="1152475"/>
-            <a:ext cx="8520600" cy="3416400"/>
+            <a:off x="729450" y="1781538"/>
+            <a:ext cx="7688400" cy="1580400"/>
           </a:xfrm>
           <a:prstGeom prst="rect">
             <a:avLst/>
@@ -8136,7 +10248,7 @@
           </a:bodyPr>
           <a:lstStyle/>
           <a:p>
-            <a:pPr indent="0" lvl="0" marL="0" rtl="0">
+            <a:pPr indent="0" lvl="0" marL="0" rtl="0" algn="ctr">
               <a:spcBef>
                 <a:spcPts val="0"/>
               </a:spcBef>
@@ -8146,10 +10258,10 @@
               <a:buNone/>
             </a:pPr>
             <a:r>
-              <a:rPr lang="pt-BR"/>
+              <a:rPr lang="pt-BR" sz="2400"/>
               <a:t>É o acumulado de enormes quantidades de informações estatísticas sobre informações sociais e tendências econômicas  e comportamento humano</a:t>
             </a:r>
-            <a:endParaRPr/>
+            <a:endParaRPr sz="2400"/>
           </a:p>
         </p:txBody>
       </p:sp>
@@ -8166,7 +10278,7 @@
   <p:cSld>
     <p:spTree>
       <p:nvGrpSpPr>
-        <p:cNvPr id="77" name="Shape 77"/>
+        <p:cNvPr id="109" name="Shape 109"/>
         <p:cNvGrpSpPr/>
         <p:nvPr/>
       </p:nvGrpSpPr>
@@ -8180,7 +10292,7 @@
       </p:grpSpPr>
       <p:sp>
         <p:nvSpPr>
-          <p:cNvPr id="78" name="Shape 78"/>
+          <p:cNvPr id="110" name="Shape 110"/>
           <p:cNvSpPr txBox="1"/>
           <p:nvPr>
             <p:ph type="title"/>
@@ -8188,8 +10300,8 @@
         </p:nvSpPr>
         <p:spPr>
           <a:xfrm>
-            <a:off x="311700" y="445025"/>
-            <a:ext cx="8520600" cy="572700"/>
+            <a:off x="729450" y="1318650"/>
+            <a:ext cx="7688700" cy="535200"/>
           </a:xfrm>
           <a:prstGeom prst="rect">
             <a:avLst/>
@@ -8229,7 +10341,7 @@
       </p:sp>
       <p:sp>
         <p:nvSpPr>
-          <p:cNvPr id="79" name="Shape 79"/>
+          <p:cNvPr id="111" name="Shape 111"/>
           <p:cNvSpPr txBox="1"/>
           <p:nvPr>
             <p:ph idx="1" type="body"/>
@@ -8237,8 +10349,8 @@
         </p:nvSpPr>
         <p:spPr>
           <a:xfrm>
-            <a:off x="311700" y="1152475"/>
-            <a:ext cx="8520600" cy="3416400"/>
+            <a:off x="729450" y="2078875"/>
+            <a:ext cx="7688700" cy="2261100"/>
           </a:xfrm>
           <a:prstGeom prst="rect">
             <a:avLst/>
@@ -8250,7 +10362,10 @@
           </a:bodyPr>
           <a:lstStyle/>
           <a:p>
-            <a:pPr indent="0" lvl="0" marL="0">
+            <a:pPr indent="0" lvl="0" marL="0" marR="0" rtl="0" algn="l">
+              <a:lnSpc>
+                <a:spcPct val="115000"/>
+              </a:lnSpc>
               <a:spcBef>
                 <a:spcPts val="0"/>
               </a:spcBef>
@@ -8260,13 +10375,24 @@
               <a:buNone/>
             </a:pPr>
             <a:r>
-              <a:rPr lang="pt-BR"/>
+              <a:rPr lang="pt-BR" sz="2400">
+                <a:solidFill>
+                  <a:schemeClr val="dk1"/>
+                </a:solidFill>
+              </a:rPr>
               <a:t>Estatísticas</a:t>
             </a:r>
-            <a:endParaRPr/>
+            <a:endParaRPr sz="2400">
+              <a:solidFill>
+                <a:schemeClr val="dk1"/>
+              </a:solidFill>
+            </a:endParaRPr>
           </a:p>
           <a:p>
-            <a:pPr indent="0" lvl="0" marL="0">
+            <a:pPr indent="0" lvl="0" marL="0" marR="0" rtl="0" algn="l">
+              <a:lnSpc>
+                <a:spcPct val="115000"/>
+              </a:lnSpc>
               <a:spcBef>
                 <a:spcPts val="1600"/>
               </a:spcBef>
@@ -8276,13 +10402,24 @@
               <a:buNone/>
             </a:pPr>
             <a:r>
-              <a:rPr lang="pt-BR"/>
+              <a:rPr lang="pt-BR" sz="2400">
+                <a:solidFill>
+                  <a:schemeClr val="dk1"/>
+                </a:solidFill>
+              </a:rPr>
               <a:t>Ciência da computação</a:t>
             </a:r>
-            <a:endParaRPr/>
+            <a:endParaRPr sz="2400">
+              <a:solidFill>
+                <a:schemeClr val="dk1"/>
+              </a:solidFill>
+            </a:endParaRPr>
           </a:p>
           <a:p>
-            <a:pPr indent="0" lvl="0" marL="0">
+            <a:pPr indent="0" lvl="0" marL="0" marR="0" rtl="0" algn="l">
+              <a:lnSpc>
+                <a:spcPct val="115000"/>
+              </a:lnSpc>
               <a:spcBef>
                 <a:spcPts val="1600"/>
               </a:spcBef>
@@ -8292,10 +10429,18 @@
               <a:buNone/>
             </a:pPr>
             <a:r>
-              <a:rPr lang="pt-BR"/>
-              <a:t>Ciência social</a:t>
+              <a:rPr lang="pt-BR" sz="2400">
+                <a:solidFill>
+                  <a:schemeClr val="dk1"/>
+                </a:solidFill>
+              </a:rPr>
+              <a:t>Ciências sociais</a:t>
             </a:r>
-            <a:endParaRPr/>
+            <a:endParaRPr sz="2400">
+              <a:solidFill>
+                <a:schemeClr val="dk1"/>
+              </a:solidFill>
+            </a:endParaRPr>
           </a:p>
         </p:txBody>
       </p:sp>
@@ -8312,7 +10457,7 @@
   <p:cSld>
     <p:spTree>
       <p:nvGrpSpPr>
-        <p:cNvPr id="83" name="Shape 83"/>
+        <p:cNvPr id="115" name="Shape 115"/>
         <p:cNvGrpSpPr/>
         <p:nvPr/>
       </p:nvGrpSpPr>
@@ -8326,7 +10471,7 @@
       </p:grpSpPr>
       <p:sp>
         <p:nvSpPr>
-          <p:cNvPr id="84" name="Shape 84"/>
+          <p:cNvPr id="116" name="Shape 116"/>
           <p:cNvSpPr txBox="1"/>
           <p:nvPr>
             <p:ph type="title"/>
@@ -8334,8 +10479,8 @@
         </p:nvSpPr>
         <p:spPr>
           <a:xfrm>
-            <a:off x="311700" y="445025"/>
-            <a:ext cx="8520600" cy="572700"/>
+            <a:off x="729450" y="1318650"/>
+            <a:ext cx="7688700" cy="535200"/>
           </a:xfrm>
           <a:prstGeom prst="rect">
             <a:avLst/>
@@ -8366,7 +10511,7 @@
       </p:sp>
       <p:sp>
         <p:nvSpPr>
-          <p:cNvPr id="85" name="Shape 85"/>
+          <p:cNvPr id="117" name="Shape 117"/>
           <p:cNvSpPr txBox="1"/>
           <p:nvPr>
             <p:ph idx="1" type="body"/>
@@ -8374,8 +10519,8 @@
         </p:nvSpPr>
         <p:spPr>
           <a:xfrm>
-            <a:off x="311700" y="1152475"/>
-            <a:ext cx="8520600" cy="3416400"/>
+            <a:off x="729450" y="2078875"/>
+            <a:ext cx="7688700" cy="2261100"/>
           </a:xfrm>
           <a:prstGeom prst="rect">
             <a:avLst/>
@@ -8397,10 +10542,18 @@
               <a:buNone/>
             </a:pPr>
             <a:r>
-              <a:rPr lang="pt-BR"/>
+              <a:rPr lang="pt-BR" sz="2400">
+                <a:solidFill>
+                  <a:schemeClr val="dk1"/>
+                </a:solidFill>
+              </a:rPr>
               <a:t>Granularidade </a:t>
             </a:r>
-            <a:endParaRPr/>
+            <a:endParaRPr sz="2400">
+              <a:solidFill>
+                <a:schemeClr val="dk1"/>
+              </a:solidFill>
+            </a:endParaRPr>
           </a:p>
           <a:p>
             <a:pPr indent="0" lvl="0" marL="0">
@@ -8413,10 +10566,18 @@
               <a:buNone/>
             </a:pPr>
             <a:r>
-              <a:rPr lang="pt-BR"/>
+              <a:rPr lang="pt-BR" sz="2400">
+                <a:solidFill>
+                  <a:schemeClr val="dk1"/>
+                </a:solidFill>
+              </a:rPr>
               <a:t>Heterogeneidade</a:t>
             </a:r>
-            <a:endParaRPr/>
+            <a:endParaRPr sz="2400">
+              <a:solidFill>
+                <a:schemeClr val="dk1"/>
+              </a:solidFill>
+            </a:endParaRPr>
           </a:p>
         </p:txBody>
       </p:sp>
@@ -8433,7 +10594,7 @@
   <p:cSld>
     <p:spTree>
       <p:nvGrpSpPr>
-        <p:cNvPr id="89" name="Shape 89"/>
+        <p:cNvPr id="121" name="Shape 121"/>
         <p:cNvGrpSpPr/>
         <p:nvPr/>
       </p:nvGrpSpPr>
@@ -8447,7 +10608,7 @@
       </p:grpSpPr>
       <p:sp>
         <p:nvSpPr>
-          <p:cNvPr id="90" name="Shape 90"/>
+          <p:cNvPr id="122" name="Shape 122"/>
           <p:cNvSpPr txBox="1"/>
           <p:nvPr>
             <p:ph type="title"/>
@@ -8455,8 +10616,8 @@
         </p:nvSpPr>
         <p:spPr>
           <a:xfrm>
-            <a:off x="311700" y="445025"/>
-            <a:ext cx="8520600" cy="572700"/>
+            <a:off x="729450" y="1318650"/>
+            <a:ext cx="7688700" cy="535200"/>
           </a:xfrm>
           <a:prstGeom prst="rect">
             <a:avLst/>
@@ -8487,7 +10648,7 @@
       </p:sp>
       <p:sp>
         <p:nvSpPr>
-          <p:cNvPr id="91" name="Shape 91"/>
+          <p:cNvPr id="123" name="Shape 123"/>
           <p:cNvSpPr txBox="1"/>
           <p:nvPr>
             <p:ph idx="1" type="body"/>
@@ -8495,8 +10656,8 @@
         </p:nvSpPr>
         <p:spPr>
           <a:xfrm>
-            <a:off x="311700" y="1152475"/>
-            <a:ext cx="8520600" cy="3416400"/>
+            <a:off x="729450" y="2078875"/>
+            <a:ext cx="7688700" cy="2261100"/>
           </a:xfrm>
           <a:prstGeom prst="rect">
             <a:avLst/>
@@ -8518,14 +10679,14 @@
               <a:buNone/>
             </a:pPr>
             <a:r>
-              <a:rPr lang="pt-BR" sz="2800">
+              <a:rPr lang="pt-BR" sz="2400">
                 <a:solidFill>
                   <a:schemeClr val="dk1"/>
                 </a:solidFill>
               </a:rPr>
-              <a:t>Uma boa granularidade, talvez não seja possível de alcançar apenas utilizando técnicas computacionais.</a:t>
+              <a:t>Uma boa granularidade, talvez não seja possível de alcançar apenas utilizando técnicas computacionais</a:t>
             </a:r>
-            <a:endParaRPr sz="2800">
+            <a:endParaRPr sz="2400">
               <a:solidFill>
                 <a:schemeClr val="dk1"/>
               </a:solidFill>
@@ -8542,14 +10703,14 @@
               <a:buNone/>
             </a:pPr>
             <a:r>
-              <a:rPr lang="pt-BR" sz="2800">
+              <a:rPr lang="pt-BR" sz="2400">
                 <a:solidFill>
                   <a:schemeClr val="dk1"/>
                 </a:solidFill>
               </a:rPr>
               <a:t>O que perguntar</a:t>
             </a:r>
-            <a:endParaRPr sz="2800">
+            <a:endParaRPr sz="2400">
               <a:solidFill>
                 <a:schemeClr val="dk1"/>
               </a:solidFill>
@@ -8571,14 +10732,14 @@
               <a:buNone/>
             </a:pPr>
             <a:r>
-              <a:rPr lang="pt-BR" sz="2800">
+              <a:rPr lang="pt-BR" sz="2400">
                 <a:solidFill>
                   <a:schemeClr val="dk1"/>
                 </a:solidFill>
               </a:rPr>
               <a:t>Onde encontrar respostas</a:t>
             </a:r>
-            <a:endParaRPr sz="2800">
+            <a:endParaRPr sz="2400">
               <a:solidFill>
                 <a:schemeClr val="dk1"/>
               </a:solidFill>
@@ -8599,7 +10760,7 @@
   <p:cSld>
     <p:spTree>
       <p:nvGrpSpPr>
-        <p:cNvPr id="95" name="Shape 95"/>
+        <p:cNvPr id="127" name="Shape 127"/>
         <p:cNvGrpSpPr/>
         <p:nvPr/>
       </p:nvGrpSpPr>
@@ -8613,7 +10774,7 @@
       </p:grpSpPr>
       <p:sp>
         <p:nvSpPr>
-          <p:cNvPr id="96" name="Shape 96"/>
+          <p:cNvPr id="128" name="Shape 128"/>
           <p:cNvSpPr txBox="1"/>
           <p:nvPr>
             <p:ph type="title"/>
@@ -8621,8 +10782,8 @@
         </p:nvSpPr>
         <p:spPr>
           <a:xfrm>
-            <a:off x="311700" y="445025"/>
-            <a:ext cx="8520600" cy="572700"/>
+            <a:off x="729450" y="1318650"/>
+            <a:ext cx="7688700" cy="535200"/>
           </a:xfrm>
           <a:prstGeom prst="rect">
             <a:avLst/>
@@ -8662,7 +10823,7 @@
       </p:sp>
       <p:sp>
         <p:nvSpPr>
-          <p:cNvPr id="97" name="Shape 97"/>
+          <p:cNvPr id="129" name="Shape 129"/>
           <p:cNvSpPr txBox="1"/>
           <p:nvPr>
             <p:ph idx="1" type="body"/>
@@ -8670,8 +10831,8 @@
         </p:nvSpPr>
         <p:spPr>
           <a:xfrm>
-            <a:off x="311700" y="1152475"/>
-            <a:ext cx="8520600" cy="3416400"/>
+            <a:off x="729450" y="2078875"/>
+            <a:ext cx="7688700" cy="2261100"/>
           </a:xfrm>
           <a:prstGeom prst="rect">
             <a:avLst/>
@@ -8693,14 +10854,14 @@
               <a:buNone/>
             </a:pPr>
             <a:r>
-              <a:rPr lang="pt-BR" sz="2800">
+              <a:rPr lang="pt-BR" sz="2400">
                 <a:solidFill>
                   <a:schemeClr val="dk1"/>
                 </a:solidFill>
               </a:rPr>
               <a:t>Bases de dados concentram um conjunto específico da sociedade</a:t>
             </a:r>
-            <a:endParaRPr sz="2800">
+            <a:endParaRPr sz="2400">
               <a:solidFill>
                 <a:schemeClr val="dk1"/>
               </a:solidFill>
@@ -8722,14 +10883,14 @@
               <a:buNone/>
             </a:pPr>
             <a:r>
-              <a:rPr lang="pt-BR" sz="2800">
+              <a:rPr lang="pt-BR" sz="2400">
                 <a:solidFill>
                   <a:schemeClr val="dk1"/>
                 </a:solidFill>
               </a:rPr>
               <a:t>Modelos que levam em consideração majoritariamente uma único subconjunto da população</a:t>
             </a:r>
-            <a:endParaRPr sz="2800">
+            <a:endParaRPr sz="2400">
               <a:solidFill>
                 <a:schemeClr val="dk1"/>
               </a:solidFill>
@@ -8750,7 +10911,7 @@
   <p:cSld>
     <p:spTree>
       <p:nvGrpSpPr>
-        <p:cNvPr id="101" name="Shape 101"/>
+        <p:cNvPr id="133" name="Shape 133"/>
         <p:cNvGrpSpPr/>
         <p:nvPr/>
       </p:nvGrpSpPr>
@@ -8764,7 +10925,7 @@
       </p:grpSpPr>
       <p:sp>
         <p:nvSpPr>
-          <p:cNvPr id="102" name="Shape 102"/>
+          <p:cNvPr id="134" name="Shape 134"/>
           <p:cNvSpPr txBox="1"/>
           <p:nvPr>
             <p:ph type="title"/>
@@ -8772,8 +10933,8 @@
         </p:nvSpPr>
         <p:spPr>
           <a:xfrm>
-            <a:off x="311700" y="445025"/>
-            <a:ext cx="8520600" cy="572700"/>
+            <a:off x="729450" y="1318650"/>
+            <a:ext cx="7688700" cy="535200"/>
           </a:xfrm>
           <a:prstGeom prst="rect">
             <a:avLst/>
@@ -8804,7 +10965,7 @@
       </p:sp>
       <p:sp>
         <p:nvSpPr>
-          <p:cNvPr id="103" name="Shape 103"/>
+          <p:cNvPr id="135" name="Shape 135"/>
           <p:cNvSpPr txBox="1"/>
           <p:nvPr>
             <p:ph idx="1" type="body"/>
@@ -8812,8 +10973,8 @@
         </p:nvSpPr>
         <p:spPr>
           <a:xfrm>
-            <a:off x="311700" y="1152475"/>
-            <a:ext cx="8520600" cy="3416400"/>
+            <a:off x="729450" y="2078875"/>
+            <a:ext cx="7688700" cy="2261100"/>
           </a:xfrm>
           <a:prstGeom prst="rect">
             <a:avLst/>
@@ -8835,14 +10996,14 @@
               <a:buNone/>
             </a:pPr>
             <a:r>
-              <a:rPr lang="pt-BR" sz="2800">
+              <a:rPr lang="pt-BR" sz="1800">
                 <a:solidFill>
                   <a:schemeClr val="dk1"/>
                 </a:solidFill>
               </a:rPr>
               <a:t>Priorizar as questões sociais acima da viabilidade dos dados</a:t>
             </a:r>
-            <a:endParaRPr sz="2800">
+            <a:endParaRPr sz="1800">
               <a:solidFill>
                 <a:schemeClr val="dk1"/>
               </a:solidFill>
@@ -8859,14 +11020,14 @@
               <a:buNone/>
             </a:pPr>
             <a:r>
-              <a:rPr lang="pt-BR" sz="2800">
+              <a:rPr lang="pt-BR" sz="1800">
                 <a:solidFill>
                   <a:schemeClr val="dk1"/>
                 </a:solidFill>
               </a:rPr>
               <a:t>Dados podem não ser tão fáceis de achar</a:t>
             </a:r>
-            <a:endParaRPr sz="2800">
+            <a:endParaRPr sz="1800">
               <a:solidFill>
                 <a:schemeClr val="dk1"/>
               </a:solidFill>
@@ -8883,14 +11044,14 @@
               <a:buNone/>
             </a:pPr>
             <a:r>
-              <a:rPr lang="pt-BR" sz="2800">
+              <a:rPr lang="pt-BR" sz="1800">
                 <a:solidFill>
                   <a:schemeClr val="dk1"/>
                 </a:solidFill>
               </a:rPr>
               <a:t>Técnicas de agregação e curadoria</a:t>
             </a:r>
-            <a:endParaRPr sz="2800">
+            <a:endParaRPr sz="1800">
               <a:solidFill>
                 <a:schemeClr val="dk1"/>
               </a:solidFill>
@@ -8912,14 +11073,14 @@
               <a:buNone/>
             </a:pPr>
             <a:r>
-              <a:rPr lang="pt-BR" sz="2800">
+              <a:rPr lang="pt-BR" sz="1800">
                 <a:solidFill>
                   <a:schemeClr val="dk1"/>
                 </a:solidFill>
               </a:rPr>
               <a:t>Dados de melhor qualidade que permitem uma análise que reflete mais eficazmente o mundo real</a:t>
             </a:r>
-            <a:endParaRPr sz="2800">
+            <a:endParaRPr sz="1800">
               <a:solidFill>
                 <a:schemeClr val="dk1"/>
               </a:solidFill>
@@ -9215,44 +11376,44 @@
 </file>
 
 <file path=ppt/theme/theme2.xml><?xml version="1.0" encoding="utf-8"?>
-<a:theme xmlns:a="http://schemas.openxmlformats.org/drawingml/2006/main" xmlns:r="http://schemas.openxmlformats.org/officeDocument/2006/relationships" name="Simple Light">
+<a:theme xmlns:a="http://schemas.openxmlformats.org/drawingml/2006/main" xmlns:r="http://schemas.openxmlformats.org/officeDocument/2006/relationships" name="Streamline">
   <a:themeElements>
-    <a:clrScheme name="Simple Light">
+    <a:clrScheme name="Streamline">
       <a:dk1>
-        <a:srgbClr val="000000"/>
+        <a:srgbClr val="1A9988"/>
       </a:dk1>
       <a:lt1>
         <a:srgbClr val="FFFFFF"/>
       </a:lt1>
       <a:dk2>
-        <a:srgbClr val="595959"/>
+        <a:srgbClr val="1A1A1A"/>
       </a:dk2>
       <a:lt2>
-        <a:srgbClr val="EEEEEE"/>
+        <a:srgbClr val="E9EDEE"/>
       </a:lt2>
       <a:accent1>
-        <a:srgbClr val="FFAB40"/>
+        <a:srgbClr val="595959"/>
       </a:accent1>
       <a:accent2>
-        <a:srgbClr val="212121"/>
+        <a:srgbClr val="6AA4C8"/>
       </a:accent2>
       <a:accent3>
-        <a:srgbClr val="78909C"/>
+        <a:srgbClr val="EB5600"/>
       </a:accent3>
       <a:accent4>
-        <a:srgbClr val="FFAB40"/>
+        <a:srgbClr val="A2FFE8"/>
       </a:accent4>
       <a:accent5>
-        <a:srgbClr val="0097A7"/>
+        <a:srgbClr val="1C3678"/>
       </a:accent5>
       <a:accent6>
-        <a:srgbClr val="EEFF41"/>
+        <a:srgbClr val="FFB8A2"/>
       </a:accent6>
       <a:hlink>
-        <a:srgbClr val="0097A7"/>
+        <a:srgbClr val="1C3678"/>
       </a:hlink>
       <a:folHlink>
-        <a:srgbClr val="0097A7"/>
+        <a:srgbClr val="1C3678"/>
       </a:folHlink>
     </a:clrScheme>
     <a:fontScheme name="Office">
